--- a/docs/PROIECTLARN.pptx
+++ b/docs/PROIECTLARN.pptx
@@ -5,7 +5,7 @@
     <p:sldMasterId id="2147483683" r:id="rId1"/>
   </p:sldMasterIdLst>
   <p:notesMasterIdLst>
-    <p:notesMasterId r:id="rId24"/>
+    <p:notesMasterId r:id="rId28"/>
   </p:notesMasterIdLst>
   <p:sldIdLst>
     <p:sldId id="256" r:id="rId2"/>
@@ -28,36 +28,40 @@
     <p:sldId id="319" r:id="rId19"/>
     <p:sldId id="313" r:id="rId20"/>
     <p:sldId id="275" r:id="rId21"/>
-    <p:sldId id="315" r:id="rId22"/>
-    <p:sldId id="316" r:id="rId23"/>
+    <p:sldId id="320" r:id="rId22"/>
+    <p:sldId id="323" r:id="rId23"/>
+    <p:sldId id="315" r:id="rId24"/>
+    <p:sldId id="321" r:id="rId25"/>
+    <p:sldId id="322" r:id="rId26"/>
+    <p:sldId id="316" r:id="rId27"/>
   </p:sldIdLst>
   <p:sldSz cx="9144000" cy="5143500" type="screen16x9"/>
   <p:notesSz cx="6858000" cy="9144000"/>
   <p:embeddedFontLst>
     <p:embeddedFont>
       <p:font typeface="Bebas Neue" panose="020B0606020202050201" pitchFamily="34" charset="0"/>
-      <p:regular r:id="rId25"/>
+      <p:regular r:id="rId29"/>
     </p:embeddedFont>
     <p:embeddedFont>
       <p:font typeface="Nunito" pitchFamily="2" charset="0"/>
-      <p:regular r:id="rId26"/>
-      <p:bold r:id="rId27"/>
-      <p:italic r:id="rId28"/>
-      <p:boldItalic r:id="rId29"/>
-    </p:embeddedFont>
-    <p:embeddedFont>
-      <p:font typeface="Raleway" pitchFamily="2" charset="0"/>
       <p:regular r:id="rId30"/>
       <p:bold r:id="rId31"/>
       <p:italic r:id="rId32"/>
       <p:boldItalic r:id="rId33"/>
     </p:embeddedFont>
     <p:embeddedFont>
-      <p:font typeface="Raleway Medium" pitchFamily="2" charset="0"/>
+      <p:font typeface="Raleway" pitchFamily="2" charset="0"/>
       <p:regular r:id="rId34"/>
       <p:bold r:id="rId35"/>
       <p:italic r:id="rId36"/>
       <p:boldItalic r:id="rId37"/>
+    </p:embeddedFont>
+    <p:embeddedFont>
+      <p:font typeface="Raleway Medium" pitchFamily="2" charset="0"/>
+      <p:regular r:id="rId38"/>
+      <p:bold r:id="rId39"/>
+      <p:italic r:id="rId40"/>
+      <p:boldItalic r:id="rId41"/>
     </p:embeddedFont>
   </p:embeddedFontLst>
   <p:defaultTextStyle>
@@ -1702,6 +1706,364 @@
   <p:cSld>
     <p:spTree>
       <p:nvGrpSpPr>
+        <p:cNvPr id="1" name="Shape 981">
+          <a:extLst>
+            <a:ext uri="{FF2B5EF4-FFF2-40B4-BE49-F238E27FC236}">
+              <a16:creationId xmlns:a16="http://schemas.microsoft.com/office/drawing/2014/main" id="{C1DADA19-F376-CB5F-BB5E-E3F5C1DC271F}"/>
+            </a:ext>
+          </a:extLst>
+        </p:cNvPr>
+        <p:cNvGrpSpPr/>
+        <p:nvPr/>
+      </p:nvGrpSpPr>
+      <p:grpSpPr>
+        <a:xfrm>
+          <a:off x="0" y="0"/>
+          <a:ext cx="0" cy="0"/>
+          <a:chOff x="0" y="0"/>
+          <a:chExt cx="0" cy="0"/>
+        </a:xfrm>
+      </p:grpSpPr>
+      <p:sp>
+        <p:nvSpPr>
+          <p:cNvPr id="982" name="Google Shape;982;g10b68f5f6c9_0_292:notes">
+            <a:extLst>
+              <a:ext uri="{FF2B5EF4-FFF2-40B4-BE49-F238E27FC236}">
+                <a16:creationId xmlns:a16="http://schemas.microsoft.com/office/drawing/2014/main" id="{F8847777-CF2D-C6FA-8F5D-B15FE4A71A07}"/>
+              </a:ext>
+            </a:extLst>
+          </p:cNvPr>
+          <p:cNvSpPr>
+            <a:spLocks noGrp="1" noRot="1" noChangeAspect="1"/>
+          </p:cNvSpPr>
+          <p:nvPr>
+            <p:ph type="sldImg" idx="2"/>
+          </p:nvPr>
+        </p:nvSpPr>
+        <p:spPr>
+          <a:xfrm>
+            <a:off x="381000" y="685800"/>
+            <a:ext cx="6096000" cy="3429000"/>
+          </a:xfrm>
+          <a:custGeom>
+            <a:avLst/>
+            <a:gdLst/>
+            <a:ahLst/>
+            <a:cxnLst/>
+            <a:rect l="l" t="t" r="r" b="b"/>
+            <a:pathLst>
+              <a:path w="120000" h="120000" extrusionOk="0">
+                <a:moveTo>
+                  <a:pt x="0" y="0"/>
+                </a:moveTo>
+                <a:lnTo>
+                  <a:pt x="120000" y="0"/>
+                </a:lnTo>
+                <a:lnTo>
+                  <a:pt x="120000" y="120000"/>
+                </a:lnTo>
+                <a:lnTo>
+                  <a:pt x="0" y="120000"/>
+                </a:lnTo>
+                <a:close/>
+              </a:path>
+            </a:pathLst>
+          </a:custGeom>
+        </p:spPr>
+      </p:sp>
+      <p:sp>
+        <p:nvSpPr>
+          <p:cNvPr id="983" name="Google Shape;983;g10b68f5f6c9_0_292:notes">
+            <a:extLst>
+              <a:ext uri="{FF2B5EF4-FFF2-40B4-BE49-F238E27FC236}">
+                <a16:creationId xmlns:a16="http://schemas.microsoft.com/office/drawing/2014/main" id="{3956C21C-60AE-AC5E-D588-B94F0B1C2B40}"/>
+              </a:ext>
+            </a:extLst>
+          </p:cNvPr>
+          <p:cNvSpPr txBox="1">
+            <a:spLocks noGrp="1"/>
+          </p:cNvSpPr>
+          <p:nvPr>
+            <p:ph type="body" idx="1"/>
+          </p:nvPr>
+        </p:nvSpPr>
+        <p:spPr>
+          <a:xfrm>
+            <a:off x="685800" y="4343400"/>
+            <a:ext cx="5486400" cy="4114800"/>
+          </a:xfrm>
+          <a:prstGeom prst="rect">
+            <a:avLst/>
+          </a:prstGeom>
+        </p:spPr>
+        <p:txBody>
+          <a:bodyPr spcFirstLastPara="1" wrap="square" lIns="91425" tIns="91425" rIns="91425" bIns="91425" anchor="t" anchorCtr="0">
+            <a:noAutofit/>
+          </a:bodyPr>
+          <a:lstStyle/>
+          <a:p>
+            <a:pPr marL="0" lvl="0" indent="0" algn="l" rtl="0">
+              <a:spcBef>
+                <a:spcPts val="0"/>
+              </a:spcBef>
+              <a:spcAft>
+                <a:spcPts val="0"/>
+              </a:spcAft>
+              <a:buNone/>
+            </a:pPr>
+            <a:endParaRPr/>
+          </a:p>
+        </p:txBody>
+      </p:sp>
+    </p:spTree>
+    <p:extLst>
+      <p:ext uri="{BB962C8B-B14F-4D97-AF65-F5344CB8AC3E}">
+        <p14:creationId xmlns:p14="http://schemas.microsoft.com/office/powerpoint/2010/main" val="4100286844"/>
+      </p:ext>
+    </p:extLst>
+  </p:cSld>
+  <p:clrMapOvr>
+    <a:masterClrMapping/>
+  </p:clrMapOvr>
+</p:notes>
+</file>
+
+<file path=ppt/notesSlides/notesSlide19.xml><?xml version="1.0" encoding="utf-8"?>
+<p:notes xmlns:a="http://schemas.openxmlformats.org/drawingml/2006/main" xmlns:r="http://schemas.openxmlformats.org/officeDocument/2006/relationships" xmlns:p="http://schemas.openxmlformats.org/presentationml/2006/main" showMasterSp="0" showMasterPhAnim="0">
+  <p:cSld>
+    <p:spTree>
+      <p:nvGrpSpPr>
+        <p:cNvPr id="1" name="Shape 981">
+          <a:extLst>
+            <a:ext uri="{FF2B5EF4-FFF2-40B4-BE49-F238E27FC236}">
+              <a16:creationId xmlns:a16="http://schemas.microsoft.com/office/drawing/2014/main" id="{8E3DA8AD-96CF-FA86-B691-BF0A4187E6F1}"/>
+            </a:ext>
+          </a:extLst>
+        </p:cNvPr>
+        <p:cNvGrpSpPr/>
+        <p:nvPr/>
+      </p:nvGrpSpPr>
+      <p:grpSpPr>
+        <a:xfrm>
+          <a:off x="0" y="0"/>
+          <a:ext cx="0" cy="0"/>
+          <a:chOff x="0" y="0"/>
+          <a:chExt cx="0" cy="0"/>
+        </a:xfrm>
+      </p:grpSpPr>
+      <p:sp>
+        <p:nvSpPr>
+          <p:cNvPr id="982" name="Google Shape;982;g10b68f5f6c9_0_292:notes">
+            <a:extLst>
+              <a:ext uri="{FF2B5EF4-FFF2-40B4-BE49-F238E27FC236}">
+                <a16:creationId xmlns:a16="http://schemas.microsoft.com/office/drawing/2014/main" id="{AC72FC16-2288-8FA1-2919-9E4DBFF17743}"/>
+              </a:ext>
+            </a:extLst>
+          </p:cNvPr>
+          <p:cNvSpPr>
+            <a:spLocks noGrp="1" noRot="1" noChangeAspect="1"/>
+          </p:cNvSpPr>
+          <p:nvPr>
+            <p:ph type="sldImg" idx="2"/>
+          </p:nvPr>
+        </p:nvSpPr>
+        <p:spPr>
+          <a:xfrm>
+            <a:off x="381000" y="685800"/>
+            <a:ext cx="6096000" cy="3429000"/>
+          </a:xfrm>
+          <a:custGeom>
+            <a:avLst/>
+            <a:gdLst/>
+            <a:ahLst/>
+            <a:cxnLst/>
+            <a:rect l="l" t="t" r="r" b="b"/>
+            <a:pathLst>
+              <a:path w="120000" h="120000" extrusionOk="0">
+                <a:moveTo>
+                  <a:pt x="0" y="0"/>
+                </a:moveTo>
+                <a:lnTo>
+                  <a:pt x="120000" y="0"/>
+                </a:lnTo>
+                <a:lnTo>
+                  <a:pt x="120000" y="120000"/>
+                </a:lnTo>
+                <a:lnTo>
+                  <a:pt x="0" y="120000"/>
+                </a:lnTo>
+                <a:close/>
+              </a:path>
+            </a:pathLst>
+          </a:custGeom>
+        </p:spPr>
+      </p:sp>
+      <p:sp>
+        <p:nvSpPr>
+          <p:cNvPr id="983" name="Google Shape;983;g10b68f5f6c9_0_292:notes">
+            <a:extLst>
+              <a:ext uri="{FF2B5EF4-FFF2-40B4-BE49-F238E27FC236}">
+                <a16:creationId xmlns:a16="http://schemas.microsoft.com/office/drawing/2014/main" id="{3317D6DF-B602-40B5-BD57-910A0873775A}"/>
+              </a:ext>
+            </a:extLst>
+          </p:cNvPr>
+          <p:cNvSpPr txBox="1">
+            <a:spLocks noGrp="1"/>
+          </p:cNvSpPr>
+          <p:nvPr>
+            <p:ph type="body" idx="1"/>
+          </p:nvPr>
+        </p:nvSpPr>
+        <p:spPr>
+          <a:xfrm>
+            <a:off x="685800" y="4343400"/>
+            <a:ext cx="5486400" cy="4114800"/>
+          </a:xfrm>
+          <a:prstGeom prst="rect">
+            <a:avLst/>
+          </a:prstGeom>
+        </p:spPr>
+        <p:txBody>
+          <a:bodyPr spcFirstLastPara="1" wrap="square" lIns="91425" tIns="91425" rIns="91425" bIns="91425" anchor="t" anchorCtr="0">
+            <a:noAutofit/>
+          </a:bodyPr>
+          <a:lstStyle/>
+          <a:p>
+            <a:pPr marL="0" lvl="0" indent="0" algn="l" rtl="0">
+              <a:spcBef>
+                <a:spcPts val="0"/>
+              </a:spcBef>
+              <a:spcAft>
+                <a:spcPts val="0"/>
+              </a:spcAft>
+              <a:buNone/>
+            </a:pPr>
+            <a:endParaRPr/>
+          </a:p>
+        </p:txBody>
+      </p:sp>
+    </p:spTree>
+    <p:extLst>
+      <p:ext uri="{BB962C8B-B14F-4D97-AF65-F5344CB8AC3E}">
+        <p14:creationId xmlns:p14="http://schemas.microsoft.com/office/powerpoint/2010/main" val="988063987"/>
+      </p:ext>
+    </p:extLst>
+  </p:cSld>
+  <p:clrMapOvr>
+    <a:masterClrMapping/>
+  </p:clrMapOvr>
+</p:notes>
+</file>
+
+<file path=ppt/notesSlides/notesSlide2.xml><?xml version="1.0" encoding="utf-8"?>
+<p:notes xmlns:a="http://schemas.openxmlformats.org/drawingml/2006/main" xmlns:r="http://schemas.openxmlformats.org/officeDocument/2006/relationships" xmlns:p="http://schemas.openxmlformats.org/presentationml/2006/main" showMasterSp="0" showMasterPhAnim="0">
+  <p:cSld>
+    <p:spTree>
+      <p:nvGrpSpPr>
+        <p:cNvPr id="1" name="Shape 404"/>
+        <p:cNvGrpSpPr/>
+        <p:nvPr/>
+      </p:nvGrpSpPr>
+      <p:grpSpPr>
+        <a:xfrm>
+          <a:off x="0" y="0"/>
+          <a:ext cx="0" cy="0"/>
+          <a:chOff x="0" y="0"/>
+          <a:chExt cx="0" cy="0"/>
+        </a:xfrm>
+      </p:grpSpPr>
+      <p:sp>
+        <p:nvSpPr>
+          <p:cNvPr id="405" name="Google Shape;405;g10a2de12baf_0_69:notes"/>
+          <p:cNvSpPr>
+            <a:spLocks noGrp="1" noRot="1" noChangeAspect="1"/>
+          </p:cNvSpPr>
+          <p:nvPr>
+            <p:ph type="sldImg" idx="2"/>
+          </p:nvPr>
+        </p:nvSpPr>
+        <p:spPr>
+          <a:xfrm>
+            <a:off x="381000" y="685800"/>
+            <a:ext cx="6096000" cy="3429000"/>
+          </a:xfrm>
+          <a:custGeom>
+            <a:avLst/>
+            <a:gdLst/>
+            <a:ahLst/>
+            <a:cxnLst/>
+            <a:rect l="l" t="t" r="r" b="b"/>
+            <a:pathLst>
+              <a:path w="120000" h="120000" extrusionOk="0">
+                <a:moveTo>
+                  <a:pt x="0" y="0"/>
+                </a:moveTo>
+                <a:lnTo>
+                  <a:pt x="120000" y="0"/>
+                </a:lnTo>
+                <a:lnTo>
+                  <a:pt x="120000" y="120000"/>
+                </a:lnTo>
+                <a:lnTo>
+                  <a:pt x="0" y="120000"/>
+                </a:lnTo>
+                <a:close/>
+              </a:path>
+            </a:pathLst>
+          </a:custGeom>
+        </p:spPr>
+      </p:sp>
+      <p:sp>
+        <p:nvSpPr>
+          <p:cNvPr id="406" name="Google Shape;406;g10a2de12baf_0_69:notes"/>
+          <p:cNvSpPr txBox="1">
+            <a:spLocks noGrp="1"/>
+          </p:cNvSpPr>
+          <p:nvPr>
+            <p:ph type="body" idx="1"/>
+          </p:nvPr>
+        </p:nvSpPr>
+        <p:spPr>
+          <a:xfrm>
+            <a:off x="685800" y="4343400"/>
+            <a:ext cx="5486400" cy="4114800"/>
+          </a:xfrm>
+          <a:prstGeom prst="rect">
+            <a:avLst/>
+          </a:prstGeom>
+        </p:spPr>
+        <p:txBody>
+          <a:bodyPr spcFirstLastPara="1" wrap="square" lIns="91425" tIns="91425" rIns="91425" bIns="91425" anchor="t" anchorCtr="0">
+            <a:noAutofit/>
+          </a:bodyPr>
+          <a:lstStyle/>
+          <a:p>
+            <a:pPr marL="0" lvl="0" indent="0" algn="l" rtl="0">
+              <a:spcBef>
+                <a:spcPts val="0"/>
+              </a:spcBef>
+              <a:spcAft>
+                <a:spcPts val="0"/>
+              </a:spcAft>
+              <a:buNone/>
+            </a:pPr>
+            <a:endParaRPr/>
+          </a:p>
+        </p:txBody>
+      </p:sp>
+    </p:spTree>
+  </p:cSld>
+  <p:clrMapOvr>
+    <a:masterClrMapping/>
+  </p:clrMapOvr>
+</p:notes>
+</file>
+
+<file path=ppt/notesSlides/notesSlide20.xml><?xml version="1.0" encoding="utf-8"?>
+<p:notes xmlns:a="http://schemas.openxmlformats.org/drawingml/2006/main" xmlns:r="http://schemas.openxmlformats.org/officeDocument/2006/relationships" xmlns:p="http://schemas.openxmlformats.org/presentationml/2006/main" showMasterSp="0" showMasterPhAnim="0">
+  <p:cSld>
+    <p:spTree>
+      <p:nvGrpSpPr>
         <p:cNvPr id="1" name="Shape 829">
           <a:extLst>
             <a:ext uri="{FF2B5EF4-FFF2-40B4-BE49-F238E27FC236}">
@@ -1817,110 +2179,6 @@
         <p14:creationId xmlns:p14="http://schemas.microsoft.com/office/powerpoint/2010/main" val="2763462832"/>
       </p:ext>
     </p:extLst>
-  </p:cSld>
-  <p:clrMapOvr>
-    <a:masterClrMapping/>
-  </p:clrMapOvr>
-</p:notes>
-</file>
-
-<file path=ppt/notesSlides/notesSlide2.xml><?xml version="1.0" encoding="utf-8"?>
-<p:notes xmlns:a="http://schemas.openxmlformats.org/drawingml/2006/main" xmlns:r="http://schemas.openxmlformats.org/officeDocument/2006/relationships" xmlns:p="http://schemas.openxmlformats.org/presentationml/2006/main" showMasterSp="0" showMasterPhAnim="0">
-  <p:cSld>
-    <p:spTree>
-      <p:nvGrpSpPr>
-        <p:cNvPr id="1" name="Shape 404"/>
-        <p:cNvGrpSpPr/>
-        <p:nvPr/>
-      </p:nvGrpSpPr>
-      <p:grpSpPr>
-        <a:xfrm>
-          <a:off x="0" y="0"/>
-          <a:ext cx="0" cy="0"/>
-          <a:chOff x="0" y="0"/>
-          <a:chExt cx="0" cy="0"/>
-        </a:xfrm>
-      </p:grpSpPr>
-      <p:sp>
-        <p:nvSpPr>
-          <p:cNvPr id="405" name="Google Shape;405;g10a2de12baf_0_69:notes"/>
-          <p:cNvSpPr>
-            <a:spLocks noGrp="1" noRot="1" noChangeAspect="1"/>
-          </p:cNvSpPr>
-          <p:nvPr>
-            <p:ph type="sldImg" idx="2"/>
-          </p:nvPr>
-        </p:nvSpPr>
-        <p:spPr>
-          <a:xfrm>
-            <a:off x="381000" y="685800"/>
-            <a:ext cx="6096000" cy="3429000"/>
-          </a:xfrm>
-          <a:custGeom>
-            <a:avLst/>
-            <a:gdLst/>
-            <a:ahLst/>
-            <a:cxnLst/>
-            <a:rect l="l" t="t" r="r" b="b"/>
-            <a:pathLst>
-              <a:path w="120000" h="120000" extrusionOk="0">
-                <a:moveTo>
-                  <a:pt x="0" y="0"/>
-                </a:moveTo>
-                <a:lnTo>
-                  <a:pt x="120000" y="0"/>
-                </a:lnTo>
-                <a:lnTo>
-                  <a:pt x="120000" y="120000"/>
-                </a:lnTo>
-                <a:lnTo>
-                  <a:pt x="0" y="120000"/>
-                </a:lnTo>
-                <a:close/>
-              </a:path>
-            </a:pathLst>
-          </a:custGeom>
-        </p:spPr>
-      </p:sp>
-      <p:sp>
-        <p:nvSpPr>
-          <p:cNvPr id="406" name="Google Shape;406;g10a2de12baf_0_69:notes"/>
-          <p:cNvSpPr txBox="1">
-            <a:spLocks noGrp="1"/>
-          </p:cNvSpPr>
-          <p:nvPr>
-            <p:ph type="body" idx="1"/>
-          </p:nvPr>
-        </p:nvSpPr>
-        <p:spPr>
-          <a:xfrm>
-            <a:off x="685800" y="4343400"/>
-            <a:ext cx="5486400" cy="4114800"/>
-          </a:xfrm>
-          <a:prstGeom prst="rect">
-            <a:avLst/>
-          </a:prstGeom>
-        </p:spPr>
-        <p:txBody>
-          <a:bodyPr spcFirstLastPara="1" wrap="square" lIns="91425" tIns="91425" rIns="91425" bIns="91425" anchor="t" anchorCtr="0">
-            <a:noAutofit/>
-          </a:bodyPr>
-          <a:lstStyle/>
-          <a:p>
-            <a:pPr marL="0" lvl="0" indent="0" algn="l" rtl="0">
-              <a:spcBef>
-                <a:spcPts val="0"/>
-              </a:spcBef>
-              <a:spcAft>
-                <a:spcPts val="0"/>
-              </a:spcAft>
-              <a:buNone/>
-            </a:pPr>
-            <a:endParaRPr/>
-          </a:p>
-        </p:txBody>
-      </p:sp>
-    </p:spTree>
   </p:cSld>
   <p:clrMapOvr>
     <a:masterClrMapping/>
@@ -26432,8 +26690,8 @@
         </p:nvSpPr>
         <p:spPr>
           <a:xfrm>
-            <a:off x="394010" y="1063083"/>
-            <a:ext cx="5751140" cy="3335367"/>
+            <a:off x="414791" y="1042301"/>
+            <a:ext cx="7288335" cy="3335367"/>
           </a:xfrm>
         </p:spPr>
         <p:txBody>
@@ -26603,7 +26861,7 @@
                 <a:latin typeface="Times New Roman" panose="02020603050405020304" pitchFamily="18" charset="0"/>
                 <a:cs typeface="Times New Roman" panose="02020603050405020304" pitchFamily="18" charset="0"/>
               </a:rPr>
-              <a:t>,,</a:t>
+              <a:t>Sa </a:t>
             </a:r>
             <a:r>
               <a:rPr lang="en-US" sz="1600" dirty="0" err="1">
@@ -26613,7 +26871,7 @@
                 <a:latin typeface="Times New Roman" panose="02020603050405020304" pitchFamily="18" charset="0"/>
                 <a:cs typeface="Times New Roman" panose="02020603050405020304" pitchFamily="18" charset="0"/>
               </a:rPr>
-              <a:t>Scorul</a:t>
+              <a:t>aproximeze</a:t>
             </a:r>
             <a:r>
               <a:rPr lang="en-US" sz="1600" dirty="0">
@@ -26623,7 +26881,47 @@
                 <a:latin typeface="Times New Roman" panose="02020603050405020304" pitchFamily="18" charset="0"/>
                 <a:cs typeface="Times New Roman" panose="02020603050405020304" pitchFamily="18" charset="0"/>
               </a:rPr>
-              <a:t>” </a:t>
+              <a:t> </a:t>
+            </a:r>
+            <a:r>
+              <a:rPr lang="en-US" sz="1600" dirty="0" err="1">
+                <a:solidFill>
+                  <a:schemeClr val="bg1"/>
+                </a:solidFill>
+                <a:latin typeface="Times New Roman" panose="02020603050405020304" pitchFamily="18" charset="0"/>
+                <a:cs typeface="Times New Roman" panose="02020603050405020304" pitchFamily="18" charset="0"/>
+              </a:rPr>
+              <a:t>gradul</a:t>
+            </a:r>
+            <a:r>
+              <a:rPr lang="en-US" sz="1600" dirty="0">
+                <a:solidFill>
+                  <a:schemeClr val="bg1"/>
+                </a:solidFill>
+                <a:latin typeface="Times New Roman" panose="02020603050405020304" pitchFamily="18" charset="0"/>
+                <a:cs typeface="Times New Roman" panose="02020603050405020304" pitchFamily="18" charset="0"/>
+              </a:rPr>
+              <a:t> de </a:t>
+            </a:r>
+            <a:r>
+              <a:rPr lang="en-US" sz="1600" dirty="0" err="1">
+                <a:solidFill>
+                  <a:schemeClr val="bg1"/>
+                </a:solidFill>
+                <a:latin typeface="Times New Roman" panose="02020603050405020304" pitchFamily="18" charset="0"/>
+                <a:cs typeface="Times New Roman" panose="02020603050405020304" pitchFamily="18" charset="0"/>
+              </a:rPr>
+              <a:t>risc</a:t>
+            </a:r>
+            <a:r>
+              <a:rPr lang="en-US" sz="1600" dirty="0">
+                <a:solidFill>
+                  <a:schemeClr val="bg1"/>
+                </a:solidFill>
+                <a:latin typeface="Times New Roman" panose="02020603050405020304" pitchFamily="18" charset="0"/>
+                <a:cs typeface="Times New Roman" panose="02020603050405020304" pitchFamily="18" charset="0"/>
+              </a:rPr>
+              <a:t> al </a:t>
             </a:r>
             <a:r>
               <a:rPr lang="en-US" sz="1600" dirty="0" err="1">
@@ -26653,7 +26951,27 @@
                 <a:latin typeface="Times New Roman" panose="02020603050405020304" pitchFamily="18" charset="0"/>
                 <a:cs typeface="Times New Roman" panose="02020603050405020304" pitchFamily="18" charset="0"/>
               </a:rPr>
-              <a:t>judet</a:t>
+              <a:t>vehicul</a:t>
+            </a:r>
+            <a:r>
+              <a:rPr lang="en-US" sz="1600" dirty="0">
+                <a:solidFill>
+                  <a:schemeClr val="bg1"/>
+                </a:solidFill>
+                <a:latin typeface="Times New Roman" panose="02020603050405020304" pitchFamily="18" charset="0"/>
+                <a:cs typeface="Times New Roman" panose="02020603050405020304" pitchFamily="18" charset="0"/>
+              </a:rPr>
+              <a:t> participant la </a:t>
+            </a:r>
+            <a:r>
+              <a:rPr lang="en-US" sz="1600" dirty="0" err="1">
+                <a:solidFill>
+                  <a:schemeClr val="bg1"/>
+                </a:solidFill>
+                <a:latin typeface="Times New Roman" panose="02020603050405020304" pitchFamily="18" charset="0"/>
+                <a:cs typeface="Times New Roman" panose="02020603050405020304" pitchFamily="18" charset="0"/>
+              </a:rPr>
+              <a:t>trafic</a:t>
             </a:r>
             <a:r>
               <a:rPr lang="en-US" sz="1600" dirty="0">
@@ -26673,7 +26991,7 @@
                 <a:latin typeface="Times New Roman" panose="02020603050405020304" pitchFamily="18" charset="0"/>
                 <a:cs typeface="Times New Roman" panose="02020603050405020304" pitchFamily="18" charset="0"/>
               </a:rPr>
-              <a:t>referitor</a:t>
+              <a:t>bazat</a:t>
             </a:r>
             <a:r>
               <a:rPr lang="en-US" sz="1600" dirty="0">
@@ -26683,7 +27001,167 @@
                 <a:latin typeface="Times New Roman" panose="02020603050405020304" pitchFamily="18" charset="0"/>
                 <a:cs typeface="Times New Roman" panose="02020603050405020304" pitchFamily="18" charset="0"/>
               </a:rPr>
-              <a:t> la </a:t>
+              <a:t> pe </a:t>
+            </a:r>
+            <a:r>
+              <a:rPr lang="en-US" sz="1600" dirty="0" err="1">
+                <a:solidFill>
+                  <a:schemeClr val="bg1"/>
+                </a:solidFill>
+                <a:latin typeface="Times New Roman" panose="02020603050405020304" pitchFamily="18" charset="0"/>
+                <a:cs typeface="Times New Roman" panose="02020603050405020304" pitchFamily="18" charset="0"/>
+              </a:rPr>
+              <a:t>numarul</a:t>
+            </a:r>
+            <a:r>
+              <a:rPr lang="en-US" sz="1600" dirty="0">
+                <a:solidFill>
+                  <a:schemeClr val="bg1"/>
+                </a:solidFill>
+                <a:latin typeface="Times New Roman" panose="02020603050405020304" pitchFamily="18" charset="0"/>
+                <a:cs typeface="Times New Roman" panose="02020603050405020304" pitchFamily="18" charset="0"/>
+              </a:rPr>
+              <a:t> de </a:t>
+            </a:r>
+            <a:r>
+              <a:rPr lang="en-US" sz="1600" dirty="0" err="1">
+                <a:solidFill>
+                  <a:schemeClr val="bg1"/>
+                </a:solidFill>
+                <a:latin typeface="Times New Roman" panose="02020603050405020304" pitchFamily="18" charset="0"/>
+                <a:cs typeface="Times New Roman" panose="02020603050405020304" pitchFamily="18" charset="0"/>
+              </a:rPr>
+              <a:t>inmatriculare</a:t>
+            </a:r>
+            <a:r>
+              <a:rPr lang="en-US" sz="1600" dirty="0">
+                <a:solidFill>
+                  <a:schemeClr val="bg1"/>
+                </a:solidFill>
+                <a:latin typeface="Times New Roman" panose="02020603050405020304" pitchFamily="18" charset="0"/>
+                <a:cs typeface="Times New Roman" panose="02020603050405020304" pitchFamily="18" charset="0"/>
+              </a:rPr>
+              <a:t> </a:t>
+            </a:r>
+            <a:r>
+              <a:rPr lang="en-US" sz="1600" dirty="0" err="1">
+                <a:solidFill>
+                  <a:schemeClr val="bg1"/>
+                </a:solidFill>
+                <a:latin typeface="Times New Roman" panose="02020603050405020304" pitchFamily="18" charset="0"/>
+                <a:cs typeface="Times New Roman" panose="02020603050405020304" pitchFamily="18" charset="0"/>
+              </a:rPr>
+              <a:t>aferent</a:t>
+            </a:r>
+            <a:r>
+              <a:rPr lang="en-US" sz="1600" dirty="0">
+                <a:solidFill>
+                  <a:schemeClr val="bg1"/>
+                </a:solidFill>
+                <a:latin typeface="Times New Roman" panose="02020603050405020304" pitchFamily="18" charset="0"/>
+                <a:cs typeface="Times New Roman" panose="02020603050405020304" pitchFamily="18" charset="0"/>
+              </a:rPr>
+              <a:t> </a:t>
+            </a:r>
+            <a:r>
+              <a:rPr lang="en-US" sz="1600" dirty="0" err="1">
+                <a:solidFill>
+                  <a:schemeClr val="bg1"/>
+                </a:solidFill>
+                <a:latin typeface="Times New Roman" panose="02020603050405020304" pitchFamily="18" charset="0"/>
+                <a:cs typeface="Times New Roman" panose="02020603050405020304" pitchFamily="18" charset="0"/>
+              </a:rPr>
+              <a:t>masinii</a:t>
+            </a:r>
+            <a:r>
+              <a:rPr lang="en-US" sz="1600" dirty="0">
+                <a:solidFill>
+                  <a:schemeClr val="bg1"/>
+                </a:solidFill>
+                <a:latin typeface="Times New Roman" panose="02020603050405020304" pitchFamily="18" charset="0"/>
+                <a:cs typeface="Times New Roman" panose="02020603050405020304" pitchFamily="18" charset="0"/>
+              </a:rPr>
+              <a:t>, </a:t>
+            </a:r>
+            <a:r>
+              <a:rPr lang="en-US" sz="1600" dirty="0" err="1">
+                <a:solidFill>
+                  <a:schemeClr val="bg1"/>
+                </a:solidFill>
+                <a:latin typeface="Times New Roman" panose="02020603050405020304" pitchFamily="18" charset="0"/>
+                <a:cs typeface="Times New Roman" panose="02020603050405020304" pitchFamily="18" charset="0"/>
+              </a:rPr>
+              <a:t>fiind</a:t>
+            </a:r>
+            <a:r>
+              <a:rPr lang="en-US" sz="1600" dirty="0">
+                <a:solidFill>
+                  <a:schemeClr val="bg1"/>
+                </a:solidFill>
+                <a:latin typeface="Times New Roman" panose="02020603050405020304" pitchFamily="18" charset="0"/>
+                <a:cs typeface="Times New Roman" panose="02020603050405020304" pitchFamily="18" charset="0"/>
+              </a:rPr>
+              <a:t> </a:t>
+            </a:r>
+            <a:r>
+              <a:rPr lang="en-US" sz="1600" dirty="0" err="1">
+                <a:solidFill>
+                  <a:schemeClr val="bg1"/>
+                </a:solidFill>
+                <a:latin typeface="Times New Roman" panose="02020603050405020304" pitchFamily="18" charset="0"/>
+                <a:cs typeface="Times New Roman" panose="02020603050405020304" pitchFamily="18" charset="0"/>
+              </a:rPr>
+              <a:t>posibila</a:t>
+            </a:r>
+            <a:r>
+              <a:rPr lang="en-US" sz="1600" dirty="0">
+                <a:solidFill>
+                  <a:schemeClr val="bg1"/>
+                </a:solidFill>
+                <a:latin typeface="Times New Roman" panose="02020603050405020304" pitchFamily="18" charset="0"/>
+                <a:cs typeface="Times New Roman" panose="02020603050405020304" pitchFamily="18" charset="0"/>
+              </a:rPr>
+              <a:t> </a:t>
+            </a:r>
+            <a:r>
+              <a:rPr lang="en-US" sz="1600" dirty="0" err="1">
+                <a:solidFill>
+                  <a:schemeClr val="bg1"/>
+                </a:solidFill>
+                <a:latin typeface="Times New Roman" panose="02020603050405020304" pitchFamily="18" charset="0"/>
+                <a:cs typeface="Times New Roman" panose="02020603050405020304" pitchFamily="18" charset="0"/>
+              </a:rPr>
+              <a:t>adaugarea</a:t>
+            </a:r>
+            <a:r>
+              <a:rPr lang="en-US" sz="1600" dirty="0">
+                <a:solidFill>
+                  <a:schemeClr val="bg1"/>
+                </a:solidFill>
+                <a:latin typeface="Times New Roman" panose="02020603050405020304" pitchFamily="18" charset="0"/>
+                <a:cs typeface="Times New Roman" panose="02020603050405020304" pitchFamily="18" charset="0"/>
+              </a:rPr>
+              <a:t> a </a:t>
+            </a:r>
+            <a:r>
+              <a:rPr lang="en-US" sz="1600" dirty="0" err="1">
+                <a:solidFill>
+                  <a:schemeClr val="bg1"/>
+                </a:solidFill>
+                <a:latin typeface="Times New Roman" panose="02020603050405020304" pitchFamily="18" charset="0"/>
+                <a:cs typeface="Times New Roman" panose="02020603050405020304" pitchFamily="18" charset="0"/>
+              </a:rPr>
+              <a:t>noi</a:t>
+            </a:r>
+            <a:r>
+              <a:rPr lang="en-US" sz="1600" dirty="0">
+                <a:solidFill>
+                  <a:schemeClr val="bg1"/>
+                </a:solidFill>
+                <a:latin typeface="Times New Roman" panose="02020603050405020304" pitchFamily="18" charset="0"/>
+                <a:cs typeface="Times New Roman" panose="02020603050405020304" pitchFamily="18" charset="0"/>
+              </a:rPr>
+              <a:t> </a:t>
             </a:r>
             <a:r>
               <a:rPr lang="en-US" sz="1600" dirty="0" err="1">
@@ -26695,13 +27173,116 @@
               </a:rPr>
               <a:t>accidente</a:t>
             </a:r>
-            <a:endParaRPr lang="en-US" sz="1600" dirty="0">
-              <a:solidFill>
-                <a:schemeClr val="bg1"/>
-              </a:solidFill>
-              <a:latin typeface="Times New Roman" panose="02020603050405020304" pitchFamily="18" charset="0"/>
-              <a:cs typeface="Times New Roman" panose="02020603050405020304" pitchFamily="18" charset="0"/>
-            </a:endParaRPr>
+            <a:r>
+              <a:rPr lang="en-US" sz="1600" dirty="0">
+                <a:solidFill>
+                  <a:schemeClr val="bg1"/>
+                </a:solidFill>
+                <a:latin typeface="Times New Roman" panose="02020603050405020304" pitchFamily="18" charset="0"/>
+                <a:cs typeface="Times New Roman" panose="02020603050405020304" pitchFamily="18" charset="0"/>
+              </a:rPr>
+              <a:t> pe </a:t>
+            </a:r>
+            <a:r>
+              <a:rPr lang="en-US" sz="1600" dirty="0" err="1">
+                <a:solidFill>
+                  <a:schemeClr val="bg1"/>
+                </a:solidFill>
+                <a:latin typeface="Times New Roman" panose="02020603050405020304" pitchFamily="18" charset="0"/>
+                <a:cs typeface="Times New Roman" panose="02020603050405020304" pitchFamily="18" charset="0"/>
+              </a:rPr>
+              <a:t>numarul</a:t>
+            </a:r>
+            <a:r>
+              <a:rPr lang="en-US" sz="1600" dirty="0">
+                <a:solidFill>
+                  <a:schemeClr val="bg1"/>
+                </a:solidFill>
+                <a:latin typeface="Times New Roman" panose="02020603050405020304" pitchFamily="18" charset="0"/>
+                <a:cs typeface="Times New Roman" panose="02020603050405020304" pitchFamily="18" charset="0"/>
+              </a:rPr>
+              <a:t> de </a:t>
+            </a:r>
+            <a:r>
+              <a:rPr lang="en-US" sz="1600" dirty="0" err="1">
+                <a:solidFill>
+                  <a:schemeClr val="bg1"/>
+                </a:solidFill>
+                <a:latin typeface="Times New Roman" panose="02020603050405020304" pitchFamily="18" charset="0"/>
+                <a:cs typeface="Times New Roman" panose="02020603050405020304" pitchFamily="18" charset="0"/>
+              </a:rPr>
+              <a:t>inmatriculare</a:t>
+            </a:r>
+            <a:r>
+              <a:rPr lang="en-US" sz="1600" dirty="0">
+                <a:solidFill>
+                  <a:schemeClr val="bg1"/>
+                </a:solidFill>
+                <a:latin typeface="Times New Roman" panose="02020603050405020304" pitchFamily="18" charset="0"/>
+                <a:cs typeface="Times New Roman" panose="02020603050405020304" pitchFamily="18" charset="0"/>
+              </a:rPr>
+              <a:t> </a:t>
+            </a:r>
+            <a:r>
+              <a:rPr lang="en-US" sz="1600" dirty="0" err="1">
+                <a:solidFill>
+                  <a:schemeClr val="bg1"/>
+                </a:solidFill>
+                <a:latin typeface="Times New Roman" panose="02020603050405020304" pitchFamily="18" charset="0"/>
+                <a:cs typeface="Times New Roman" panose="02020603050405020304" pitchFamily="18" charset="0"/>
+              </a:rPr>
+              <a:t>daca</a:t>
+            </a:r>
+            <a:r>
+              <a:rPr lang="en-US" sz="1600" dirty="0">
+                <a:solidFill>
+                  <a:schemeClr val="bg1"/>
+                </a:solidFill>
+                <a:latin typeface="Times New Roman" panose="02020603050405020304" pitchFamily="18" charset="0"/>
+                <a:cs typeface="Times New Roman" panose="02020603050405020304" pitchFamily="18" charset="0"/>
+              </a:rPr>
+              <a:t> </a:t>
+            </a:r>
+            <a:r>
+              <a:rPr lang="en-US" sz="1600" dirty="0" err="1">
+                <a:solidFill>
+                  <a:schemeClr val="bg1"/>
+                </a:solidFill>
+                <a:latin typeface="Times New Roman" panose="02020603050405020304" pitchFamily="18" charset="0"/>
+                <a:cs typeface="Times New Roman" panose="02020603050405020304" pitchFamily="18" charset="0"/>
+              </a:rPr>
+              <a:t>este</a:t>
+            </a:r>
+            <a:r>
+              <a:rPr lang="en-US" sz="1600" dirty="0">
+                <a:solidFill>
+                  <a:schemeClr val="bg1"/>
+                </a:solidFill>
+                <a:latin typeface="Times New Roman" panose="02020603050405020304" pitchFamily="18" charset="0"/>
+                <a:cs typeface="Times New Roman" panose="02020603050405020304" pitchFamily="18" charset="0"/>
+              </a:rPr>
+              <a:t> </a:t>
+            </a:r>
+            <a:r>
+              <a:rPr lang="en-US" sz="1600" dirty="0" err="1">
+                <a:solidFill>
+                  <a:schemeClr val="bg1"/>
+                </a:solidFill>
+                <a:latin typeface="Times New Roman" panose="02020603050405020304" pitchFamily="18" charset="0"/>
+                <a:cs typeface="Times New Roman" panose="02020603050405020304" pitchFamily="18" charset="0"/>
+              </a:rPr>
+              <a:t>cazul</a:t>
+            </a:r>
+            <a:r>
+              <a:rPr lang="en-US" sz="1600" dirty="0">
+                <a:solidFill>
+                  <a:schemeClr val="bg1"/>
+                </a:solidFill>
+                <a:latin typeface="Times New Roman" panose="02020603050405020304" pitchFamily="18" charset="0"/>
+                <a:cs typeface="Times New Roman" panose="02020603050405020304" pitchFamily="18" charset="0"/>
+              </a:rPr>
+              <a:t>.</a:t>
+            </a:r>
           </a:p>
           <a:p>
             <a:pPr>
@@ -26746,7 +27327,7 @@
                 <a:latin typeface="Times New Roman" panose="02020603050405020304" pitchFamily="18" charset="0"/>
                 <a:cs typeface="Times New Roman" panose="02020603050405020304" pitchFamily="18" charset="0"/>
               </a:rPr>
-              <a:t> al </a:t>
+              <a:t> la care </a:t>
             </a:r>
             <a:r>
               <a:rPr lang="en-US" sz="1600" dirty="0" err="1">
@@ -26756,7 +27337,7 @@
                 <a:latin typeface="Times New Roman" panose="02020603050405020304" pitchFamily="18" charset="0"/>
                 <a:cs typeface="Times New Roman" panose="02020603050405020304" pitchFamily="18" charset="0"/>
               </a:rPr>
-              <a:t>fiecarei</a:t>
+              <a:t>este</a:t>
             </a:r>
             <a:r>
               <a:rPr lang="en-US" sz="1600" dirty="0">
@@ -26776,50 +27357,7 @@
                 <a:latin typeface="Times New Roman" panose="02020603050405020304" pitchFamily="18" charset="0"/>
                 <a:cs typeface="Times New Roman" panose="02020603050405020304" pitchFamily="18" charset="0"/>
               </a:rPr>
-              <a:t>intersectii</a:t>
-            </a:r>
-            <a:endParaRPr lang="en-US" sz="1600" dirty="0">
-              <a:solidFill>
-                <a:schemeClr val="bg1"/>
-              </a:solidFill>
-              <a:latin typeface="Times New Roman" panose="02020603050405020304" pitchFamily="18" charset="0"/>
-              <a:cs typeface="Times New Roman" panose="02020603050405020304" pitchFamily="18" charset="0"/>
-            </a:endParaRPr>
-          </a:p>
-          <a:p>
-            <a:pPr>
-              <a:buFontTx/>
-              <a:buChar char="-"/>
-            </a:pPr>
-            <a:r>
-              <a:rPr lang="en-US" sz="1600" dirty="0" err="1">
-                <a:solidFill>
-                  <a:schemeClr val="bg1"/>
-                </a:solidFill>
-                <a:latin typeface="Times New Roman" panose="02020603050405020304" pitchFamily="18" charset="0"/>
-                <a:cs typeface="Times New Roman" panose="02020603050405020304" pitchFamily="18" charset="0"/>
-              </a:rPr>
-              <a:t>Momente</a:t>
-            </a:r>
-            <a:r>
-              <a:rPr lang="en-US" sz="1600" dirty="0">
-                <a:solidFill>
-                  <a:schemeClr val="bg1"/>
-                </a:solidFill>
-                <a:latin typeface="Times New Roman" panose="02020603050405020304" pitchFamily="18" charset="0"/>
-                <a:cs typeface="Times New Roman" panose="02020603050405020304" pitchFamily="18" charset="0"/>
-              </a:rPr>
-              <a:t> in care </a:t>
-            </a:r>
-            <a:r>
-              <a:rPr lang="en-US" sz="1600" dirty="0" err="1">
-                <a:solidFill>
-                  <a:schemeClr val="bg1"/>
-                </a:solidFill>
-                <a:latin typeface="Times New Roman" panose="02020603050405020304" pitchFamily="18" charset="0"/>
-                <a:cs typeface="Times New Roman" panose="02020603050405020304" pitchFamily="18" charset="0"/>
-              </a:rPr>
-              <a:t>sa</a:t>
+              <a:t>expus</a:t>
             </a:r>
             <a:r>
               <a:rPr lang="en-US" sz="1600" dirty="0">
@@ -26839,7 +27377,47 @@
                 <a:latin typeface="Times New Roman" panose="02020603050405020304" pitchFamily="18" charset="0"/>
                 <a:cs typeface="Times New Roman" panose="02020603050405020304" pitchFamily="18" charset="0"/>
               </a:rPr>
-              <a:t>emita</a:t>
+              <a:t>orice</a:t>
+            </a:r>
+            <a:r>
+              <a:rPr lang="en-US" sz="1600" dirty="0">
+                <a:solidFill>
+                  <a:schemeClr val="bg1"/>
+                </a:solidFill>
+                <a:latin typeface="Times New Roman" panose="02020603050405020304" pitchFamily="18" charset="0"/>
+                <a:cs typeface="Times New Roman" panose="02020603050405020304" pitchFamily="18" charset="0"/>
+              </a:rPr>
+              <a:t> participant la </a:t>
+            </a:r>
+            <a:r>
+              <a:rPr lang="en-US" sz="1600" dirty="0" err="1">
+                <a:solidFill>
+                  <a:schemeClr val="bg1"/>
+                </a:solidFill>
+                <a:latin typeface="Times New Roman" panose="02020603050405020304" pitchFamily="18" charset="0"/>
+                <a:cs typeface="Times New Roman" panose="02020603050405020304" pitchFamily="18" charset="0"/>
+              </a:rPr>
+              <a:t>trafic</a:t>
+            </a:r>
+            <a:r>
+              <a:rPr lang="en-US" sz="1600" dirty="0">
+                <a:solidFill>
+                  <a:schemeClr val="bg1"/>
+                </a:solidFill>
+                <a:latin typeface="Times New Roman" panose="02020603050405020304" pitchFamily="18" charset="0"/>
+                <a:cs typeface="Times New Roman" panose="02020603050405020304" pitchFamily="18" charset="0"/>
+              </a:rPr>
+              <a:t> din </a:t>
+            </a:r>
+            <a:r>
+              <a:rPr lang="en-US" sz="1600" dirty="0" err="1">
+                <a:solidFill>
+                  <a:schemeClr val="bg1"/>
+                </a:solidFill>
+                <a:latin typeface="Times New Roman" panose="02020603050405020304" pitchFamily="18" charset="0"/>
+                <a:cs typeface="Times New Roman" panose="02020603050405020304" pitchFamily="18" charset="0"/>
+              </a:rPr>
+              <a:t>anumite</a:t>
             </a:r>
             <a:r>
               <a:rPr lang="en-US" sz="1600" dirty="0">
@@ -26859,7 +27437,7 @@
                 <a:latin typeface="Times New Roman" panose="02020603050405020304" pitchFamily="18" charset="0"/>
                 <a:cs typeface="Times New Roman" panose="02020603050405020304" pitchFamily="18" charset="0"/>
               </a:rPr>
-              <a:t>atentionari</a:t>
+              <a:t>intersectii</a:t>
             </a:r>
             <a:r>
               <a:rPr lang="en-US" sz="1600" dirty="0">
@@ -26869,7 +27447,7 @@
                 <a:latin typeface="Times New Roman" panose="02020603050405020304" pitchFamily="18" charset="0"/>
                 <a:cs typeface="Times New Roman" panose="02020603050405020304" pitchFamily="18" charset="0"/>
               </a:rPr>
-              <a:t>( </a:t>
+              <a:t>, </a:t>
             </a:r>
             <a:r>
               <a:rPr lang="en-US" sz="1600" dirty="0" err="1">
@@ -26879,7 +27457,7 @@
                 <a:latin typeface="Times New Roman" panose="02020603050405020304" pitchFamily="18" charset="0"/>
                 <a:cs typeface="Times New Roman" panose="02020603050405020304" pitchFamily="18" charset="0"/>
               </a:rPr>
-              <a:t>daca</a:t>
+              <a:t>fiind</a:t>
             </a:r>
             <a:r>
               <a:rPr lang="en-US" sz="1600" dirty="0">
@@ -26899,7 +27477,7 @@
                 <a:latin typeface="Times New Roman" panose="02020603050405020304" pitchFamily="18" charset="0"/>
                 <a:cs typeface="Times New Roman" panose="02020603050405020304" pitchFamily="18" charset="0"/>
               </a:rPr>
-              <a:t>alaturi</a:t>
+              <a:t>posibila</a:t>
             </a:r>
             <a:r>
               <a:rPr lang="en-US" sz="1600" dirty="0">
@@ -26919,7 +27497,7 @@
                 <a:latin typeface="Times New Roman" panose="02020603050405020304" pitchFamily="18" charset="0"/>
                 <a:cs typeface="Times New Roman" panose="02020603050405020304" pitchFamily="18" charset="0"/>
               </a:rPr>
-              <a:t>este</a:t>
+              <a:t>raportarea</a:t>
             </a:r>
             <a:r>
               <a:rPr lang="en-US" sz="1600" dirty="0">
@@ -26929,7 +27507,7 @@
                 <a:latin typeface="Times New Roman" panose="02020603050405020304" pitchFamily="18" charset="0"/>
                 <a:cs typeface="Times New Roman" panose="02020603050405020304" pitchFamily="18" charset="0"/>
               </a:rPr>
-              <a:t> un </a:t>
+              <a:t> </a:t>
             </a:r>
             <a:r>
               <a:rPr lang="en-US" sz="1600" dirty="0" err="1">
@@ -26939,7 +27517,7 @@
                 <a:latin typeface="Times New Roman" panose="02020603050405020304" pitchFamily="18" charset="0"/>
                 <a:cs typeface="Times New Roman" panose="02020603050405020304" pitchFamily="18" charset="0"/>
               </a:rPr>
-              <a:t>sofer</a:t>
+              <a:t>unui</a:t>
             </a:r>
             <a:r>
               <a:rPr lang="en-US" sz="1600" dirty="0">
@@ -26949,7 +27527,123 @@
                 <a:latin typeface="Times New Roman" panose="02020603050405020304" pitchFamily="18" charset="0"/>
                 <a:cs typeface="Times New Roman" panose="02020603050405020304" pitchFamily="18" charset="0"/>
               </a:rPr>
-              <a:t> care </a:t>
+              <a:t> nou accident in </a:t>
+            </a:r>
+            <a:r>
+              <a:rPr lang="en-US" sz="1600" dirty="0" err="1">
+                <a:solidFill>
+                  <a:schemeClr val="bg1"/>
+                </a:solidFill>
+                <a:latin typeface="Times New Roman" panose="02020603050405020304" pitchFamily="18" charset="0"/>
+                <a:cs typeface="Times New Roman" panose="02020603050405020304" pitchFamily="18" charset="0"/>
+              </a:rPr>
+              <a:t>intersectia</a:t>
+            </a:r>
+            <a:r>
+              <a:rPr lang="en-US" sz="1600" dirty="0">
+                <a:solidFill>
+                  <a:schemeClr val="bg1"/>
+                </a:solidFill>
+                <a:latin typeface="Times New Roman" panose="02020603050405020304" pitchFamily="18" charset="0"/>
+                <a:cs typeface="Times New Roman" panose="02020603050405020304" pitchFamily="18" charset="0"/>
+              </a:rPr>
+              <a:t> </a:t>
+            </a:r>
+            <a:r>
+              <a:rPr lang="en-US" sz="1600" dirty="0" err="1">
+                <a:solidFill>
+                  <a:schemeClr val="bg1"/>
+                </a:solidFill>
+                <a:latin typeface="Times New Roman" panose="02020603050405020304" pitchFamily="18" charset="0"/>
+                <a:cs typeface="Times New Roman" panose="02020603050405020304" pitchFamily="18" charset="0"/>
+              </a:rPr>
+              <a:t>selectata</a:t>
+            </a:r>
+            <a:r>
+              <a:rPr lang="en-US" sz="1600" dirty="0">
+                <a:solidFill>
+                  <a:schemeClr val="bg1"/>
+                </a:solidFill>
+                <a:latin typeface="Times New Roman" panose="02020603050405020304" pitchFamily="18" charset="0"/>
+                <a:cs typeface="Times New Roman" panose="02020603050405020304" pitchFamily="18" charset="0"/>
+              </a:rPr>
+              <a:t>.</a:t>
+            </a:r>
+          </a:p>
+          <a:p>
+            <a:pPr>
+              <a:buFontTx/>
+              <a:buChar char="-"/>
+            </a:pPr>
+            <a:r>
+              <a:rPr lang="en-US" sz="1600" dirty="0">
+                <a:solidFill>
+                  <a:schemeClr val="bg1"/>
+                </a:solidFill>
+                <a:latin typeface="Times New Roman" panose="02020603050405020304" pitchFamily="18" charset="0"/>
+                <a:cs typeface="Times New Roman" panose="02020603050405020304" pitchFamily="18" charset="0"/>
+              </a:rPr>
+              <a:t>Sa </a:t>
+            </a:r>
+            <a:r>
+              <a:rPr lang="en-US" sz="1600" dirty="0" err="1">
+                <a:solidFill>
+                  <a:schemeClr val="bg1"/>
+                </a:solidFill>
+                <a:latin typeface="Times New Roman" panose="02020603050405020304" pitchFamily="18" charset="0"/>
+                <a:cs typeface="Times New Roman" panose="02020603050405020304" pitchFamily="18" charset="0"/>
+              </a:rPr>
+              <a:t>prezica</a:t>
+            </a:r>
+            <a:r>
+              <a:rPr lang="en-US" sz="1600" dirty="0">
+                <a:solidFill>
+                  <a:schemeClr val="bg1"/>
+                </a:solidFill>
+                <a:latin typeface="Times New Roman" panose="02020603050405020304" pitchFamily="18" charset="0"/>
+                <a:cs typeface="Times New Roman" panose="02020603050405020304" pitchFamily="18" charset="0"/>
+              </a:rPr>
+              <a:t> </a:t>
+            </a:r>
+            <a:r>
+              <a:rPr lang="en-US" sz="1600" dirty="0" err="1">
+                <a:solidFill>
+                  <a:schemeClr val="bg1"/>
+                </a:solidFill>
+                <a:latin typeface="Times New Roman" panose="02020603050405020304" pitchFamily="18" charset="0"/>
+                <a:cs typeface="Times New Roman" panose="02020603050405020304" pitchFamily="18" charset="0"/>
+              </a:rPr>
+              <a:t>momentul</a:t>
+            </a:r>
+            <a:r>
+              <a:rPr lang="en-US" sz="1600" dirty="0">
+                <a:solidFill>
+                  <a:schemeClr val="bg1"/>
+                </a:solidFill>
+                <a:latin typeface="Times New Roman" panose="02020603050405020304" pitchFamily="18" charset="0"/>
+                <a:cs typeface="Times New Roman" panose="02020603050405020304" pitchFamily="18" charset="0"/>
+              </a:rPr>
+              <a:t> in care un participant la </a:t>
+            </a:r>
+            <a:r>
+              <a:rPr lang="en-US" sz="1600" dirty="0" err="1">
+                <a:solidFill>
+                  <a:schemeClr val="bg1"/>
+                </a:solidFill>
+                <a:latin typeface="Times New Roman" panose="02020603050405020304" pitchFamily="18" charset="0"/>
+                <a:cs typeface="Times New Roman" panose="02020603050405020304" pitchFamily="18" charset="0"/>
+              </a:rPr>
+              <a:t>trafic</a:t>
+            </a:r>
+            <a:r>
+              <a:rPr lang="en-US" sz="1600" dirty="0">
+                <a:solidFill>
+                  <a:schemeClr val="bg1"/>
+                </a:solidFill>
+                <a:latin typeface="Times New Roman" panose="02020603050405020304" pitchFamily="18" charset="0"/>
+                <a:cs typeface="Times New Roman" panose="02020603050405020304" pitchFamily="18" charset="0"/>
+              </a:rPr>
+              <a:t> </a:t>
             </a:r>
             <a:r>
               <a:rPr lang="en-US" sz="1600" dirty="0" err="1">
@@ -26969,7 +27663,7 @@
                 <a:latin typeface="Times New Roman" panose="02020603050405020304" pitchFamily="18" charset="0"/>
                 <a:cs typeface="Times New Roman" panose="02020603050405020304" pitchFamily="18" charset="0"/>
               </a:rPr>
-              <a:t> </a:t>
+              <a:t> fi in </a:t>
             </a:r>
             <a:r>
               <a:rPr lang="en-US" sz="1600" dirty="0" err="1">
@@ -26979,7 +27673,107 @@
                 <a:latin typeface="Times New Roman" panose="02020603050405020304" pitchFamily="18" charset="0"/>
                 <a:cs typeface="Times New Roman" panose="02020603050405020304" pitchFamily="18" charset="0"/>
               </a:rPr>
-              <a:t>prezenta</a:t>
+              <a:t>pericol</a:t>
+            </a:r>
+            <a:r>
+              <a:rPr lang="en-US" sz="1600" dirty="0">
+                <a:solidFill>
+                  <a:schemeClr val="bg1"/>
+                </a:solidFill>
+                <a:latin typeface="Times New Roman" panose="02020603050405020304" pitchFamily="18" charset="0"/>
+                <a:cs typeface="Times New Roman" panose="02020603050405020304" pitchFamily="18" charset="0"/>
+              </a:rPr>
+              <a:t>, </a:t>
+            </a:r>
+            <a:r>
+              <a:rPr lang="en-US" sz="1600" dirty="0" err="1">
+                <a:solidFill>
+                  <a:schemeClr val="bg1"/>
+                </a:solidFill>
+                <a:latin typeface="Times New Roman" panose="02020603050405020304" pitchFamily="18" charset="0"/>
+                <a:cs typeface="Times New Roman" panose="02020603050405020304" pitchFamily="18" charset="0"/>
+              </a:rPr>
+              <a:t>apropiindu</a:t>
+            </a:r>
+            <a:r>
+              <a:rPr lang="en-US" sz="1600" dirty="0">
+                <a:solidFill>
+                  <a:schemeClr val="bg1"/>
+                </a:solidFill>
+                <a:latin typeface="Times New Roman" panose="02020603050405020304" pitchFamily="18" charset="0"/>
+                <a:cs typeface="Times New Roman" panose="02020603050405020304" pitchFamily="18" charset="0"/>
+              </a:rPr>
+              <a:t>-se de o </a:t>
+            </a:r>
+            <a:r>
+              <a:rPr lang="en-US" sz="1600" dirty="0" err="1">
+                <a:solidFill>
+                  <a:schemeClr val="bg1"/>
+                </a:solidFill>
+                <a:latin typeface="Times New Roman" panose="02020603050405020304" pitchFamily="18" charset="0"/>
+                <a:cs typeface="Times New Roman" panose="02020603050405020304" pitchFamily="18" charset="0"/>
+              </a:rPr>
+              <a:t>intersectie</a:t>
+            </a:r>
+            <a:r>
+              <a:rPr lang="en-US" sz="1600" dirty="0">
+                <a:solidFill>
+                  <a:schemeClr val="bg1"/>
+                </a:solidFill>
+                <a:latin typeface="Times New Roman" panose="02020603050405020304" pitchFamily="18" charset="0"/>
+                <a:cs typeface="Times New Roman" panose="02020603050405020304" pitchFamily="18" charset="0"/>
+              </a:rPr>
+              <a:t> cu grad mare de </a:t>
+            </a:r>
+            <a:r>
+              <a:rPr lang="en-US" sz="1600" dirty="0" err="1">
+                <a:solidFill>
+                  <a:schemeClr val="bg1"/>
+                </a:solidFill>
+                <a:latin typeface="Times New Roman" panose="02020603050405020304" pitchFamily="18" charset="0"/>
+                <a:cs typeface="Times New Roman" panose="02020603050405020304" pitchFamily="18" charset="0"/>
+              </a:rPr>
+              <a:t>risc</a:t>
+            </a:r>
+            <a:r>
+              <a:rPr lang="en-US" sz="1600" dirty="0">
+                <a:solidFill>
+                  <a:schemeClr val="bg1"/>
+                </a:solidFill>
+                <a:latin typeface="Times New Roman" panose="02020603050405020304" pitchFamily="18" charset="0"/>
+                <a:cs typeface="Times New Roman" panose="02020603050405020304" pitchFamily="18" charset="0"/>
+              </a:rPr>
+              <a:t>, la un </a:t>
+            </a:r>
+            <a:r>
+              <a:rPr lang="en-US" sz="1600" dirty="0" err="1">
+                <a:solidFill>
+                  <a:schemeClr val="bg1"/>
+                </a:solidFill>
+                <a:latin typeface="Times New Roman" panose="02020603050405020304" pitchFamily="18" charset="0"/>
+                <a:cs typeface="Times New Roman" panose="02020603050405020304" pitchFamily="18" charset="0"/>
+              </a:rPr>
+              <a:t>anumit</a:t>
+            </a:r>
+            <a:r>
+              <a:rPr lang="en-US" sz="1600" dirty="0">
+                <a:solidFill>
+                  <a:schemeClr val="bg1"/>
+                </a:solidFill>
+                <a:latin typeface="Times New Roman" panose="02020603050405020304" pitchFamily="18" charset="0"/>
+                <a:cs typeface="Times New Roman" panose="02020603050405020304" pitchFamily="18" charset="0"/>
+              </a:rPr>
+              <a:t> interval </a:t>
+            </a:r>
+            <a:r>
+              <a:rPr lang="en-US" sz="1600" dirty="0" err="1">
+                <a:solidFill>
+                  <a:schemeClr val="bg1"/>
+                </a:solidFill>
+                <a:latin typeface="Times New Roman" panose="02020603050405020304" pitchFamily="18" charset="0"/>
+                <a:cs typeface="Times New Roman" panose="02020603050405020304" pitchFamily="18" charset="0"/>
+              </a:rPr>
+              <a:t>orar</a:t>
             </a:r>
             <a:r>
               <a:rPr lang="en-US" sz="1600" dirty="0">
@@ -26999,7 +27793,7 @@
                 <a:latin typeface="Times New Roman" panose="02020603050405020304" pitchFamily="18" charset="0"/>
                 <a:cs typeface="Times New Roman" panose="02020603050405020304" pitchFamily="18" charset="0"/>
               </a:rPr>
-              <a:t>pericol</a:t>
+              <a:t>si</a:t>
             </a:r>
             <a:r>
               <a:rPr lang="en-US" sz="1600" dirty="0">
@@ -27019,7 +27813,7 @@
                 <a:latin typeface="Times New Roman" panose="02020603050405020304" pitchFamily="18" charset="0"/>
                 <a:cs typeface="Times New Roman" panose="02020603050405020304" pitchFamily="18" charset="0"/>
               </a:rPr>
-              <a:t>dar</a:t>
+              <a:t>fiind</a:t>
             </a:r>
             <a:r>
               <a:rPr lang="en-US" sz="1600" dirty="0">
@@ -27039,7 +27833,7 @@
                 <a:latin typeface="Times New Roman" panose="02020603050405020304" pitchFamily="18" charset="0"/>
                 <a:cs typeface="Times New Roman" panose="02020603050405020304" pitchFamily="18" charset="0"/>
               </a:rPr>
-              <a:t>intersectia</a:t>
+              <a:t>inconjurat</a:t>
             </a:r>
             <a:r>
               <a:rPr lang="en-US" sz="1600" dirty="0">
@@ -27049,7 +27843,7 @@
                 <a:latin typeface="Times New Roman" panose="02020603050405020304" pitchFamily="18" charset="0"/>
                 <a:cs typeface="Times New Roman" panose="02020603050405020304" pitchFamily="18" charset="0"/>
               </a:rPr>
-              <a:t> e </a:t>
+              <a:t> de alti </a:t>
             </a:r>
             <a:r>
               <a:rPr lang="en-US" sz="1600" dirty="0" err="1">
@@ -27059,7 +27853,27 @@
                 <a:latin typeface="Times New Roman" panose="02020603050405020304" pitchFamily="18" charset="0"/>
                 <a:cs typeface="Times New Roman" panose="02020603050405020304" pitchFamily="18" charset="0"/>
               </a:rPr>
-              <a:t>simpla</a:t>
+              <a:t>participanti</a:t>
+            </a:r>
+            <a:r>
+              <a:rPr lang="en-US" sz="1600" dirty="0">
+                <a:solidFill>
+                  <a:schemeClr val="bg1"/>
+                </a:solidFill>
+                <a:latin typeface="Times New Roman" panose="02020603050405020304" pitchFamily="18" charset="0"/>
+                <a:cs typeface="Times New Roman" panose="02020603050405020304" pitchFamily="18" charset="0"/>
+              </a:rPr>
+              <a:t> care au un </a:t>
+            </a:r>
+            <a:r>
+              <a:rPr lang="en-US" sz="1600" dirty="0" err="1">
+                <a:solidFill>
+                  <a:schemeClr val="bg1"/>
+                </a:solidFill>
+                <a:latin typeface="Times New Roman" panose="02020603050405020304" pitchFamily="18" charset="0"/>
+                <a:cs typeface="Times New Roman" panose="02020603050405020304" pitchFamily="18" charset="0"/>
+              </a:rPr>
+              <a:t>istoric</a:t>
             </a:r>
             <a:r>
               <a:rPr lang="en-US" sz="1600" dirty="0">
@@ -27079,7 +27893,7 @@
                 <a:latin typeface="Times New Roman" panose="02020603050405020304" pitchFamily="18" charset="0"/>
                 <a:cs typeface="Times New Roman" panose="02020603050405020304" pitchFamily="18" charset="0"/>
               </a:rPr>
-              <a:t>va</a:t>
+              <a:t>anevoios</a:t>
             </a:r>
             <a:r>
               <a:rPr lang="en-US" sz="1600" dirty="0">
@@ -27099,27 +27913,7 @@
                 <a:latin typeface="Times New Roman" panose="02020603050405020304" pitchFamily="18" charset="0"/>
                 <a:cs typeface="Times New Roman" panose="02020603050405020304" pitchFamily="18" charset="0"/>
               </a:rPr>
-              <a:t>emite</a:t>
-            </a:r>
-            <a:r>
-              <a:rPr lang="en-US" sz="1600" dirty="0">
-                <a:solidFill>
-                  <a:schemeClr val="bg1"/>
-                </a:solidFill>
-                <a:latin typeface="Times New Roman" panose="02020603050405020304" pitchFamily="18" charset="0"/>
-                <a:cs typeface="Times New Roman" panose="02020603050405020304" pitchFamily="18" charset="0"/>
-              </a:rPr>
-              <a:t> un </a:t>
-            </a:r>
-            <a:r>
-              <a:rPr lang="en-US" sz="1600" dirty="0" err="1">
-                <a:solidFill>
-                  <a:schemeClr val="bg1"/>
-                </a:solidFill>
-                <a:latin typeface="Times New Roman" panose="02020603050405020304" pitchFamily="18" charset="0"/>
-                <a:cs typeface="Times New Roman" panose="02020603050405020304" pitchFamily="18" charset="0"/>
-              </a:rPr>
-              <a:t>semnal</a:t>
+              <a:t>asociat</a:t>
             </a:r>
             <a:r>
               <a:rPr lang="en-US" sz="1600" dirty="0">
@@ -27139,7 +27933,7 @@
                 <a:latin typeface="Times New Roman" panose="02020603050405020304" pitchFamily="18" charset="0"/>
                 <a:cs typeface="Times New Roman" panose="02020603050405020304" pitchFamily="18" charset="0"/>
               </a:rPr>
-              <a:t>mai</a:t>
+              <a:t>numarului</a:t>
             </a:r>
             <a:r>
               <a:rPr lang="en-US" sz="1600" dirty="0">
@@ -27149,8 +27943,41 @@
                 <a:latin typeface="Times New Roman" panose="02020603050405020304" pitchFamily="18" charset="0"/>
                 <a:cs typeface="Times New Roman" panose="02020603050405020304" pitchFamily="18" charset="0"/>
               </a:rPr>
-              <a:t> slab)</a:t>
-            </a:r>
+              <a:t> de </a:t>
+            </a:r>
+            <a:r>
+              <a:rPr lang="en-US" sz="1600" dirty="0" err="1">
+                <a:solidFill>
+                  <a:schemeClr val="bg1"/>
+                </a:solidFill>
+                <a:latin typeface="Times New Roman" panose="02020603050405020304" pitchFamily="18" charset="0"/>
+                <a:cs typeface="Times New Roman" panose="02020603050405020304" pitchFamily="18" charset="0"/>
+              </a:rPr>
+              <a:t>inmatriculare</a:t>
+            </a:r>
+            <a:r>
+              <a:rPr lang="en-US" sz="1600" dirty="0">
+                <a:solidFill>
+                  <a:schemeClr val="bg1"/>
+                </a:solidFill>
+                <a:latin typeface="Times New Roman" panose="02020603050405020304" pitchFamily="18" charset="0"/>
+                <a:cs typeface="Times New Roman" panose="02020603050405020304" pitchFamily="18" charset="0"/>
+              </a:rPr>
+              <a:t>.</a:t>
+            </a:r>
+          </a:p>
+          <a:p>
+            <a:pPr>
+              <a:buFontTx/>
+              <a:buChar char="-"/>
+            </a:pPr>
+            <a:endParaRPr lang="en-US" sz="1600" dirty="0">
+              <a:solidFill>
+                <a:schemeClr val="bg1"/>
+              </a:solidFill>
+              <a:latin typeface="Times New Roman" panose="02020603050405020304" pitchFamily="18" charset="0"/>
+              <a:cs typeface="Times New Roman" panose="02020603050405020304" pitchFamily="18" charset="0"/>
+            </a:endParaRPr>
           </a:p>
         </p:txBody>
       </p:sp>
@@ -27241,7 +28068,7 @@
         <p:spPr>
           <a:xfrm>
             <a:off x="1115122" y="1576039"/>
-            <a:ext cx="7151649" cy="2246769"/>
+            <a:ext cx="7151649" cy="2462213"/>
           </a:xfrm>
           <a:prstGeom prst="rect">
             <a:avLst/>
@@ -27268,7 +28095,23 @@
             </a:r>
             <a:r>
               <a:rPr lang="en-US" dirty="0"/>
-              <a:t>:</a:t>
+              <a:t> ( </a:t>
+            </a:r>
+            <a:r>
+              <a:rPr lang="en-US" dirty="0" err="1"/>
+              <a:t>pentru</a:t>
+            </a:r>
+            <a:r>
+              <a:rPr lang="en-US" dirty="0"/>
+              <a:t> </a:t>
+            </a:r>
+            <a:r>
+              <a:rPr lang="en-US" dirty="0" err="1"/>
+              <a:t>viitor</a:t>
+            </a:r>
+            <a:r>
+              <a:rPr lang="en-US" dirty="0"/>
+              <a:t>) :</a:t>
             </a:r>
           </a:p>
           <a:p>
@@ -27420,6 +28263,65 @@
               <a:rPr lang="en-US" dirty="0"/>
               <a:t> soft:</a:t>
             </a:r>
+          </a:p>
+          <a:p>
+            <a:r>
+              <a:rPr lang="en-US" dirty="0"/>
+              <a:t>-</a:t>
+            </a:r>
+            <a:r>
+              <a:rPr lang="en-US" dirty="0" err="1"/>
+              <a:t>baza</a:t>
+            </a:r>
+            <a:r>
+              <a:rPr lang="en-US" dirty="0"/>
+              <a:t> de date </a:t>
+            </a:r>
+            <a:r>
+              <a:rPr lang="en-US" dirty="0" err="1"/>
+              <a:t>pentru</a:t>
+            </a:r>
+            <a:r>
+              <a:rPr lang="en-US" dirty="0"/>
+              <a:t> </a:t>
+            </a:r>
+            <a:r>
+              <a:rPr lang="en-US" dirty="0" err="1"/>
+              <a:t>inregistrarea</a:t>
+            </a:r>
+            <a:r>
+              <a:rPr lang="en-US" dirty="0"/>
+              <a:t> </a:t>
+            </a:r>
+            <a:r>
+              <a:rPr lang="en-US" dirty="0" err="1"/>
+              <a:t>soferilor</a:t>
+            </a:r>
+            <a:r>
+              <a:rPr lang="en-US" dirty="0"/>
+              <a:t> + </a:t>
+            </a:r>
+            <a:r>
+              <a:rPr lang="en-US" dirty="0" err="1"/>
+              <a:t>numarul</a:t>
+            </a:r>
+            <a:r>
+              <a:rPr lang="en-US" dirty="0"/>
+              <a:t> de </a:t>
+            </a:r>
+            <a:r>
+              <a:rPr lang="en-US" dirty="0" err="1"/>
+              <a:t>inmatriculare</a:t>
+            </a:r>
+            <a:r>
+              <a:rPr lang="en-US" dirty="0"/>
+              <a:t> </a:t>
+            </a:r>
+            <a:r>
+              <a:rPr lang="en-US" dirty="0" err="1"/>
+              <a:t>asociat</a:t>
+            </a:r>
+            <a:endParaRPr lang="en-US" dirty="0"/>
           </a:p>
           <a:p>
             <a:r>
@@ -29466,7 +30368,7 @@
             </a:pPr>
             <a:r>
               <a:rPr lang="en" dirty="0"/>
-              <a:t>Prezinta cam ce nivel de atentie trebuie sa dedici</a:t>
+              <a:t>Prezinta ce nivel de atentie trebuie sa aloci</a:t>
             </a:r>
             <a:endParaRPr dirty="0"/>
           </a:p>
@@ -38398,7 +39300,7 @@
         <p:spPr>
           <a:xfrm>
             <a:off x="1939738" y="1919557"/>
-            <a:ext cx="2920992" cy="738664"/>
+            <a:ext cx="3106941" cy="738664"/>
           </a:xfrm>
           <a:prstGeom prst="rect">
             <a:avLst/>
@@ -38457,7 +39359,26 @@
               <a:rPr lang="en-US" dirty="0" err="1"/>
               <a:t>alarma</a:t>
             </a:r>
-            <a:endParaRPr lang="en-US" dirty="0"/>
+            <a:r>
+              <a:rPr lang="en-US" dirty="0"/>
+              <a:t> ( </a:t>
+            </a:r>
+            <a:r>
+              <a:rPr lang="en-US" dirty="0" err="1"/>
+              <a:t>pentru</a:t>
+            </a:r>
+            <a:r>
+              <a:rPr lang="en-US" dirty="0"/>
+              <a:t> </a:t>
+            </a:r>
+            <a:r>
+              <a:rPr lang="en-US" dirty="0" err="1"/>
+              <a:t>viitor</a:t>
+            </a:r>
+            <a:r>
+              <a:rPr lang="en-US" dirty="0"/>
+              <a:t> )</a:t>
+            </a:r>
           </a:p>
           <a:p>
             <a:r>
@@ -38914,7 +39835,10 @@
               <a:rPr lang="en-US" dirty="0" err="1"/>
               <a:t>autonome</a:t>
             </a:r>
-            <a:endParaRPr lang="en-US" dirty="0"/>
+            <a:r>
+              <a:rPr lang="en-US" dirty="0"/>
+              <a:t>.</a:t>
+            </a:r>
           </a:p>
         </p:txBody>
       </p:sp>
@@ -39001,7 +39925,7 @@
         <p:spPr>
           <a:xfrm>
             <a:off x="1100254" y="1471961"/>
-            <a:ext cx="6393365" cy="2677656"/>
+            <a:ext cx="6393365" cy="2893100"/>
           </a:xfrm>
           <a:prstGeom prst="rect">
             <a:avLst/>
@@ -39048,7 +39972,467 @@
             </a:r>
             <a:r>
               <a:rPr lang="en-US" dirty="0"/>
-              <a:t> o </a:t>
+              <a:t> un grad de </a:t>
+            </a:r>
+            <a:r>
+              <a:rPr lang="en-US" dirty="0" err="1"/>
+              <a:t>risc</a:t>
+            </a:r>
+            <a:r>
+              <a:rPr lang="en-US" dirty="0"/>
+              <a:t> </a:t>
+            </a:r>
+            <a:r>
+              <a:rPr lang="en-US" dirty="0" err="1"/>
+              <a:t>situat</a:t>
+            </a:r>
+            <a:r>
+              <a:rPr lang="en-US" dirty="0"/>
+              <a:t> </a:t>
+            </a:r>
+            <a:r>
+              <a:rPr lang="en-US" dirty="0" err="1"/>
+              <a:t>intre</a:t>
+            </a:r>
+            <a:r>
+              <a:rPr lang="en-US" dirty="0"/>
+              <a:t> 0 </a:t>
+            </a:r>
+            <a:r>
+              <a:rPr lang="en-US" dirty="0" err="1"/>
+              <a:t>si</a:t>
+            </a:r>
+            <a:r>
+              <a:rPr lang="en-US" dirty="0"/>
+              <a:t> 1, </a:t>
+            </a:r>
+            <a:r>
+              <a:rPr lang="en-US" dirty="0" err="1"/>
+              <a:t>impreuna</a:t>
+            </a:r>
+            <a:r>
+              <a:rPr lang="en-US" dirty="0"/>
+              <a:t> cu un set de </a:t>
+            </a:r>
+            <a:r>
+              <a:rPr lang="en-US" dirty="0" err="1"/>
+              <a:t>culori</a:t>
+            </a:r>
+            <a:r>
+              <a:rPr lang="en-US" dirty="0"/>
+              <a:t> care </a:t>
+            </a:r>
+            <a:r>
+              <a:rPr lang="en-US" dirty="0" err="1"/>
+              <a:t>vor</a:t>
+            </a:r>
+            <a:r>
+              <a:rPr lang="en-US" dirty="0"/>
+              <a:t> indica in sine </a:t>
+            </a:r>
+            <a:r>
+              <a:rPr lang="en-US" dirty="0" err="1"/>
+              <a:t>gradul</a:t>
+            </a:r>
+            <a:r>
+              <a:rPr lang="en-US" dirty="0"/>
+              <a:t> de </a:t>
+            </a:r>
+            <a:r>
+              <a:rPr lang="en-US" dirty="0" err="1"/>
+              <a:t>risc</a:t>
+            </a:r>
+            <a:r>
+              <a:rPr lang="en-US" dirty="0"/>
+              <a:t>. Verde </a:t>
+            </a:r>
+            <a:r>
+              <a:rPr lang="en-US" dirty="0" err="1"/>
+              <a:t>este</a:t>
+            </a:r>
+            <a:r>
+              <a:rPr lang="en-US" dirty="0"/>
+              <a:t> </a:t>
+            </a:r>
+            <a:r>
+              <a:rPr lang="en-US" dirty="0" err="1"/>
+              <a:t>destinat</a:t>
+            </a:r>
+            <a:r>
+              <a:rPr lang="en-US" dirty="0"/>
+              <a:t> </a:t>
+            </a:r>
+            <a:r>
+              <a:rPr lang="en-US" dirty="0" err="1"/>
+              <a:t>situatiilor</a:t>
+            </a:r>
+            <a:r>
+              <a:rPr lang="en-US" dirty="0"/>
+              <a:t> simple, </a:t>
+            </a:r>
+            <a:r>
+              <a:rPr lang="en-US" dirty="0" err="1"/>
+              <a:t>portocaliu</a:t>
+            </a:r>
+            <a:r>
+              <a:rPr lang="en-US" dirty="0"/>
+              <a:t> indica </a:t>
+            </a:r>
+            <a:r>
+              <a:rPr lang="en-US" dirty="0" err="1"/>
+              <a:t>faptul</a:t>
+            </a:r>
+            <a:r>
+              <a:rPr lang="en-US" dirty="0"/>
+              <a:t> ca </a:t>
+            </a:r>
+            <a:r>
+              <a:rPr lang="en-US" dirty="0" err="1"/>
+              <a:t>soferul</a:t>
+            </a:r>
+            <a:r>
+              <a:rPr lang="en-US" dirty="0"/>
+              <a:t> </a:t>
+            </a:r>
+            <a:r>
+              <a:rPr lang="en-US" dirty="0" err="1"/>
+              <a:t>trebuie</a:t>
+            </a:r>
+            <a:r>
+              <a:rPr lang="en-US" dirty="0"/>
+              <a:t> </a:t>
+            </a:r>
+            <a:r>
+              <a:rPr lang="en-US" dirty="0" err="1"/>
+              <a:t>sa</a:t>
+            </a:r>
+            <a:r>
+              <a:rPr lang="en-US" dirty="0"/>
+              <a:t> fie </a:t>
+            </a:r>
+            <a:r>
+              <a:rPr lang="en-US" dirty="0" err="1"/>
+              <a:t>mai</a:t>
+            </a:r>
+            <a:r>
+              <a:rPr lang="en-US" dirty="0"/>
+              <a:t> </a:t>
+            </a:r>
+            <a:r>
+              <a:rPr lang="en-US" dirty="0" err="1"/>
+              <a:t>vigilent</a:t>
+            </a:r>
+            <a:r>
+              <a:rPr lang="en-US" dirty="0"/>
+              <a:t>, </a:t>
+            </a:r>
+            <a:r>
+              <a:rPr lang="en-US" dirty="0" err="1"/>
+              <a:t>iar</a:t>
+            </a:r>
+            <a:r>
+              <a:rPr lang="en-US" dirty="0"/>
+              <a:t> </a:t>
+            </a:r>
+            <a:r>
+              <a:rPr lang="en-US" dirty="0" err="1"/>
+              <a:t>rosu</a:t>
+            </a:r>
+            <a:r>
+              <a:rPr lang="en-US" dirty="0"/>
+              <a:t> indica </a:t>
+            </a:r>
+            <a:r>
+              <a:rPr lang="en-US" dirty="0" err="1"/>
+              <a:t>faptul</a:t>
+            </a:r>
+            <a:r>
+              <a:rPr lang="en-US" dirty="0"/>
+              <a:t> ca </a:t>
+            </a:r>
+            <a:r>
+              <a:rPr lang="en-US" dirty="0" err="1"/>
+              <a:t>soferul</a:t>
+            </a:r>
+            <a:r>
+              <a:rPr lang="en-US" dirty="0"/>
+              <a:t> se </a:t>
+            </a:r>
+            <a:r>
+              <a:rPr lang="en-US" dirty="0" err="1"/>
+              <a:t>afla</a:t>
+            </a:r>
+            <a:r>
+              <a:rPr lang="en-US" dirty="0"/>
+              <a:t> </a:t>
+            </a:r>
+            <a:r>
+              <a:rPr lang="en-US" dirty="0" err="1"/>
+              <a:t>intr</a:t>
+            </a:r>
+            <a:r>
+              <a:rPr lang="en-US" dirty="0"/>
+              <a:t>-o </a:t>
+            </a:r>
+            <a:r>
+              <a:rPr lang="en-US" dirty="0" err="1"/>
+              <a:t>situatie</a:t>
+            </a:r>
+            <a:r>
+              <a:rPr lang="en-US" dirty="0"/>
+              <a:t> </a:t>
+            </a:r>
+            <a:r>
+              <a:rPr lang="en-US" dirty="0" err="1"/>
+              <a:t>mai</a:t>
+            </a:r>
+            <a:r>
+              <a:rPr lang="en-US" dirty="0"/>
+              <a:t> </a:t>
+            </a:r>
+            <a:r>
+              <a:rPr lang="en-US" dirty="0" err="1"/>
+              <a:t>dificila</a:t>
+            </a:r>
+            <a:r>
+              <a:rPr lang="en-US" dirty="0"/>
+              <a:t> in care </a:t>
+            </a:r>
+            <a:r>
+              <a:rPr lang="en-US" dirty="0" err="1"/>
+              <a:t>trebuie</a:t>
+            </a:r>
+            <a:r>
+              <a:rPr lang="en-US" dirty="0"/>
+              <a:t> </a:t>
+            </a:r>
+            <a:r>
+              <a:rPr lang="en-US" dirty="0" err="1"/>
+              <a:t>sa</a:t>
+            </a:r>
+            <a:r>
+              <a:rPr lang="en-US" dirty="0"/>
+              <a:t> </a:t>
+            </a:r>
+            <a:r>
+              <a:rPr lang="en-US" dirty="0" err="1"/>
+              <a:t>sporeasca</a:t>
+            </a:r>
+            <a:r>
+              <a:rPr lang="en-US" dirty="0"/>
+              <a:t> la maxim </a:t>
+            </a:r>
+            <a:r>
+              <a:rPr lang="en-US" dirty="0" err="1"/>
+              <a:t>nivelul</a:t>
+            </a:r>
+            <a:r>
+              <a:rPr lang="en-US" dirty="0"/>
+              <a:t> de </a:t>
+            </a:r>
+            <a:r>
+              <a:rPr lang="en-US" dirty="0" err="1"/>
+              <a:t>atentie</a:t>
+            </a:r>
+            <a:r>
+              <a:rPr lang="en-US" dirty="0"/>
+              <a:t>.</a:t>
+            </a:r>
+          </a:p>
+          <a:p>
+            <a:r>
+              <a:rPr lang="en-US" dirty="0"/>
+              <a:t>Tot ca data de </a:t>
+            </a:r>
+            <a:r>
+              <a:rPr lang="en-US" dirty="0" err="1"/>
+              <a:t>iesire</a:t>
+            </a:r>
+            <a:r>
+              <a:rPr lang="en-US" dirty="0"/>
+              <a:t> ne </a:t>
+            </a:r>
+            <a:r>
+              <a:rPr lang="en-US" dirty="0" err="1"/>
+              <a:t>mai</a:t>
+            </a:r>
+            <a:r>
+              <a:rPr lang="en-US" dirty="0"/>
+              <a:t> </a:t>
+            </a:r>
+            <a:r>
+              <a:rPr lang="en-US" dirty="0" err="1"/>
+              <a:t>trebuie</a:t>
+            </a:r>
+            <a:r>
+              <a:rPr lang="en-US" dirty="0"/>
+              <a:t> un mic display </a:t>
+            </a:r>
+            <a:r>
+              <a:rPr lang="en-US" dirty="0" err="1"/>
+              <a:t>sau</a:t>
+            </a:r>
+            <a:r>
+              <a:rPr lang="en-US" dirty="0"/>
+              <a:t> </a:t>
+            </a:r>
+            <a:r>
+              <a:rPr lang="en-US" dirty="0" err="1"/>
+              <a:t>chiar</a:t>
+            </a:r>
+            <a:r>
+              <a:rPr lang="en-US" dirty="0"/>
+              <a:t> </a:t>
+            </a:r>
+            <a:r>
+              <a:rPr lang="en-US" dirty="0" err="1"/>
+              <a:t>telefonul</a:t>
+            </a:r>
+            <a:r>
+              <a:rPr lang="en-US" dirty="0"/>
+              <a:t> </a:t>
+            </a:r>
+            <a:r>
+              <a:rPr lang="en-US" dirty="0" err="1"/>
+              <a:t>sau</a:t>
+            </a:r>
+            <a:r>
+              <a:rPr lang="en-US" dirty="0"/>
+              <a:t> </a:t>
+            </a:r>
+            <a:r>
+              <a:rPr lang="en-US" dirty="0" err="1"/>
+              <a:t>sistemul</a:t>
+            </a:r>
+            <a:r>
+              <a:rPr lang="en-US" dirty="0"/>
+              <a:t> de </a:t>
+            </a:r>
+            <a:r>
+              <a:rPr lang="en-US" dirty="0" err="1"/>
+              <a:t>navigatie</a:t>
+            </a:r>
+            <a:r>
+              <a:rPr lang="en-US" dirty="0"/>
+              <a:t> al </a:t>
+            </a:r>
+            <a:r>
+              <a:rPr lang="en-US" dirty="0" err="1"/>
+              <a:t>masinii</a:t>
+            </a:r>
+            <a:r>
+              <a:rPr lang="en-US" dirty="0"/>
+              <a:t> pe care </a:t>
+            </a:r>
+            <a:r>
+              <a:rPr lang="en-US" dirty="0" err="1"/>
+              <a:t>sa</a:t>
+            </a:r>
+            <a:r>
+              <a:rPr lang="en-US" dirty="0"/>
+              <a:t> </a:t>
+            </a:r>
+            <a:r>
+              <a:rPr lang="en-US" dirty="0" err="1"/>
+              <a:t>apara</a:t>
+            </a:r>
+            <a:r>
+              <a:rPr lang="en-US" dirty="0"/>
+              <a:t> ,, </a:t>
+            </a:r>
+            <a:r>
+              <a:rPr lang="en-US" dirty="0" err="1"/>
+              <a:t>scorul</a:t>
+            </a:r>
+            <a:r>
+              <a:rPr lang="en-US" dirty="0"/>
+              <a:t> “ </a:t>
+            </a:r>
+            <a:r>
+              <a:rPr lang="en-US" dirty="0" err="1"/>
+              <a:t>judetului</a:t>
+            </a:r>
+            <a:r>
+              <a:rPr lang="en-US" dirty="0"/>
+              <a:t> </a:t>
+            </a:r>
+            <a:r>
+              <a:rPr lang="en-US" dirty="0" err="1"/>
+              <a:t>masinii</a:t>
+            </a:r>
+            <a:r>
+              <a:rPr lang="en-US" dirty="0"/>
+              <a:t> din fata, al </a:t>
+            </a:r>
+            <a:r>
+              <a:rPr lang="en-US" dirty="0" err="1"/>
+              <a:t>masinii</a:t>
+            </a:r>
+            <a:r>
+              <a:rPr lang="en-US" dirty="0"/>
+              <a:t> din spate </a:t>
+            </a:r>
+            <a:r>
+              <a:rPr lang="en-US" dirty="0" err="1"/>
+              <a:t>dar</a:t>
+            </a:r>
+            <a:r>
+              <a:rPr lang="en-US" dirty="0"/>
+              <a:t> </a:t>
+            </a:r>
+            <a:r>
+              <a:rPr lang="en-US" dirty="0" err="1"/>
+              <a:t>si</a:t>
+            </a:r>
+            <a:r>
+              <a:rPr lang="en-US" dirty="0"/>
+              <a:t> al </a:t>
+            </a:r>
+            <a:r>
+              <a:rPr lang="en-US" dirty="0" err="1"/>
+              <a:t>intersectiei</a:t>
+            </a:r>
+            <a:r>
+              <a:rPr lang="en-US" dirty="0"/>
+              <a:t> in </a:t>
+            </a:r>
+            <a:r>
+              <a:rPr lang="en-US" dirty="0" err="1"/>
+              <a:t>apropierea</a:t>
+            </a:r>
+            <a:r>
+              <a:rPr lang="en-US" dirty="0"/>
+              <a:t> </a:t>
+            </a:r>
+            <a:r>
+              <a:rPr lang="en-US" dirty="0" err="1"/>
+              <a:t>careia</a:t>
+            </a:r>
+            <a:r>
+              <a:rPr lang="en-US" dirty="0"/>
+              <a:t> se </a:t>
+            </a:r>
+            <a:r>
+              <a:rPr lang="en-US" dirty="0" err="1"/>
+              <a:t>afla</a:t>
+            </a:r>
+            <a:r>
+              <a:rPr lang="en-US" dirty="0"/>
+              <a:t> </a:t>
+            </a:r>
+            <a:r>
+              <a:rPr lang="en-US" dirty="0" err="1"/>
+              <a:t>soferul</a:t>
+            </a:r>
+            <a:r>
+              <a:rPr lang="en-US" dirty="0"/>
+              <a:t>.</a:t>
+            </a:r>
+          </a:p>
+          <a:p>
+            <a:r>
+              <a:rPr lang="en-US" dirty="0"/>
+              <a:t>La </a:t>
             </a:r>
             <a:r>
               <a:rPr lang="en-US" dirty="0" err="1"/>
@@ -39056,11 +40440,67 @@
             </a:r>
             <a:r>
               <a:rPr lang="en-US" dirty="0"/>
-              <a:t> care in </a:t>
+              <a:t> </a:t>
             </a:r>
             <a:r>
               <a:rPr lang="en-US" dirty="0" err="1"/>
-              <a:t>functie</a:t>
+              <a:t>daca</a:t>
+            </a:r>
+            <a:r>
+              <a:rPr lang="en-US" dirty="0"/>
+              <a:t> nu </a:t>
+            </a:r>
+            <a:r>
+              <a:rPr lang="en-US" dirty="0" err="1"/>
+              <a:t>vom</a:t>
+            </a:r>
+            <a:r>
+              <a:rPr lang="en-US" dirty="0"/>
+              <a:t> </a:t>
+            </a:r>
+            <a:r>
+              <a:rPr lang="en-US" dirty="0" err="1"/>
+              <a:t>putea</a:t>
+            </a:r>
+            <a:r>
+              <a:rPr lang="en-US" dirty="0"/>
+              <a:t> </a:t>
+            </a:r>
+            <a:r>
+              <a:rPr lang="en-US" dirty="0" err="1"/>
+              <a:t>adauga</a:t>
+            </a:r>
+            <a:r>
+              <a:rPr lang="en-US" dirty="0"/>
+              <a:t> o </a:t>
+            </a:r>
+            <a:r>
+              <a:rPr lang="en-US" dirty="0" err="1"/>
+              <a:t>sonerie</a:t>
+            </a:r>
+            <a:r>
+              <a:rPr lang="en-US" dirty="0"/>
+              <a:t> </a:t>
+            </a:r>
+            <a:r>
+              <a:rPr lang="en-US" dirty="0" err="1"/>
+              <a:t>fizica</a:t>
+            </a:r>
+            <a:r>
+              <a:rPr lang="en-US" dirty="0"/>
+              <a:t>, se </a:t>
+            </a:r>
+            <a:r>
+              <a:rPr lang="en-US" dirty="0" err="1"/>
+              <a:t>poate</a:t>
+            </a:r>
+            <a:r>
+              <a:rPr lang="en-US" dirty="0"/>
+              <a:t> </a:t>
+            </a:r>
+            <a:r>
+              <a:rPr lang="en-US" dirty="0" err="1"/>
+              <a:t>utiliza</a:t>
             </a:r>
             <a:r>
               <a:rPr lang="en-US" dirty="0"/>
@@ -39068,7 +40508,15 @@
             </a:r>
             <a:r>
               <a:rPr lang="en-US" dirty="0" err="1"/>
-              <a:t>nivelul</a:t>
+              <a:t>asemenea</a:t>
+            </a:r>
+            <a:r>
+              <a:rPr lang="en-US" dirty="0"/>
+              <a:t> </a:t>
+            </a:r>
+            <a:r>
+              <a:rPr lang="en-US" dirty="0" err="1"/>
+              <a:t>sistemul</a:t>
             </a:r>
             <a:r>
               <a:rPr lang="en-US" dirty="0"/>
@@ -39076,15 +40524,23 @@
             </a:r>
             <a:r>
               <a:rPr lang="en-US" dirty="0" err="1"/>
-              <a:t>pericol</a:t>
+              <a:t>navigatie</a:t>
             </a:r>
             <a:r>
               <a:rPr lang="en-US" dirty="0"/>
-              <a:t> in care </a:t>
+              <a:t> al </a:t>
             </a:r>
             <a:r>
               <a:rPr lang="en-US" dirty="0" err="1"/>
-              <a:t>te</a:t>
+              <a:t>masinii</a:t>
+            </a:r>
+            <a:r>
+              <a:rPr lang="en-US" dirty="0"/>
+              <a:t> care </a:t>
+            </a:r>
+            <a:r>
+              <a:rPr lang="en-US" dirty="0" err="1"/>
+              <a:t>sa</a:t>
             </a:r>
             <a:r>
               <a:rPr lang="en-US" dirty="0"/>
@@ -39092,7 +40548,15 @@
             </a:r>
             <a:r>
               <a:rPr lang="en-US" dirty="0" err="1"/>
-              <a:t>aflii</a:t>
+              <a:t>emita</a:t>
+            </a:r>
+            <a:r>
+              <a:rPr lang="en-US" dirty="0"/>
+              <a:t> un </a:t>
+            </a:r>
+            <a:r>
+              <a:rPr lang="en-US" dirty="0" err="1"/>
+              <a:t>semnal</a:t>
             </a:r>
             <a:r>
               <a:rPr lang="en-US" dirty="0"/>
@@ -39100,31 +40564,7 @@
             </a:r>
             <a:r>
               <a:rPr lang="en-US" dirty="0" err="1"/>
-              <a:t>poate</a:t>
-            </a:r>
-            <a:r>
-              <a:rPr lang="en-US" dirty="0"/>
-              <a:t> reproduce </a:t>
-            </a:r>
-            <a:r>
-              <a:rPr lang="en-US" dirty="0" err="1"/>
-              <a:t>doar</a:t>
-            </a:r>
-            <a:r>
-              <a:rPr lang="en-US" dirty="0"/>
-              <a:t> un </a:t>
-            </a:r>
-            <a:r>
-              <a:rPr lang="en-US" dirty="0" err="1"/>
-              <a:t>sunet</a:t>
-            </a:r>
-            <a:r>
-              <a:rPr lang="en-US" dirty="0"/>
-              <a:t> de </a:t>
-            </a:r>
-            <a:r>
-              <a:rPr lang="en-US" dirty="0" err="1"/>
-              <a:t>informare</a:t>
+              <a:t>sonor</a:t>
             </a:r>
             <a:r>
               <a:rPr lang="en-US" dirty="0"/>
@@ -39132,7 +40572,7 @@
             </a:r>
             <a:r>
               <a:rPr lang="en-US" dirty="0" err="1"/>
-              <a:t>sau</a:t>
+              <a:t>mai</a:t>
             </a:r>
             <a:r>
               <a:rPr lang="en-US" dirty="0"/>
@@ -39140,7 +40580,7 @@
             </a:r>
             <a:r>
               <a:rPr lang="en-US" dirty="0" err="1"/>
-              <a:t>daca</a:t>
+              <a:t>puternic</a:t>
             </a:r>
             <a:r>
               <a:rPr lang="en-US" dirty="0"/>
@@ -39148,7 +40588,7 @@
             </a:r>
             <a:r>
               <a:rPr lang="en-US" dirty="0" err="1"/>
-              <a:t>gradul</a:t>
+              <a:t>sau</a:t>
             </a:r>
             <a:r>
               <a:rPr lang="en-US" dirty="0"/>
@@ -39156,7 +40596,7 @@
             </a:r>
             <a:r>
               <a:rPr lang="en-US" dirty="0" err="1"/>
-              <a:t>este</a:t>
+              <a:t>va</a:t>
             </a:r>
             <a:r>
               <a:rPr lang="en-US" dirty="0"/>
@@ -39164,15 +40604,23 @@
             </a:r>
             <a:r>
               <a:rPr lang="en-US" dirty="0" err="1"/>
-              <a:t>ridicat</a:t>
+              <a:t>putea</a:t>
             </a:r>
             <a:r>
               <a:rPr lang="en-US" dirty="0"/>
-              <a:t>, un </a:t>
+              <a:t> fi </a:t>
             </a:r>
             <a:r>
               <a:rPr lang="en-US" dirty="0" err="1"/>
-              <a:t>sunet</a:t>
+              <a:t>implementata</a:t>
+            </a:r>
+            <a:r>
+              <a:rPr lang="en-US" dirty="0"/>
+              <a:t> o </a:t>
+            </a:r>
+            <a:r>
+              <a:rPr lang="en-US" dirty="0" err="1"/>
+              <a:t>alta</a:t>
             </a:r>
             <a:r>
               <a:rPr lang="en-US" dirty="0"/>
@@ -39180,463 +40628,19 @@
             </a:r>
             <a:r>
               <a:rPr lang="en-US" dirty="0" err="1"/>
-              <a:t>mai</a:t>
+              <a:t>varianta</a:t>
             </a:r>
             <a:r>
               <a:rPr lang="en-US" dirty="0"/>
-              <a:t> </a:t>
+              <a:t>. ( pe </a:t>
             </a:r>
             <a:r>
               <a:rPr lang="en-US" dirty="0" err="1"/>
-              <a:t>puternic</a:t>
+              <a:t>viitor</a:t>
             </a:r>
             <a:r>
               <a:rPr lang="en-US" dirty="0"/>
-              <a:t> care </a:t>
-            </a:r>
-            <a:r>
-              <a:rPr lang="en-US" dirty="0" err="1"/>
-              <a:t>sa</a:t>
-            </a:r>
-            <a:r>
-              <a:rPr lang="en-US" dirty="0"/>
-              <a:t> </a:t>
-            </a:r>
-            <a:r>
-              <a:rPr lang="en-US" dirty="0" err="1"/>
-              <a:t>semnaleze</a:t>
-            </a:r>
-            <a:r>
-              <a:rPr lang="en-US" dirty="0"/>
-              <a:t> </a:t>
-            </a:r>
-            <a:r>
-              <a:rPr lang="en-US" dirty="0" err="1"/>
-              <a:t>soferului</a:t>
-            </a:r>
-            <a:r>
-              <a:rPr lang="en-US" dirty="0"/>
-              <a:t> </a:t>
-            </a:r>
-            <a:r>
-              <a:rPr lang="en-US" dirty="0" err="1"/>
-              <a:t>situatia</a:t>
-            </a:r>
-            <a:r>
-              <a:rPr lang="en-US" dirty="0"/>
-              <a:t> in care </a:t>
-            </a:r>
-            <a:r>
-              <a:rPr lang="en-US" dirty="0" err="1"/>
-              <a:t>acesta</a:t>
-            </a:r>
-            <a:r>
-              <a:rPr lang="en-US" dirty="0"/>
-              <a:t> se </a:t>
-            </a:r>
-            <a:r>
-              <a:rPr lang="en-US" dirty="0" err="1"/>
-              <a:t>afla</a:t>
-            </a:r>
-            <a:r>
-              <a:rPr lang="en-US" dirty="0"/>
-              <a:t>.</a:t>
-            </a:r>
-          </a:p>
-          <a:p>
-            <a:r>
-              <a:rPr lang="en-US" dirty="0"/>
-              <a:t>Tot ca data de </a:t>
-            </a:r>
-            <a:r>
-              <a:rPr lang="en-US" dirty="0" err="1"/>
-              <a:t>iesire</a:t>
-            </a:r>
-            <a:r>
-              <a:rPr lang="en-US" dirty="0"/>
-              <a:t> ne </a:t>
-            </a:r>
-            <a:r>
-              <a:rPr lang="en-US" dirty="0" err="1"/>
-              <a:t>mai</a:t>
-            </a:r>
-            <a:r>
-              <a:rPr lang="en-US" dirty="0"/>
-              <a:t> </a:t>
-            </a:r>
-            <a:r>
-              <a:rPr lang="en-US" dirty="0" err="1"/>
-              <a:t>trebuie</a:t>
-            </a:r>
-            <a:r>
-              <a:rPr lang="en-US" dirty="0"/>
-              <a:t> un mic display </a:t>
-            </a:r>
-            <a:r>
-              <a:rPr lang="en-US" dirty="0" err="1"/>
-              <a:t>sau</a:t>
-            </a:r>
-            <a:r>
-              <a:rPr lang="en-US" dirty="0"/>
-              <a:t> </a:t>
-            </a:r>
-            <a:r>
-              <a:rPr lang="en-US" dirty="0" err="1"/>
-              <a:t>chiar</a:t>
-            </a:r>
-            <a:r>
-              <a:rPr lang="en-US" dirty="0"/>
-              <a:t> </a:t>
-            </a:r>
-            <a:r>
-              <a:rPr lang="en-US" dirty="0" err="1"/>
-              <a:t>telefonul</a:t>
-            </a:r>
-            <a:r>
-              <a:rPr lang="en-US" dirty="0"/>
-              <a:t> </a:t>
-            </a:r>
-            <a:r>
-              <a:rPr lang="en-US" dirty="0" err="1"/>
-              <a:t>sau</a:t>
-            </a:r>
-            <a:r>
-              <a:rPr lang="en-US" dirty="0"/>
-              <a:t> </a:t>
-            </a:r>
-            <a:r>
-              <a:rPr lang="en-US" dirty="0" err="1"/>
-              <a:t>sistemul</a:t>
-            </a:r>
-            <a:r>
-              <a:rPr lang="en-US" dirty="0"/>
-              <a:t> de </a:t>
-            </a:r>
-            <a:r>
-              <a:rPr lang="en-US" dirty="0" err="1"/>
-              <a:t>navigatie</a:t>
-            </a:r>
-            <a:r>
-              <a:rPr lang="en-US" dirty="0"/>
-              <a:t> al </a:t>
-            </a:r>
-            <a:r>
-              <a:rPr lang="en-US" dirty="0" err="1"/>
-              <a:t>masinii</a:t>
-            </a:r>
-            <a:r>
-              <a:rPr lang="en-US" dirty="0"/>
-              <a:t> pe care </a:t>
-            </a:r>
-            <a:r>
-              <a:rPr lang="en-US" dirty="0" err="1"/>
-              <a:t>sa</a:t>
-            </a:r>
-            <a:r>
-              <a:rPr lang="en-US" dirty="0"/>
-              <a:t> </a:t>
-            </a:r>
-            <a:r>
-              <a:rPr lang="en-US" dirty="0" err="1"/>
-              <a:t>apara</a:t>
-            </a:r>
-            <a:r>
-              <a:rPr lang="en-US" dirty="0"/>
-              <a:t> ,, </a:t>
-            </a:r>
-            <a:r>
-              <a:rPr lang="en-US" dirty="0" err="1"/>
-              <a:t>scorul</a:t>
-            </a:r>
-            <a:r>
-              <a:rPr lang="en-US" dirty="0"/>
-              <a:t> “ </a:t>
-            </a:r>
-            <a:r>
-              <a:rPr lang="en-US" dirty="0" err="1"/>
-              <a:t>judetului</a:t>
-            </a:r>
-            <a:r>
-              <a:rPr lang="en-US" dirty="0"/>
-              <a:t> </a:t>
-            </a:r>
-            <a:r>
-              <a:rPr lang="en-US" dirty="0" err="1"/>
-              <a:t>masinii</a:t>
-            </a:r>
-            <a:r>
-              <a:rPr lang="en-US" dirty="0"/>
-              <a:t> din fata, al </a:t>
-            </a:r>
-            <a:r>
-              <a:rPr lang="en-US" dirty="0" err="1"/>
-              <a:t>masinii</a:t>
-            </a:r>
-            <a:r>
-              <a:rPr lang="en-US" dirty="0"/>
-              <a:t> din spate </a:t>
-            </a:r>
-            <a:r>
-              <a:rPr lang="en-US" dirty="0" err="1"/>
-              <a:t>dar</a:t>
-            </a:r>
-            <a:r>
-              <a:rPr lang="en-US" dirty="0"/>
-              <a:t> </a:t>
-            </a:r>
-            <a:r>
-              <a:rPr lang="en-US" dirty="0" err="1"/>
-              <a:t>si</a:t>
-            </a:r>
-            <a:r>
-              <a:rPr lang="en-US" dirty="0"/>
-              <a:t> al </a:t>
-            </a:r>
-            <a:r>
-              <a:rPr lang="en-US" dirty="0" err="1"/>
-              <a:t>intersectiei</a:t>
-            </a:r>
-            <a:r>
-              <a:rPr lang="en-US" dirty="0"/>
-              <a:t> in </a:t>
-            </a:r>
-            <a:r>
-              <a:rPr lang="en-US" dirty="0" err="1"/>
-              <a:t>apropierea</a:t>
-            </a:r>
-            <a:r>
-              <a:rPr lang="en-US" dirty="0"/>
-              <a:t> </a:t>
-            </a:r>
-            <a:r>
-              <a:rPr lang="en-US" dirty="0" err="1"/>
-              <a:t>careia</a:t>
-            </a:r>
-            <a:r>
-              <a:rPr lang="en-US" dirty="0"/>
-              <a:t> se </a:t>
-            </a:r>
-            <a:r>
-              <a:rPr lang="en-US" dirty="0" err="1"/>
-              <a:t>afla</a:t>
-            </a:r>
-            <a:r>
-              <a:rPr lang="en-US" dirty="0"/>
-              <a:t> </a:t>
-            </a:r>
-            <a:r>
-              <a:rPr lang="en-US" dirty="0" err="1"/>
-              <a:t>soferul</a:t>
-            </a:r>
-            <a:r>
-              <a:rPr lang="en-US" dirty="0"/>
-              <a:t>.</a:t>
-            </a:r>
-          </a:p>
-          <a:p>
-            <a:r>
-              <a:rPr lang="en-US" dirty="0"/>
-              <a:t>La </a:t>
-            </a:r>
-            <a:r>
-              <a:rPr lang="en-US" dirty="0" err="1"/>
-              <a:t>sonerie</a:t>
-            </a:r>
-            <a:r>
-              <a:rPr lang="en-US" dirty="0"/>
-              <a:t> </a:t>
-            </a:r>
-            <a:r>
-              <a:rPr lang="en-US" dirty="0" err="1"/>
-              <a:t>daca</a:t>
-            </a:r>
-            <a:r>
-              <a:rPr lang="en-US" dirty="0"/>
-              <a:t> nu </a:t>
-            </a:r>
-            <a:r>
-              <a:rPr lang="en-US" dirty="0" err="1"/>
-              <a:t>vom</a:t>
-            </a:r>
-            <a:r>
-              <a:rPr lang="en-US" dirty="0"/>
-              <a:t> </a:t>
-            </a:r>
-            <a:r>
-              <a:rPr lang="en-US" dirty="0" err="1"/>
-              <a:t>putea</a:t>
-            </a:r>
-            <a:r>
-              <a:rPr lang="en-US" dirty="0"/>
-              <a:t> </a:t>
-            </a:r>
-            <a:r>
-              <a:rPr lang="en-US" dirty="0" err="1"/>
-              <a:t>adauga</a:t>
-            </a:r>
-            <a:r>
-              <a:rPr lang="en-US" dirty="0"/>
-              <a:t> o </a:t>
-            </a:r>
-            <a:r>
-              <a:rPr lang="en-US" dirty="0" err="1"/>
-              <a:t>sonerie</a:t>
-            </a:r>
-            <a:r>
-              <a:rPr lang="en-US" dirty="0"/>
-              <a:t> </a:t>
-            </a:r>
-            <a:r>
-              <a:rPr lang="en-US" dirty="0" err="1"/>
-              <a:t>fizica</a:t>
-            </a:r>
-            <a:r>
-              <a:rPr lang="en-US" dirty="0"/>
-              <a:t>, se </a:t>
-            </a:r>
-            <a:r>
-              <a:rPr lang="en-US" dirty="0" err="1"/>
-              <a:t>poate</a:t>
-            </a:r>
-            <a:r>
-              <a:rPr lang="en-US" dirty="0"/>
-              <a:t> </a:t>
-            </a:r>
-            <a:r>
-              <a:rPr lang="en-US" dirty="0" err="1"/>
-              <a:t>utiliza</a:t>
-            </a:r>
-            <a:r>
-              <a:rPr lang="en-US" dirty="0"/>
-              <a:t> de </a:t>
-            </a:r>
-            <a:r>
-              <a:rPr lang="en-US" dirty="0" err="1"/>
-              <a:t>asemenea</a:t>
-            </a:r>
-            <a:r>
-              <a:rPr lang="en-US" dirty="0"/>
-              <a:t> </a:t>
-            </a:r>
-            <a:r>
-              <a:rPr lang="en-US" dirty="0" err="1"/>
-              <a:t>sistemul</a:t>
-            </a:r>
-            <a:r>
-              <a:rPr lang="en-US" dirty="0"/>
-              <a:t> de </a:t>
-            </a:r>
-            <a:r>
-              <a:rPr lang="en-US" dirty="0" err="1"/>
-              <a:t>navigatie</a:t>
-            </a:r>
-            <a:r>
-              <a:rPr lang="en-US" dirty="0"/>
-              <a:t> al </a:t>
-            </a:r>
-            <a:r>
-              <a:rPr lang="en-US" dirty="0" err="1"/>
-              <a:t>masinii</a:t>
-            </a:r>
-            <a:r>
-              <a:rPr lang="en-US" dirty="0"/>
-              <a:t> care </a:t>
-            </a:r>
-            <a:r>
-              <a:rPr lang="en-US" dirty="0" err="1"/>
-              <a:t>sa</a:t>
-            </a:r>
-            <a:r>
-              <a:rPr lang="en-US" dirty="0"/>
-              <a:t> </a:t>
-            </a:r>
-            <a:r>
-              <a:rPr lang="en-US" dirty="0" err="1"/>
-              <a:t>emita</a:t>
-            </a:r>
-            <a:r>
-              <a:rPr lang="en-US" dirty="0"/>
-              <a:t> un </a:t>
-            </a:r>
-            <a:r>
-              <a:rPr lang="en-US" dirty="0" err="1"/>
-              <a:t>semnal</a:t>
-            </a:r>
-            <a:r>
-              <a:rPr lang="en-US" dirty="0"/>
-              <a:t> </a:t>
-            </a:r>
-            <a:r>
-              <a:rPr lang="en-US" dirty="0" err="1"/>
-              <a:t>sonor</a:t>
-            </a:r>
-            <a:r>
-              <a:rPr lang="en-US" dirty="0"/>
-              <a:t> </a:t>
-            </a:r>
-            <a:r>
-              <a:rPr lang="en-US" dirty="0" err="1"/>
-              <a:t>mai</a:t>
-            </a:r>
-            <a:r>
-              <a:rPr lang="en-US" dirty="0"/>
-              <a:t> </a:t>
-            </a:r>
-            <a:r>
-              <a:rPr lang="en-US" dirty="0" err="1"/>
-              <a:t>puternic</a:t>
-            </a:r>
-            <a:r>
-              <a:rPr lang="en-US" dirty="0"/>
-              <a:t> </a:t>
-            </a:r>
-            <a:r>
-              <a:rPr lang="en-US" dirty="0" err="1"/>
-              <a:t>sau</a:t>
-            </a:r>
-            <a:r>
-              <a:rPr lang="en-US" dirty="0"/>
-              <a:t> </a:t>
-            </a:r>
-            <a:r>
-              <a:rPr lang="en-US" dirty="0" err="1"/>
-              <a:t>va</a:t>
-            </a:r>
-            <a:r>
-              <a:rPr lang="en-US" dirty="0"/>
-              <a:t> </a:t>
-            </a:r>
-            <a:r>
-              <a:rPr lang="en-US" dirty="0" err="1"/>
-              <a:t>putea</a:t>
-            </a:r>
-            <a:r>
-              <a:rPr lang="en-US" dirty="0"/>
-              <a:t> fi </a:t>
-            </a:r>
-            <a:r>
-              <a:rPr lang="en-US" dirty="0" err="1"/>
-              <a:t>implementata</a:t>
-            </a:r>
-            <a:r>
-              <a:rPr lang="en-US" dirty="0"/>
-              <a:t> o </a:t>
-            </a:r>
-            <a:r>
-              <a:rPr lang="en-US" dirty="0" err="1"/>
-              <a:t>alta</a:t>
-            </a:r>
-            <a:r>
-              <a:rPr lang="en-US" dirty="0"/>
-              <a:t> </a:t>
-            </a:r>
-            <a:r>
-              <a:rPr lang="en-US" dirty="0" err="1"/>
-              <a:t>varianta</a:t>
-            </a:r>
-            <a:r>
-              <a:rPr lang="en-US" dirty="0"/>
-              <a:t>.</a:t>
+              <a:t> )</a:t>
             </a:r>
           </a:p>
           <a:p>
@@ -44880,6 +45884,5229 @@
   <p:cSld>
     <p:spTree>
       <p:nvGrpSpPr>
+        <p:cNvPr id="1" name="Shape 984">
+          <a:extLst>
+            <a:ext uri="{FF2B5EF4-FFF2-40B4-BE49-F238E27FC236}">
+              <a16:creationId xmlns:a16="http://schemas.microsoft.com/office/drawing/2014/main" id="{3F1DC9C8-4801-DFB7-AD5B-B63B93443ADD}"/>
+            </a:ext>
+          </a:extLst>
+        </p:cNvPr>
+        <p:cNvGrpSpPr/>
+        <p:nvPr/>
+      </p:nvGrpSpPr>
+      <p:grpSpPr>
+        <a:xfrm>
+          <a:off x="0" y="0"/>
+          <a:ext cx="0" cy="0"/>
+          <a:chOff x="0" y="0"/>
+          <a:chExt cx="0" cy="0"/>
+        </a:xfrm>
+      </p:grpSpPr>
+      <p:sp>
+        <p:nvSpPr>
+          <p:cNvPr id="985" name="Google Shape;985;p57">
+            <a:extLst>
+              <a:ext uri="{FF2B5EF4-FFF2-40B4-BE49-F238E27FC236}">
+                <a16:creationId xmlns:a16="http://schemas.microsoft.com/office/drawing/2014/main" id="{E0189E0B-E13D-1017-8DFE-0DC64B5EBCDF}"/>
+              </a:ext>
+            </a:extLst>
+          </p:cNvPr>
+          <p:cNvSpPr/>
+          <p:nvPr/>
+        </p:nvSpPr>
+        <p:spPr>
+          <a:xfrm>
+            <a:off x="3320042" y="1168200"/>
+            <a:ext cx="2514600" cy="3440400"/>
+          </a:xfrm>
+          <a:prstGeom prst="rect">
+            <a:avLst/>
+          </a:prstGeom>
+          <a:solidFill>
+            <a:schemeClr val="lt2"/>
+          </a:solidFill>
+          <a:ln>
+            <a:noFill/>
+          </a:ln>
+        </p:spPr>
+        <p:txBody>
+          <a:bodyPr spcFirstLastPara="1" wrap="square" lIns="91425" tIns="91425" rIns="91425" bIns="91425" anchor="ctr" anchorCtr="0">
+            <a:noAutofit/>
+          </a:bodyPr>
+          <a:lstStyle/>
+          <a:p>
+            <a:pPr marL="0" lvl="0" indent="0" algn="l" rtl="0">
+              <a:spcBef>
+                <a:spcPts val="0"/>
+              </a:spcBef>
+              <a:spcAft>
+                <a:spcPts val="0"/>
+              </a:spcAft>
+              <a:buNone/>
+            </a:pPr>
+            <a:endParaRPr dirty="0"/>
+          </a:p>
+        </p:txBody>
+      </p:sp>
+      <p:sp>
+        <p:nvSpPr>
+          <p:cNvPr id="986" name="Google Shape;986;p57">
+            <a:extLst>
+              <a:ext uri="{FF2B5EF4-FFF2-40B4-BE49-F238E27FC236}">
+                <a16:creationId xmlns:a16="http://schemas.microsoft.com/office/drawing/2014/main" id="{1510EA7B-B022-33B1-6F0B-9E8A74F80ED2}"/>
+              </a:ext>
+            </a:extLst>
+          </p:cNvPr>
+          <p:cNvSpPr/>
+          <p:nvPr/>
+        </p:nvSpPr>
+        <p:spPr>
+          <a:xfrm>
+            <a:off x="6019467" y="1168200"/>
+            <a:ext cx="2514600" cy="3440400"/>
+          </a:xfrm>
+          <a:prstGeom prst="rect">
+            <a:avLst/>
+          </a:prstGeom>
+          <a:solidFill>
+            <a:schemeClr val="lt2"/>
+          </a:solidFill>
+          <a:ln>
+            <a:noFill/>
+          </a:ln>
+        </p:spPr>
+        <p:txBody>
+          <a:bodyPr spcFirstLastPara="1" wrap="square" lIns="91425" tIns="91425" rIns="91425" bIns="91425" anchor="ctr" anchorCtr="0">
+            <a:noAutofit/>
+          </a:bodyPr>
+          <a:lstStyle/>
+          <a:p>
+            <a:pPr marL="0" lvl="0" indent="0" algn="l" rtl="0">
+              <a:spcBef>
+                <a:spcPts val="0"/>
+              </a:spcBef>
+              <a:spcAft>
+                <a:spcPts val="0"/>
+              </a:spcAft>
+              <a:buNone/>
+            </a:pPr>
+            <a:endParaRPr/>
+          </a:p>
+        </p:txBody>
+      </p:sp>
+      <p:sp>
+        <p:nvSpPr>
+          <p:cNvPr id="987" name="Google Shape;987;p57">
+            <a:extLst>
+              <a:ext uri="{FF2B5EF4-FFF2-40B4-BE49-F238E27FC236}">
+                <a16:creationId xmlns:a16="http://schemas.microsoft.com/office/drawing/2014/main" id="{1A5C3B0A-F779-4B8B-E5D1-81AE17D13529}"/>
+              </a:ext>
+            </a:extLst>
+          </p:cNvPr>
+          <p:cNvSpPr/>
+          <p:nvPr/>
+        </p:nvSpPr>
+        <p:spPr>
+          <a:xfrm>
+            <a:off x="620617" y="1168200"/>
+            <a:ext cx="2514600" cy="3440400"/>
+          </a:xfrm>
+          <a:prstGeom prst="rect">
+            <a:avLst/>
+          </a:prstGeom>
+          <a:solidFill>
+            <a:schemeClr val="lt2"/>
+          </a:solidFill>
+          <a:ln>
+            <a:noFill/>
+          </a:ln>
+        </p:spPr>
+        <p:txBody>
+          <a:bodyPr spcFirstLastPara="1" wrap="square" lIns="91425" tIns="91425" rIns="91425" bIns="91425" anchor="ctr" anchorCtr="0">
+            <a:noAutofit/>
+          </a:bodyPr>
+          <a:lstStyle/>
+          <a:p>
+            <a:pPr marL="0" lvl="0" indent="0" algn="l" rtl="0">
+              <a:spcBef>
+                <a:spcPts val="0"/>
+              </a:spcBef>
+              <a:spcAft>
+                <a:spcPts val="0"/>
+              </a:spcAft>
+              <a:buNone/>
+            </a:pPr>
+            <a:endParaRPr dirty="0"/>
+          </a:p>
+        </p:txBody>
+      </p:sp>
+      <p:sp>
+        <p:nvSpPr>
+          <p:cNvPr id="988" name="Google Shape;988;p57">
+            <a:extLst>
+              <a:ext uri="{FF2B5EF4-FFF2-40B4-BE49-F238E27FC236}">
+                <a16:creationId xmlns:a16="http://schemas.microsoft.com/office/drawing/2014/main" id="{77979D3B-1F15-4422-2500-B7F4DB8F7050}"/>
+              </a:ext>
+            </a:extLst>
+          </p:cNvPr>
+          <p:cNvSpPr txBox="1">
+            <a:spLocks noGrp="1"/>
+          </p:cNvSpPr>
+          <p:nvPr>
+            <p:ph type="title" idx="6"/>
+          </p:nvPr>
+        </p:nvSpPr>
+        <p:spPr>
+          <a:xfrm>
+            <a:off x="720000" y="445025"/>
+            <a:ext cx="7704000" cy="572700"/>
+          </a:xfrm>
+          <a:prstGeom prst="rect">
+            <a:avLst/>
+          </a:prstGeom>
+        </p:spPr>
+        <p:txBody>
+          <a:bodyPr spcFirstLastPara="1" wrap="square" lIns="91425" tIns="91425" rIns="91425" bIns="91425" anchor="ctr" anchorCtr="0">
+            <a:noAutofit/>
+          </a:bodyPr>
+          <a:lstStyle/>
+          <a:p>
+            <a:pPr marL="0" lvl="0" indent="0" algn="ctr" rtl="0">
+              <a:spcBef>
+                <a:spcPts val="0"/>
+              </a:spcBef>
+              <a:spcAft>
+                <a:spcPts val="0"/>
+              </a:spcAft>
+              <a:buNone/>
+            </a:pPr>
+            <a:r>
+              <a:rPr lang="en" dirty="0"/>
+              <a:t>surse</a:t>
+            </a:r>
+            <a:endParaRPr dirty="0"/>
+          </a:p>
+        </p:txBody>
+      </p:sp>
+      <p:sp>
+        <p:nvSpPr>
+          <p:cNvPr id="990" name="Google Shape;990;p57">
+            <a:extLst>
+              <a:ext uri="{FF2B5EF4-FFF2-40B4-BE49-F238E27FC236}">
+                <a16:creationId xmlns:a16="http://schemas.microsoft.com/office/drawing/2014/main" id="{C36068DA-0288-CF0F-8800-F2819A32C7DF}"/>
+              </a:ext>
+            </a:extLst>
+          </p:cNvPr>
+          <p:cNvSpPr txBox="1">
+            <a:spLocks noGrp="1"/>
+          </p:cNvSpPr>
+          <p:nvPr>
+            <p:ph type="subTitle" idx="1"/>
+          </p:nvPr>
+        </p:nvSpPr>
+        <p:spPr>
+          <a:xfrm>
+            <a:off x="688071" y="3073688"/>
+            <a:ext cx="2336400" cy="630900"/>
+          </a:xfrm>
+          <a:prstGeom prst="rect">
+            <a:avLst/>
+          </a:prstGeom>
+        </p:spPr>
+        <p:txBody>
+          <a:bodyPr spcFirstLastPara="1" wrap="square" lIns="91425" tIns="91425" rIns="91425" bIns="91425" anchor="ctr" anchorCtr="0">
+            <a:noAutofit/>
+          </a:bodyPr>
+          <a:lstStyle/>
+          <a:p>
+            <a:pPr marL="0" lvl="0" indent="0"/>
+            <a:r>
+              <a:rPr lang="en-US" dirty="0"/>
+              <a:t>https://course.elementsofai.com/ro/5/1</a:t>
+            </a:r>
+            <a:endParaRPr dirty="0"/>
+          </a:p>
+        </p:txBody>
+      </p:sp>
+      <p:sp>
+        <p:nvSpPr>
+          <p:cNvPr id="992" name="Google Shape;992;p57">
+            <a:extLst>
+              <a:ext uri="{FF2B5EF4-FFF2-40B4-BE49-F238E27FC236}">
+                <a16:creationId xmlns:a16="http://schemas.microsoft.com/office/drawing/2014/main" id="{856B149D-CD23-4D76-4011-F2DE62655C30}"/>
+              </a:ext>
+            </a:extLst>
+          </p:cNvPr>
+          <p:cNvSpPr txBox="1">
+            <a:spLocks noGrp="1"/>
+          </p:cNvSpPr>
+          <p:nvPr>
+            <p:ph type="subTitle" idx="3"/>
+          </p:nvPr>
+        </p:nvSpPr>
+        <p:spPr>
+          <a:xfrm>
+            <a:off x="3412324" y="3207652"/>
+            <a:ext cx="2336400" cy="630900"/>
+          </a:xfrm>
+          <a:prstGeom prst="rect">
+            <a:avLst/>
+          </a:prstGeom>
+        </p:spPr>
+        <p:txBody>
+          <a:bodyPr spcFirstLastPara="1" wrap="square" lIns="91425" tIns="91425" rIns="91425" bIns="91425" anchor="ctr" anchorCtr="0">
+            <a:noAutofit/>
+          </a:bodyPr>
+          <a:lstStyle/>
+          <a:p>
+            <a:pPr marL="0" lvl="0" indent="0">
+              <a:buClr>
+                <a:schemeClr val="hlink"/>
+              </a:buClr>
+              <a:buSzPts val="1100"/>
+            </a:pPr>
+            <a:r>
+              <a:rPr lang="en-US" dirty="0"/>
+              <a:t>https://www.youtube.com/watch?v=cu2OimpR5Gs</a:t>
+            </a:r>
+            <a:endParaRPr dirty="0"/>
+          </a:p>
+        </p:txBody>
+      </p:sp>
+      <p:sp>
+        <p:nvSpPr>
+          <p:cNvPr id="994" name="Google Shape;994;p57">
+            <a:extLst>
+              <a:ext uri="{FF2B5EF4-FFF2-40B4-BE49-F238E27FC236}">
+                <a16:creationId xmlns:a16="http://schemas.microsoft.com/office/drawing/2014/main" id="{A05BEC27-4500-3F98-840B-D911AAC4BB99}"/>
+              </a:ext>
+            </a:extLst>
+          </p:cNvPr>
+          <p:cNvSpPr txBox="1">
+            <a:spLocks noGrp="1"/>
+          </p:cNvSpPr>
+          <p:nvPr>
+            <p:ph type="subTitle" idx="5"/>
+          </p:nvPr>
+        </p:nvSpPr>
+        <p:spPr>
+          <a:xfrm>
+            <a:off x="6075594" y="3257867"/>
+            <a:ext cx="2336400" cy="630900"/>
+          </a:xfrm>
+          <a:prstGeom prst="rect">
+            <a:avLst/>
+          </a:prstGeom>
+        </p:spPr>
+        <p:txBody>
+          <a:bodyPr spcFirstLastPara="1" wrap="square" lIns="91425" tIns="91425" rIns="91425" bIns="91425" anchor="ctr" anchorCtr="0">
+            <a:noAutofit/>
+          </a:bodyPr>
+          <a:lstStyle/>
+          <a:p>
+            <a:pPr marL="0" lvl="0" indent="0">
+              <a:buClr>
+                <a:schemeClr val="hlink"/>
+              </a:buClr>
+              <a:buSzPts val="1100"/>
+            </a:pPr>
+            <a:r>
+              <a:rPr lang="en-US" dirty="0"/>
+              <a:t>https://www.reddit.com/r/programare/comments/11126mx/tutorial_concepte_matematice_retele_neuronale_si/</a:t>
+            </a:r>
+            <a:endParaRPr dirty="0"/>
+          </a:p>
+        </p:txBody>
+      </p:sp>
+      <p:grpSp>
+        <p:nvGrpSpPr>
+          <p:cNvPr id="998" name="Google Shape;998;p57">
+            <a:extLst>
+              <a:ext uri="{FF2B5EF4-FFF2-40B4-BE49-F238E27FC236}">
+                <a16:creationId xmlns:a16="http://schemas.microsoft.com/office/drawing/2014/main" id="{4DC5FECE-5713-B1D0-890E-DD9596947A4A}"/>
+              </a:ext>
+            </a:extLst>
+          </p:cNvPr>
+          <p:cNvGrpSpPr/>
+          <p:nvPr/>
+        </p:nvGrpSpPr>
+        <p:grpSpPr>
+          <a:xfrm rot="10800000">
+            <a:off x="4305897" y="4124971"/>
+            <a:ext cx="537556" cy="136576"/>
+            <a:chOff x="2641350" y="846250"/>
+            <a:chExt cx="413600" cy="105075"/>
+          </a:xfrm>
+        </p:grpSpPr>
+        <p:sp>
+          <p:nvSpPr>
+            <p:cNvPr id="999" name="Google Shape;999;p57">
+              <a:extLst>
+                <a:ext uri="{FF2B5EF4-FFF2-40B4-BE49-F238E27FC236}">
+                  <a16:creationId xmlns:a16="http://schemas.microsoft.com/office/drawing/2014/main" id="{746AE77E-C240-0ECD-784F-12A0281882D5}"/>
+                </a:ext>
+              </a:extLst>
+            </p:cNvPr>
+            <p:cNvSpPr/>
+            <p:nvPr/>
+          </p:nvSpPr>
+          <p:spPr>
+            <a:xfrm>
+              <a:off x="2991475" y="846250"/>
+              <a:ext cx="63475" cy="105075"/>
+            </a:xfrm>
+            <a:custGeom>
+              <a:avLst/>
+              <a:gdLst/>
+              <a:ahLst/>
+              <a:cxnLst/>
+              <a:rect l="l" t="t" r="r" b="b"/>
+              <a:pathLst>
+                <a:path w="2539" h="4203" extrusionOk="0">
+                  <a:moveTo>
+                    <a:pt x="2092" y="1"/>
+                  </a:moveTo>
+                  <a:lnTo>
+                    <a:pt x="1" y="2111"/>
+                  </a:lnTo>
+                  <a:lnTo>
+                    <a:pt x="2092" y="4202"/>
+                  </a:lnTo>
+                  <a:lnTo>
+                    <a:pt x="2538" y="3756"/>
+                  </a:lnTo>
+                  <a:lnTo>
+                    <a:pt x="874" y="2111"/>
+                  </a:lnTo>
+                  <a:lnTo>
+                    <a:pt x="2538" y="447"/>
+                  </a:lnTo>
+                  <a:lnTo>
+                    <a:pt x="2092" y="1"/>
+                  </a:lnTo>
+                  <a:close/>
+                </a:path>
+              </a:pathLst>
+            </a:custGeom>
+            <a:solidFill>
+              <a:schemeClr val="dk1"/>
+            </a:solidFill>
+            <a:ln>
+              <a:noFill/>
+            </a:ln>
+          </p:spPr>
+          <p:txBody>
+            <a:bodyPr spcFirstLastPara="1" wrap="square" lIns="91425" tIns="91425" rIns="91425" bIns="91425" anchor="ctr" anchorCtr="0">
+              <a:noAutofit/>
+            </a:bodyPr>
+            <a:lstStyle/>
+            <a:p>
+              <a:pPr marL="0" lvl="0" indent="0" algn="l" rtl="0">
+                <a:spcBef>
+                  <a:spcPts val="0"/>
+                </a:spcBef>
+                <a:spcAft>
+                  <a:spcPts val="0"/>
+                </a:spcAft>
+                <a:buNone/>
+              </a:pPr>
+              <a:endParaRPr/>
+            </a:p>
+          </p:txBody>
+        </p:sp>
+        <p:sp>
+          <p:nvSpPr>
+            <p:cNvPr id="1000" name="Google Shape;1000;p57">
+              <a:extLst>
+                <a:ext uri="{FF2B5EF4-FFF2-40B4-BE49-F238E27FC236}">
+                  <a16:creationId xmlns:a16="http://schemas.microsoft.com/office/drawing/2014/main" id="{AE7AC8D9-6CEF-E17E-3954-C170536BE6A7}"/>
+                </a:ext>
+              </a:extLst>
+            </p:cNvPr>
+            <p:cNvSpPr/>
+            <p:nvPr/>
+          </p:nvSpPr>
+          <p:spPr>
+            <a:xfrm>
+              <a:off x="2874775" y="846250"/>
+              <a:ext cx="63450" cy="105075"/>
+            </a:xfrm>
+            <a:custGeom>
+              <a:avLst/>
+              <a:gdLst/>
+              <a:ahLst/>
+              <a:cxnLst/>
+              <a:rect l="l" t="t" r="r" b="b"/>
+              <a:pathLst>
+                <a:path w="2538" h="4203" extrusionOk="0">
+                  <a:moveTo>
+                    <a:pt x="2091" y="1"/>
+                  </a:moveTo>
+                  <a:lnTo>
+                    <a:pt x="0" y="2111"/>
+                  </a:lnTo>
+                  <a:lnTo>
+                    <a:pt x="2091" y="4202"/>
+                  </a:lnTo>
+                  <a:lnTo>
+                    <a:pt x="2538" y="3756"/>
+                  </a:lnTo>
+                  <a:lnTo>
+                    <a:pt x="894" y="2111"/>
+                  </a:lnTo>
+                  <a:lnTo>
+                    <a:pt x="2538" y="447"/>
+                  </a:lnTo>
+                  <a:lnTo>
+                    <a:pt x="2091" y="1"/>
+                  </a:lnTo>
+                  <a:close/>
+                </a:path>
+              </a:pathLst>
+            </a:custGeom>
+            <a:solidFill>
+              <a:schemeClr val="dk1"/>
+            </a:solidFill>
+            <a:ln>
+              <a:noFill/>
+            </a:ln>
+          </p:spPr>
+          <p:txBody>
+            <a:bodyPr spcFirstLastPara="1" wrap="square" lIns="91425" tIns="91425" rIns="91425" bIns="91425" anchor="ctr" anchorCtr="0">
+              <a:noAutofit/>
+            </a:bodyPr>
+            <a:lstStyle/>
+            <a:p>
+              <a:pPr marL="0" lvl="0" indent="0" algn="l" rtl="0">
+                <a:spcBef>
+                  <a:spcPts val="0"/>
+                </a:spcBef>
+                <a:spcAft>
+                  <a:spcPts val="0"/>
+                </a:spcAft>
+                <a:buNone/>
+              </a:pPr>
+              <a:endParaRPr/>
+            </a:p>
+          </p:txBody>
+        </p:sp>
+        <p:sp>
+          <p:nvSpPr>
+            <p:cNvPr id="1001" name="Google Shape;1001;p57">
+              <a:extLst>
+                <a:ext uri="{FF2B5EF4-FFF2-40B4-BE49-F238E27FC236}">
+                  <a16:creationId xmlns:a16="http://schemas.microsoft.com/office/drawing/2014/main" id="{D46437A7-1C27-FEB3-85D2-08A43C28EFD3}"/>
+                </a:ext>
+              </a:extLst>
+            </p:cNvPr>
+            <p:cNvSpPr/>
+            <p:nvPr/>
+          </p:nvSpPr>
+          <p:spPr>
+            <a:xfrm>
+              <a:off x="2758075" y="846250"/>
+              <a:ext cx="63450" cy="105075"/>
+            </a:xfrm>
+            <a:custGeom>
+              <a:avLst/>
+              <a:gdLst/>
+              <a:ahLst/>
+              <a:cxnLst/>
+              <a:rect l="l" t="t" r="r" b="b"/>
+              <a:pathLst>
+                <a:path w="2538" h="4203" extrusionOk="0">
+                  <a:moveTo>
+                    <a:pt x="2111" y="1"/>
+                  </a:moveTo>
+                  <a:lnTo>
+                    <a:pt x="0" y="2111"/>
+                  </a:lnTo>
+                  <a:lnTo>
+                    <a:pt x="2111" y="4202"/>
+                  </a:lnTo>
+                  <a:lnTo>
+                    <a:pt x="2537" y="3756"/>
+                  </a:lnTo>
+                  <a:lnTo>
+                    <a:pt x="893" y="2111"/>
+                  </a:lnTo>
+                  <a:lnTo>
+                    <a:pt x="2537" y="447"/>
+                  </a:lnTo>
+                  <a:lnTo>
+                    <a:pt x="2111" y="1"/>
+                  </a:lnTo>
+                  <a:close/>
+                </a:path>
+              </a:pathLst>
+            </a:custGeom>
+            <a:solidFill>
+              <a:schemeClr val="dk1"/>
+            </a:solidFill>
+            <a:ln>
+              <a:noFill/>
+            </a:ln>
+          </p:spPr>
+          <p:txBody>
+            <a:bodyPr spcFirstLastPara="1" wrap="square" lIns="91425" tIns="91425" rIns="91425" bIns="91425" anchor="ctr" anchorCtr="0">
+              <a:noAutofit/>
+            </a:bodyPr>
+            <a:lstStyle/>
+            <a:p>
+              <a:pPr marL="0" lvl="0" indent="0" algn="l" rtl="0">
+                <a:spcBef>
+                  <a:spcPts val="0"/>
+                </a:spcBef>
+                <a:spcAft>
+                  <a:spcPts val="0"/>
+                </a:spcAft>
+                <a:buNone/>
+              </a:pPr>
+              <a:endParaRPr/>
+            </a:p>
+          </p:txBody>
+        </p:sp>
+        <p:sp>
+          <p:nvSpPr>
+            <p:cNvPr id="1002" name="Google Shape;1002;p57">
+              <a:extLst>
+                <a:ext uri="{FF2B5EF4-FFF2-40B4-BE49-F238E27FC236}">
+                  <a16:creationId xmlns:a16="http://schemas.microsoft.com/office/drawing/2014/main" id="{D3D5C67C-4CEE-0161-E5F0-4D16812F4B93}"/>
+                </a:ext>
+              </a:extLst>
+            </p:cNvPr>
+            <p:cNvSpPr/>
+            <p:nvPr/>
+          </p:nvSpPr>
+          <p:spPr>
+            <a:xfrm>
+              <a:off x="2641350" y="846250"/>
+              <a:ext cx="63975" cy="105075"/>
+            </a:xfrm>
+            <a:custGeom>
+              <a:avLst/>
+              <a:gdLst/>
+              <a:ahLst/>
+              <a:cxnLst/>
+              <a:rect l="l" t="t" r="r" b="b"/>
+              <a:pathLst>
+                <a:path w="2559" h="4203" extrusionOk="0">
+                  <a:moveTo>
+                    <a:pt x="2112" y="1"/>
+                  </a:moveTo>
+                  <a:lnTo>
+                    <a:pt x="1" y="2111"/>
+                  </a:lnTo>
+                  <a:lnTo>
+                    <a:pt x="2112" y="4202"/>
+                  </a:lnTo>
+                  <a:lnTo>
+                    <a:pt x="2558" y="3756"/>
+                  </a:lnTo>
+                  <a:lnTo>
+                    <a:pt x="894" y="2111"/>
+                  </a:lnTo>
+                  <a:lnTo>
+                    <a:pt x="2558" y="447"/>
+                  </a:lnTo>
+                  <a:lnTo>
+                    <a:pt x="2112" y="1"/>
+                  </a:lnTo>
+                  <a:close/>
+                </a:path>
+              </a:pathLst>
+            </a:custGeom>
+            <a:solidFill>
+              <a:schemeClr val="dk1"/>
+            </a:solidFill>
+            <a:ln>
+              <a:noFill/>
+            </a:ln>
+          </p:spPr>
+          <p:txBody>
+            <a:bodyPr spcFirstLastPara="1" wrap="square" lIns="91425" tIns="91425" rIns="91425" bIns="91425" anchor="ctr" anchorCtr="0">
+              <a:noAutofit/>
+            </a:bodyPr>
+            <a:lstStyle/>
+            <a:p>
+              <a:pPr marL="0" lvl="0" indent="0" algn="l" rtl="0">
+                <a:spcBef>
+                  <a:spcPts val="0"/>
+                </a:spcBef>
+                <a:spcAft>
+                  <a:spcPts val="0"/>
+                </a:spcAft>
+                <a:buNone/>
+              </a:pPr>
+              <a:endParaRPr/>
+            </a:p>
+          </p:txBody>
+        </p:sp>
+      </p:grpSp>
+      <p:grpSp>
+        <p:nvGrpSpPr>
+          <p:cNvPr id="1003" name="Google Shape;1003;p57">
+            <a:extLst>
+              <a:ext uri="{FF2B5EF4-FFF2-40B4-BE49-F238E27FC236}">
+                <a16:creationId xmlns:a16="http://schemas.microsoft.com/office/drawing/2014/main" id="{3E1F3C3D-51C8-CFE1-547D-71BFA88F1339}"/>
+              </a:ext>
+            </a:extLst>
+          </p:cNvPr>
+          <p:cNvGrpSpPr/>
+          <p:nvPr/>
+        </p:nvGrpSpPr>
+        <p:grpSpPr>
+          <a:xfrm rot="10800000">
+            <a:off x="7009620" y="4355829"/>
+            <a:ext cx="537556" cy="136576"/>
+            <a:chOff x="2641350" y="846250"/>
+            <a:chExt cx="413600" cy="105075"/>
+          </a:xfrm>
+        </p:grpSpPr>
+        <p:sp>
+          <p:nvSpPr>
+            <p:cNvPr id="1004" name="Google Shape;1004;p57">
+              <a:extLst>
+                <a:ext uri="{FF2B5EF4-FFF2-40B4-BE49-F238E27FC236}">
+                  <a16:creationId xmlns:a16="http://schemas.microsoft.com/office/drawing/2014/main" id="{D6E26C78-5BB5-0F46-83D3-77974F9AA53F}"/>
+                </a:ext>
+              </a:extLst>
+            </p:cNvPr>
+            <p:cNvSpPr/>
+            <p:nvPr/>
+          </p:nvSpPr>
+          <p:spPr>
+            <a:xfrm>
+              <a:off x="2991475" y="846250"/>
+              <a:ext cx="63475" cy="105075"/>
+            </a:xfrm>
+            <a:custGeom>
+              <a:avLst/>
+              <a:gdLst/>
+              <a:ahLst/>
+              <a:cxnLst/>
+              <a:rect l="l" t="t" r="r" b="b"/>
+              <a:pathLst>
+                <a:path w="2539" h="4203" extrusionOk="0">
+                  <a:moveTo>
+                    <a:pt x="2092" y="1"/>
+                  </a:moveTo>
+                  <a:lnTo>
+                    <a:pt x="1" y="2111"/>
+                  </a:lnTo>
+                  <a:lnTo>
+                    <a:pt x="2092" y="4202"/>
+                  </a:lnTo>
+                  <a:lnTo>
+                    <a:pt x="2538" y="3756"/>
+                  </a:lnTo>
+                  <a:lnTo>
+                    <a:pt x="874" y="2111"/>
+                  </a:lnTo>
+                  <a:lnTo>
+                    <a:pt x="2538" y="447"/>
+                  </a:lnTo>
+                  <a:lnTo>
+                    <a:pt x="2092" y="1"/>
+                  </a:lnTo>
+                  <a:close/>
+                </a:path>
+              </a:pathLst>
+            </a:custGeom>
+            <a:solidFill>
+              <a:schemeClr val="dk1"/>
+            </a:solidFill>
+            <a:ln>
+              <a:noFill/>
+            </a:ln>
+          </p:spPr>
+          <p:txBody>
+            <a:bodyPr spcFirstLastPara="1" wrap="square" lIns="91425" tIns="91425" rIns="91425" bIns="91425" anchor="ctr" anchorCtr="0">
+              <a:noAutofit/>
+            </a:bodyPr>
+            <a:lstStyle/>
+            <a:p>
+              <a:pPr marL="0" lvl="0" indent="0" algn="l" rtl="0">
+                <a:spcBef>
+                  <a:spcPts val="0"/>
+                </a:spcBef>
+                <a:spcAft>
+                  <a:spcPts val="0"/>
+                </a:spcAft>
+                <a:buNone/>
+              </a:pPr>
+              <a:endParaRPr/>
+            </a:p>
+          </p:txBody>
+        </p:sp>
+        <p:sp>
+          <p:nvSpPr>
+            <p:cNvPr id="1005" name="Google Shape;1005;p57">
+              <a:extLst>
+                <a:ext uri="{FF2B5EF4-FFF2-40B4-BE49-F238E27FC236}">
+                  <a16:creationId xmlns:a16="http://schemas.microsoft.com/office/drawing/2014/main" id="{8A8DF7A4-4DBD-ADDE-368E-11EE3DB395C8}"/>
+                </a:ext>
+              </a:extLst>
+            </p:cNvPr>
+            <p:cNvSpPr/>
+            <p:nvPr/>
+          </p:nvSpPr>
+          <p:spPr>
+            <a:xfrm>
+              <a:off x="2874775" y="846250"/>
+              <a:ext cx="63450" cy="105075"/>
+            </a:xfrm>
+            <a:custGeom>
+              <a:avLst/>
+              <a:gdLst/>
+              <a:ahLst/>
+              <a:cxnLst/>
+              <a:rect l="l" t="t" r="r" b="b"/>
+              <a:pathLst>
+                <a:path w="2538" h="4203" extrusionOk="0">
+                  <a:moveTo>
+                    <a:pt x="2091" y="1"/>
+                  </a:moveTo>
+                  <a:lnTo>
+                    <a:pt x="0" y="2111"/>
+                  </a:lnTo>
+                  <a:lnTo>
+                    <a:pt x="2091" y="4202"/>
+                  </a:lnTo>
+                  <a:lnTo>
+                    <a:pt x="2538" y="3756"/>
+                  </a:lnTo>
+                  <a:lnTo>
+                    <a:pt x="894" y="2111"/>
+                  </a:lnTo>
+                  <a:lnTo>
+                    <a:pt x="2538" y="447"/>
+                  </a:lnTo>
+                  <a:lnTo>
+                    <a:pt x="2091" y="1"/>
+                  </a:lnTo>
+                  <a:close/>
+                </a:path>
+              </a:pathLst>
+            </a:custGeom>
+            <a:solidFill>
+              <a:schemeClr val="dk1"/>
+            </a:solidFill>
+            <a:ln>
+              <a:noFill/>
+            </a:ln>
+          </p:spPr>
+          <p:txBody>
+            <a:bodyPr spcFirstLastPara="1" wrap="square" lIns="91425" tIns="91425" rIns="91425" bIns="91425" anchor="ctr" anchorCtr="0">
+              <a:noAutofit/>
+            </a:bodyPr>
+            <a:lstStyle/>
+            <a:p>
+              <a:pPr marL="0" lvl="0" indent="0" algn="l" rtl="0">
+                <a:spcBef>
+                  <a:spcPts val="0"/>
+                </a:spcBef>
+                <a:spcAft>
+                  <a:spcPts val="0"/>
+                </a:spcAft>
+                <a:buNone/>
+              </a:pPr>
+              <a:endParaRPr/>
+            </a:p>
+          </p:txBody>
+        </p:sp>
+        <p:sp>
+          <p:nvSpPr>
+            <p:cNvPr id="1006" name="Google Shape;1006;p57">
+              <a:extLst>
+                <a:ext uri="{FF2B5EF4-FFF2-40B4-BE49-F238E27FC236}">
+                  <a16:creationId xmlns:a16="http://schemas.microsoft.com/office/drawing/2014/main" id="{98BAF88D-52EA-877E-09C2-B4F3328EFF58}"/>
+                </a:ext>
+              </a:extLst>
+            </p:cNvPr>
+            <p:cNvSpPr/>
+            <p:nvPr/>
+          </p:nvSpPr>
+          <p:spPr>
+            <a:xfrm>
+              <a:off x="2758075" y="846250"/>
+              <a:ext cx="63450" cy="105075"/>
+            </a:xfrm>
+            <a:custGeom>
+              <a:avLst/>
+              <a:gdLst/>
+              <a:ahLst/>
+              <a:cxnLst/>
+              <a:rect l="l" t="t" r="r" b="b"/>
+              <a:pathLst>
+                <a:path w="2538" h="4203" extrusionOk="0">
+                  <a:moveTo>
+                    <a:pt x="2111" y="1"/>
+                  </a:moveTo>
+                  <a:lnTo>
+                    <a:pt x="0" y="2111"/>
+                  </a:lnTo>
+                  <a:lnTo>
+                    <a:pt x="2111" y="4202"/>
+                  </a:lnTo>
+                  <a:lnTo>
+                    <a:pt x="2537" y="3756"/>
+                  </a:lnTo>
+                  <a:lnTo>
+                    <a:pt x="893" y="2111"/>
+                  </a:lnTo>
+                  <a:lnTo>
+                    <a:pt x="2537" y="447"/>
+                  </a:lnTo>
+                  <a:lnTo>
+                    <a:pt x="2111" y="1"/>
+                  </a:lnTo>
+                  <a:close/>
+                </a:path>
+              </a:pathLst>
+            </a:custGeom>
+            <a:solidFill>
+              <a:schemeClr val="dk1"/>
+            </a:solidFill>
+            <a:ln>
+              <a:noFill/>
+            </a:ln>
+          </p:spPr>
+          <p:txBody>
+            <a:bodyPr spcFirstLastPara="1" wrap="square" lIns="91425" tIns="91425" rIns="91425" bIns="91425" anchor="ctr" anchorCtr="0">
+              <a:noAutofit/>
+            </a:bodyPr>
+            <a:lstStyle/>
+            <a:p>
+              <a:pPr marL="0" lvl="0" indent="0" algn="l" rtl="0">
+                <a:spcBef>
+                  <a:spcPts val="0"/>
+                </a:spcBef>
+                <a:spcAft>
+                  <a:spcPts val="0"/>
+                </a:spcAft>
+                <a:buNone/>
+              </a:pPr>
+              <a:endParaRPr/>
+            </a:p>
+          </p:txBody>
+        </p:sp>
+        <p:sp>
+          <p:nvSpPr>
+            <p:cNvPr id="1007" name="Google Shape;1007;p57">
+              <a:extLst>
+                <a:ext uri="{FF2B5EF4-FFF2-40B4-BE49-F238E27FC236}">
+                  <a16:creationId xmlns:a16="http://schemas.microsoft.com/office/drawing/2014/main" id="{566FC7A7-11EE-A135-24B7-F94079E1AC5C}"/>
+                </a:ext>
+              </a:extLst>
+            </p:cNvPr>
+            <p:cNvSpPr/>
+            <p:nvPr/>
+          </p:nvSpPr>
+          <p:spPr>
+            <a:xfrm>
+              <a:off x="2641350" y="846250"/>
+              <a:ext cx="63975" cy="105075"/>
+            </a:xfrm>
+            <a:custGeom>
+              <a:avLst/>
+              <a:gdLst/>
+              <a:ahLst/>
+              <a:cxnLst/>
+              <a:rect l="l" t="t" r="r" b="b"/>
+              <a:pathLst>
+                <a:path w="2559" h="4203" extrusionOk="0">
+                  <a:moveTo>
+                    <a:pt x="2112" y="1"/>
+                  </a:moveTo>
+                  <a:lnTo>
+                    <a:pt x="1" y="2111"/>
+                  </a:lnTo>
+                  <a:lnTo>
+                    <a:pt x="2112" y="4202"/>
+                  </a:lnTo>
+                  <a:lnTo>
+                    <a:pt x="2558" y="3756"/>
+                  </a:lnTo>
+                  <a:lnTo>
+                    <a:pt x="894" y="2111"/>
+                  </a:lnTo>
+                  <a:lnTo>
+                    <a:pt x="2558" y="447"/>
+                  </a:lnTo>
+                  <a:lnTo>
+                    <a:pt x="2112" y="1"/>
+                  </a:lnTo>
+                  <a:close/>
+                </a:path>
+              </a:pathLst>
+            </a:custGeom>
+            <a:solidFill>
+              <a:schemeClr val="dk1"/>
+            </a:solidFill>
+            <a:ln>
+              <a:noFill/>
+            </a:ln>
+          </p:spPr>
+          <p:txBody>
+            <a:bodyPr spcFirstLastPara="1" wrap="square" lIns="91425" tIns="91425" rIns="91425" bIns="91425" anchor="ctr" anchorCtr="0">
+              <a:noAutofit/>
+            </a:bodyPr>
+            <a:lstStyle/>
+            <a:p>
+              <a:pPr marL="0" lvl="0" indent="0" algn="l" rtl="0">
+                <a:spcBef>
+                  <a:spcPts val="0"/>
+                </a:spcBef>
+                <a:spcAft>
+                  <a:spcPts val="0"/>
+                </a:spcAft>
+                <a:buNone/>
+              </a:pPr>
+              <a:endParaRPr/>
+            </a:p>
+          </p:txBody>
+        </p:sp>
+      </p:grpSp>
+      <p:grpSp>
+        <p:nvGrpSpPr>
+          <p:cNvPr id="1008" name="Google Shape;1008;p57">
+            <a:extLst>
+              <a:ext uri="{FF2B5EF4-FFF2-40B4-BE49-F238E27FC236}">
+                <a16:creationId xmlns:a16="http://schemas.microsoft.com/office/drawing/2014/main" id="{89EE7365-2442-0F78-5BD0-80522A64CF58}"/>
+              </a:ext>
+            </a:extLst>
+          </p:cNvPr>
+          <p:cNvGrpSpPr/>
+          <p:nvPr/>
+        </p:nvGrpSpPr>
+        <p:grpSpPr>
+          <a:xfrm rot="10800000">
+            <a:off x="1600212" y="4340107"/>
+            <a:ext cx="537556" cy="136576"/>
+            <a:chOff x="2641350" y="846250"/>
+            <a:chExt cx="413600" cy="105075"/>
+          </a:xfrm>
+        </p:grpSpPr>
+        <p:sp>
+          <p:nvSpPr>
+            <p:cNvPr id="1009" name="Google Shape;1009;p57">
+              <a:extLst>
+                <a:ext uri="{FF2B5EF4-FFF2-40B4-BE49-F238E27FC236}">
+                  <a16:creationId xmlns:a16="http://schemas.microsoft.com/office/drawing/2014/main" id="{4E0E79D2-5DA8-07F8-8996-4614186008FC}"/>
+                </a:ext>
+              </a:extLst>
+            </p:cNvPr>
+            <p:cNvSpPr/>
+            <p:nvPr/>
+          </p:nvSpPr>
+          <p:spPr>
+            <a:xfrm>
+              <a:off x="2991475" y="846250"/>
+              <a:ext cx="63475" cy="105075"/>
+            </a:xfrm>
+            <a:custGeom>
+              <a:avLst/>
+              <a:gdLst/>
+              <a:ahLst/>
+              <a:cxnLst/>
+              <a:rect l="l" t="t" r="r" b="b"/>
+              <a:pathLst>
+                <a:path w="2539" h="4203" extrusionOk="0">
+                  <a:moveTo>
+                    <a:pt x="2092" y="1"/>
+                  </a:moveTo>
+                  <a:lnTo>
+                    <a:pt x="1" y="2111"/>
+                  </a:lnTo>
+                  <a:lnTo>
+                    <a:pt x="2092" y="4202"/>
+                  </a:lnTo>
+                  <a:lnTo>
+                    <a:pt x="2538" y="3756"/>
+                  </a:lnTo>
+                  <a:lnTo>
+                    <a:pt x="874" y="2111"/>
+                  </a:lnTo>
+                  <a:lnTo>
+                    <a:pt x="2538" y="447"/>
+                  </a:lnTo>
+                  <a:lnTo>
+                    <a:pt x="2092" y="1"/>
+                  </a:lnTo>
+                  <a:close/>
+                </a:path>
+              </a:pathLst>
+            </a:custGeom>
+            <a:solidFill>
+              <a:schemeClr val="dk1"/>
+            </a:solidFill>
+            <a:ln>
+              <a:noFill/>
+            </a:ln>
+          </p:spPr>
+          <p:txBody>
+            <a:bodyPr spcFirstLastPara="1" wrap="square" lIns="91425" tIns="91425" rIns="91425" bIns="91425" anchor="ctr" anchorCtr="0">
+              <a:noAutofit/>
+            </a:bodyPr>
+            <a:lstStyle/>
+            <a:p>
+              <a:pPr marL="0" lvl="0" indent="0" algn="l" rtl="0">
+                <a:spcBef>
+                  <a:spcPts val="0"/>
+                </a:spcBef>
+                <a:spcAft>
+                  <a:spcPts val="0"/>
+                </a:spcAft>
+                <a:buNone/>
+              </a:pPr>
+              <a:endParaRPr/>
+            </a:p>
+          </p:txBody>
+        </p:sp>
+        <p:sp>
+          <p:nvSpPr>
+            <p:cNvPr id="1010" name="Google Shape;1010;p57">
+              <a:extLst>
+                <a:ext uri="{FF2B5EF4-FFF2-40B4-BE49-F238E27FC236}">
+                  <a16:creationId xmlns:a16="http://schemas.microsoft.com/office/drawing/2014/main" id="{C6BE9588-7DD0-9F4F-9667-FDBF6C7690B4}"/>
+                </a:ext>
+              </a:extLst>
+            </p:cNvPr>
+            <p:cNvSpPr/>
+            <p:nvPr/>
+          </p:nvSpPr>
+          <p:spPr>
+            <a:xfrm>
+              <a:off x="2874775" y="846250"/>
+              <a:ext cx="63450" cy="105075"/>
+            </a:xfrm>
+            <a:custGeom>
+              <a:avLst/>
+              <a:gdLst/>
+              <a:ahLst/>
+              <a:cxnLst/>
+              <a:rect l="l" t="t" r="r" b="b"/>
+              <a:pathLst>
+                <a:path w="2538" h="4203" extrusionOk="0">
+                  <a:moveTo>
+                    <a:pt x="2091" y="1"/>
+                  </a:moveTo>
+                  <a:lnTo>
+                    <a:pt x="0" y="2111"/>
+                  </a:lnTo>
+                  <a:lnTo>
+                    <a:pt x="2091" y="4202"/>
+                  </a:lnTo>
+                  <a:lnTo>
+                    <a:pt x="2538" y="3756"/>
+                  </a:lnTo>
+                  <a:lnTo>
+                    <a:pt x="894" y="2111"/>
+                  </a:lnTo>
+                  <a:lnTo>
+                    <a:pt x="2538" y="447"/>
+                  </a:lnTo>
+                  <a:lnTo>
+                    <a:pt x="2091" y="1"/>
+                  </a:lnTo>
+                  <a:close/>
+                </a:path>
+              </a:pathLst>
+            </a:custGeom>
+            <a:solidFill>
+              <a:schemeClr val="dk1"/>
+            </a:solidFill>
+            <a:ln>
+              <a:noFill/>
+            </a:ln>
+          </p:spPr>
+          <p:txBody>
+            <a:bodyPr spcFirstLastPara="1" wrap="square" lIns="91425" tIns="91425" rIns="91425" bIns="91425" anchor="ctr" anchorCtr="0">
+              <a:noAutofit/>
+            </a:bodyPr>
+            <a:lstStyle/>
+            <a:p>
+              <a:pPr marL="0" lvl="0" indent="0" algn="l" rtl="0">
+                <a:spcBef>
+                  <a:spcPts val="0"/>
+                </a:spcBef>
+                <a:spcAft>
+                  <a:spcPts val="0"/>
+                </a:spcAft>
+                <a:buNone/>
+              </a:pPr>
+              <a:endParaRPr/>
+            </a:p>
+          </p:txBody>
+        </p:sp>
+        <p:sp>
+          <p:nvSpPr>
+            <p:cNvPr id="1011" name="Google Shape;1011;p57">
+              <a:extLst>
+                <a:ext uri="{FF2B5EF4-FFF2-40B4-BE49-F238E27FC236}">
+                  <a16:creationId xmlns:a16="http://schemas.microsoft.com/office/drawing/2014/main" id="{E33A42E0-6DFB-9F6C-391B-671E22B52899}"/>
+                </a:ext>
+              </a:extLst>
+            </p:cNvPr>
+            <p:cNvSpPr/>
+            <p:nvPr/>
+          </p:nvSpPr>
+          <p:spPr>
+            <a:xfrm>
+              <a:off x="2758075" y="846250"/>
+              <a:ext cx="63450" cy="105075"/>
+            </a:xfrm>
+            <a:custGeom>
+              <a:avLst/>
+              <a:gdLst/>
+              <a:ahLst/>
+              <a:cxnLst/>
+              <a:rect l="l" t="t" r="r" b="b"/>
+              <a:pathLst>
+                <a:path w="2538" h="4203" extrusionOk="0">
+                  <a:moveTo>
+                    <a:pt x="2111" y="1"/>
+                  </a:moveTo>
+                  <a:lnTo>
+                    <a:pt x="0" y="2111"/>
+                  </a:lnTo>
+                  <a:lnTo>
+                    <a:pt x="2111" y="4202"/>
+                  </a:lnTo>
+                  <a:lnTo>
+                    <a:pt x="2537" y="3756"/>
+                  </a:lnTo>
+                  <a:lnTo>
+                    <a:pt x="893" y="2111"/>
+                  </a:lnTo>
+                  <a:lnTo>
+                    <a:pt x="2537" y="447"/>
+                  </a:lnTo>
+                  <a:lnTo>
+                    <a:pt x="2111" y="1"/>
+                  </a:lnTo>
+                  <a:close/>
+                </a:path>
+              </a:pathLst>
+            </a:custGeom>
+            <a:solidFill>
+              <a:schemeClr val="dk1"/>
+            </a:solidFill>
+            <a:ln>
+              <a:noFill/>
+            </a:ln>
+          </p:spPr>
+          <p:txBody>
+            <a:bodyPr spcFirstLastPara="1" wrap="square" lIns="91425" tIns="91425" rIns="91425" bIns="91425" anchor="ctr" anchorCtr="0">
+              <a:noAutofit/>
+            </a:bodyPr>
+            <a:lstStyle/>
+            <a:p>
+              <a:pPr marL="0" lvl="0" indent="0" algn="l" rtl="0">
+                <a:spcBef>
+                  <a:spcPts val="0"/>
+                </a:spcBef>
+                <a:spcAft>
+                  <a:spcPts val="0"/>
+                </a:spcAft>
+                <a:buNone/>
+              </a:pPr>
+              <a:endParaRPr/>
+            </a:p>
+          </p:txBody>
+        </p:sp>
+        <p:sp>
+          <p:nvSpPr>
+            <p:cNvPr id="1012" name="Google Shape;1012;p57">
+              <a:extLst>
+                <a:ext uri="{FF2B5EF4-FFF2-40B4-BE49-F238E27FC236}">
+                  <a16:creationId xmlns:a16="http://schemas.microsoft.com/office/drawing/2014/main" id="{4E9A5753-B56D-3BAA-6036-989E4A6EE10F}"/>
+                </a:ext>
+              </a:extLst>
+            </p:cNvPr>
+            <p:cNvSpPr/>
+            <p:nvPr/>
+          </p:nvSpPr>
+          <p:spPr>
+            <a:xfrm>
+              <a:off x="2641350" y="846250"/>
+              <a:ext cx="63975" cy="105075"/>
+            </a:xfrm>
+            <a:custGeom>
+              <a:avLst/>
+              <a:gdLst/>
+              <a:ahLst/>
+              <a:cxnLst/>
+              <a:rect l="l" t="t" r="r" b="b"/>
+              <a:pathLst>
+                <a:path w="2559" h="4203" extrusionOk="0">
+                  <a:moveTo>
+                    <a:pt x="2112" y="1"/>
+                  </a:moveTo>
+                  <a:lnTo>
+                    <a:pt x="1" y="2111"/>
+                  </a:lnTo>
+                  <a:lnTo>
+                    <a:pt x="2112" y="4202"/>
+                  </a:lnTo>
+                  <a:lnTo>
+                    <a:pt x="2558" y="3756"/>
+                  </a:lnTo>
+                  <a:lnTo>
+                    <a:pt x="894" y="2111"/>
+                  </a:lnTo>
+                  <a:lnTo>
+                    <a:pt x="2558" y="447"/>
+                  </a:lnTo>
+                  <a:lnTo>
+                    <a:pt x="2112" y="1"/>
+                  </a:lnTo>
+                  <a:close/>
+                </a:path>
+              </a:pathLst>
+            </a:custGeom>
+            <a:solidFill>
+              <a:schemeClr val="dk1"/>
+            </a:solidFill>
+            <a:ln>
+              <a:noFill/>
+            </a:ln>
+          </p:spPr>
+          <p:txBody>
+            <a:bodyPr spcFirstLastPara="1" wrap="square" lIns="91425" tIns="91425" rIns="91425" bIns="91425" anchor="ctr" anchorCtr="0">
+              <a:noAutofit/>
+            </a:bodyPr>
+            <a:lstStyle/>
+            <a:p>
+              <a:pPr marL="0" lvl="0" indent="0" algn="l" rtl="0">
+                <a:spcBef>
+                  <a:spcPts val="0"/>
+                </a:spcBef>
+                <a:spcAft>
+                  <a:spcPts val="0"/>
+                </a:spcAft>
+                <a:buNone/>
+              </a:pPr>
+              <a:endParaRPr/>
+            </a:p>
+          </p:txBody>
+        </p:sp>
+      </p:grpSp>
+      <p:cxnSp>
+        <p:nvCxnSpPr>
+          <p:cNvPr id="1013" name="Google Shape;1013;p57">
+            <a:extLst>
+              <a:ext uri="{FF2B5EF4-FFF2-40B4-BE49-F238E27FC236}">
+                <a16:creationId xmlns:a16="http://schemas.microsoft.com/office/drawing/2014/main" id="{6EA6D5F1-CF77-6AFE-1219-A548CE5FE3D1}"/>
+              </a:ext>
+            </a:extLst>
+          </p:cNvPr>
+          <p:cNvCxnSpPr/>
+          <p:nvPr/>
+        </p:nvCxnSpPr>
+        <p:spPr>
+          <a:xfrm>
+            <a:off x="722674" y="2685167"/>
+            <a:ext cx="7715700" cy="22200"/>
+          </a:xfrm>
+          <a:prstGeom prst="straightConnector1">
+            <a:avLst/>
+          </a:prstGeom>
+          <a:noFill/>
+          <a:ln w="19050" cap="flat" cmpd="sng">
+            <a:solidFill>
+              <a:schemeClr val="dk1"/>
+            </a:solidFill>
+            <a:prstDash val="solid"/>
+            <a:round/>
+            <a:headEnd type="none" w="med" len="med"/>
+            <a:tailEnd type="none" w="med" len="med"/>
+          </a:ln>
+        </p:spPr>
+      </p:cxnSp>
+      <p:grpSp>
+        <p:nvGrpSpPr>
+          <p:cNvPr id="1014" name="Google Shape;1014;p57">
+            <a:extLst>
+              <a:ext uri="{FF2B5EF4-FFF2-40B4-BE49-F238E27FC236}">
+                <a16:creationId xmlns:a16="http://schemas.microsoft.com/office/drawing/2014/main" id="{F4EDE40D-E4F8-F23B-77C3-37806F11B013}"/>
+              </a:ext>
+            </a:extLst>
+          </p:cNvPr>
+          <p:cNvGrpSpPr/>
+          <p:nvPr/>
+        </p:nvGrpSpPr>
+        <p:grpSpPr>
+          <a:xfrm>
+            <a:off x="6984162" y="1490982"/>
+            <a:ext cx="548625" cy="548637"/>
+            <a:chOff x="5648375" y="1427025"/>
+            <a:chExt cx="483200" cy="483125"/>
+          </a:xfrm>
+        </p:grpSpPr>
+        <p:sp>
+          <p:nvSpPr>
+            <p:cNvPr id="1015" name="Google Shape;1015;p57">
+              <a:extLst>
+                <a:ext uri="{FF2B5EF4-FFF2-40B4-BE49-F238E27FC236}">
+                  <a16:creationId xmlns:a16="http://schemas.microsoft.com/office/drawing/2014/main" id="{2F1FFF55-962B-EBE8-23E2-35744F9770C6}"/>
+                </a:ext>
+              </a:extLst>
+            </p:cNvPr>
+            <p:cNvSpPr/>
+            <p:nvPr/>
+          </p:nvSpPr>
+          <p:spPr>
+            <a:xfrm>
+              <a:off x="5801075" y="1484625"/>
+              <a:ext cx="177725" cy="162475"/>
+            </a:xfrm>
+            <a:custGeom>
+              <a:avLst/>
+              <a:gdLst/>
+              <a:ahLst/>
+              <a:cxnLst/>
+              <a:rect l="l" t="t" r="r" b="b"/>
+              <a:pathLst>
+                <a:path w="7109" h="6499" extrusionOk="0">
+                  <a:moveTo>
+                    <a:pt x="3554" y="1845"/>
+                  </a:moveTo>
+                  <a:lnTo>
+                    <a:pt x="3920" y="2582"/>
+                  </a:lnTo>
+                  <a:cubicBezTo>
+                    <a:pt x="4001" y="2751"/>
+                    <a:pt x="4161" y="2866"/>
+                    <a:pt x="4345" y="2893"/>
+                  </a:cubicBezTo>
+                  <a:lnTo>
+                    <a:pt x="5158" y="3011"/>
+                  </a:lnTo>
+                  <a:lnTo>
+                    <a:pt x="4569" y="3584"/>
+                  </a:lnTo>
+                  <a:cubicBezTo>
+                    <a:pt x="4436" y="3714"/>
+                    <a:pt x="4376" y="3901"/>
+                    <a:pt x="4406" y="4086"/>
+                  </a:cubicBezTo>
+                  <a:lnTo>
+                    <a:pt x="4545" y="4898"/>
+                  </a:lnTo>
+                  <a:lnTo>
+                    <a:pt x="3820" y="4514"/>
+                  </a:lnTo>
+                  <a:cubicBezTo>
+                    <a:pt x="3737" y="4469"/>
+                    <a:pt x="3646" y="4446"/>
+                    <a:pt x="3555" y="4446"/>
+                  </a:cubicBezTo>
+                  <a:cubicBezTo>
+                    <a:pt x="3464" y="4446"/>
+                    <a:pt x="3373" y="4469"/>
+                    <a:pt x="3292" y="4514"/>
+                  </a:cubicBezTo>
+                  <a:lnTo>
+                    <a:pt x="2561" y="4895"/>
+                  </a:lnTo>
+                  <a:lnTo>
+                    <a:pt x="2703" y="4086"/>
+                  </a:lnTo>
+                  <a:cubicBezTo>
+                    <a:pt x="2733" y="3901"/>
+                    <a:pt x="2673" y="3714"/>
+                    <a:pt x="2540" y="3584"/>
+                  </a:cubicBezTo>
+                  <a:lnTo>
+                    <a:pt x="1951" y="3011"/>
+                  </a:lnTo>
+                  <a:lnTo>
+                    <a:pt x="2763" y="2893"/>
+                  </a:lnTo>
+                  <a:cubicBezTo>
+                    <a:pt x="2947" y="2866"/>
+                    <a:pt x="3107" y="2751"/>
+                    <a:pt x="3192" y="2582"/>
+                  </a:cubicBezTo>
+                  <a:lnTo>
+                    <a:pt x="3554" y="1845"/>
+                  </a:lnTo>
+                  <a:close/>
+                  <a:moveTo>
+                    <a:pt x="3554" y="0"/>
+                  </a:moveTo>
+                  <a:cubicBezTo>
+                    <a:pt x="3353" y="0"/>
+                    <a:pt x="3151" y="106"/>
+                    <a:pt x="3047" y="317"/>
+                  </a:cubicBezTo>
+                  <a:lnTo>
+                    <a:pt x="2307" y="1815"/>
+                  </a:lnTo>
+                  <a:lnTo>
+                    <a:pt x="653" y="2056"/>
+                  </a:lnTo>
+                  <a:cubicBezTo>
+                    <a:pt x="188" y="2123"/>
+                    <a:pt x="0" y="2694"/>
+                    <a:pt x="339" y="3023"/>
+                  </a:cubicBezTo>
+                  <a:lnTo>
+                    <a:pt x="1537" y="4188"/>
+                  </a:lnTo>
+                  <a:lnTo>
+                    <a:pt x="1253" y="5837"/>
+                  </a:lnTo>
+                  <a:cubicBezTo>
+                    <a:pt x="1191" y="6202"/>
+                    <a:pt x="1480" y="6499"/>
+                    <a:pt x="1809" y="6499"/>
+                  </a:cubicBezTo>
+                  <a:cubicBezTo>
+                    <a:pt x="1897" y="6499"/>
+                    <a:pt x="1987" y="6478"/>
+                    <a:pt x="2075" y="6432"/>
+                  </a:cubicBezTo>
+                  <a:lnTo>
+                    <a:pt x="3554" y="5656"/>
+                  </a:lnTo>
+                  <a:lnTo>
+                    <a:pt x="5034" y="6432"/>
+                  </a:lnTo>
+                  <a:cubicBezTo>
+                    <a:pt x="5121" y="6478"/>
+                    <a:pt x="5212" y="6499"/>
+                    <a:pt x="5299" y="6499"/>
+                  </a:cubicBezTo>
+                  <a:cubicBezTo>
+                    <a:pt x="5629" y="6499"/>
+                    <a:pt x="5917" y="6202"/>
+                    <a:pt x="5855" y="5837"/>
+                  </a:cubicBezTo>
+                  <a:lnTo>
+                    <a:pt x="5574" y="4188"/>
+                  </a:lnTo>
+                  <a:lnTo>
+                    <a:pt x="6770" y="3023"/>
+                  </a:lnTo>
+                  <a:cubicBezTo>
+                    <a:pt x="7108" y="2694"/>
+                    <a:pt x="6921" y="2123"/>
+                    <a:pt x="6456" y="2056"/>
+                  </a:cubicBezTo>
+                  <a:lnTo>
+                    <a:pt x="4801" y="1815"/>
+                  </a:lnTo>
+                  <a:lnTo>
+                    <a:pt x="4062" y="317"/>
+                  </a:lnTo>
+                  <a:cubicBezTo>
+                    <a:pt x="3957" y="106"/>
+                    <a:pt x="3756" y="0"/>
+                    <a:pt x="3554" y="0"/>
+                  </a:cubicBezTo>
+                  <a:close/>
+                </a:path>
+              </a:pathLst>
+            </a:custGeom>
+            <a:solidFill>
+              <a:schemeClr val="accent1"/>
+            </a:solidFill>
+            <a:ln>
+              <a:noFill/>
+            </a:ln>
+          </p:spPr>
+          <p:txBody>
+            <a:bodyPr spcFirstLastPara="1" wrap="square" lIns="91425" tIns="91425" rIns="91425" bIns="91425" anchor="ctr" anchorCtr="0">
+              <a:noAutofit/>
+            </a:bodyPr>
+            <a:lstStyle/>
+            <a:p>
+              <a:pPr marL="0" lvl="0" indent="0" algn="l" rtl="0">
+                <a:spcBef>
+                  <a:spcPts val="0"/>
+                </a:spcBef>
+                <a:spcAft>
+                  <a:spcPts val="0"/>
+                </a:spcAft>
+                <a:buNone/>
+              </a:pPr>
+              <a:endParaRPr>
+                <a:solidFill>
+                  <a:srgbClr val="435D74"/>
+                </a:solidFill>
+              </a:endParaRPr>
+            </a:p>
+          </p:txBody>
+        </p:sp>
+        <p:sp>
+          <p:nvSpPr>
+            <p:cNvPr id="1016" name="Google Shape;1016;p57">
+              <a:extLst>
+                <a:ext uri="{FF2B5EF4-FFF2-40B4-BE49-F238E27FC236}">
+                  <a16:creationId xmlns:a16="http://schemas.microsoft.com/office/drawing/2014/main" id="{79F4DD94-EAB3-02FE-DDD2-72420C7252BA}"/>
+                </a:ext>
+              </a:extLst>
+            </p:cNvPr>
+            <p:cNvSpPr/>
+            <p:nvPr/>
+          </p:nvSpPr>
+          <p:spPr>
+            <a:xfrm>
+              <a:off x="5648375" y="1427025"/>
+              <a:ext cx="483200" cy="483125"/>
+            </a:xfrm>
+            <a:custGeom>
+              <a:avLst/>
+              <a:gdLst/>
+              <a:ahLst/>
+              <a:cxnLst/>
+              <a:rect l="l" t="t" r="r" b="b"/>
+              <a:pathLst>
+                <a:path w="19328" h="19325" extrusionOk="0">
+                  <a:moveTo>
+                    <a:pt x="2265" y="2304"/>
+                  </a:moveTo>
+                  <a:cubicBezTo>
+                    <a:pt x="2890" y="2304"/>
+                    <a:pt x="3397" y="2808"/>
+                    <a:pt x="3397" y="3437"/>
+                  </a:cubicBezTo>
+                  <a:lnTo>
+                    <a:pt x="3397" y="7398"/>
+                  </a:lnTo>
+                  <a:lnTo>
+                    <a:pt x="3397" y="7474"/>
+                  </a:lnTo>
+                  <a:lnTo>
+                    <a:pt x="1637" y="6299"/>
+                  </a:lnTo>
+                  <a:cubicBezTo>
+                    <a:pt x="1320" y="6088"/>
+                    <a:pt x="1129" y="5734"/>
+                    <a:pt x="1132" y="5357"/>
+                  </a:cubicBezTo>
+                  <a:lnTo>
+                    <a:pt x="1132" y="3437"/>
+                  </a:lnTo>
+                  <a:cubicBezTo>
+                    <a:pt x="1132" y="2808"/>
+                    <a:pt x="1640" y="2304"/>
+                    <a:pt x="2265" y="2304"/>
+                  </a:cubicBezTo>
+                  <a:close/>
+                  <a:moveTo>
+                    <a:pt x="17060" y="2304"/>
+                  </a:moveTo>
+                  <a:cubicBezTo>
+                    <a:pt x="17685" y="2304"/>
+                    <a:pt x="18192" y="2808"/>
+                    <a:pt x="18192" y="3437"/>
+                  </a:cubicBezTo>
+                  <a:lnTo>
+                    <a:pt x="18192" y="5357"/>
+                  </a:lnTo>
+                  <a:cubicBezTo>
+                    <a:pt x="18192" y="5737"/>
+                    <a:pt x="18005" y="6091"/>
+                    <a:pt x="17688" y="6302"/>
+                  </a:cubicBezTo>
+                  <a:lnTo>
+                    <a:pt x="15928" y="7474"/>
+                  </a:lnTo>
+                  <a:lnTo>
+                    <a:pt x="15928" y="7398"/>
+                  </a:lnTo>
+                  <a:lnTo>
+                    <a:pt x="15928" y="3437"/>
+                  </a:lnTo>
+                  <a:cubicBezTo>
+                    <a:pt x="15928" y="2808"/>
+                    <a:pt x="16435" y="2304"/>
+                    <a:pt x="17060" y="2304"/>
+                  </a:cubicBezTo>
+                  <a:close/>
+                  <a:moveTo>
+                    <a:pt x="14795" y="1133"/>
+                  </a:moveTo>
+                  <a:lnTo>
+                    <a:pt x="14795" y="7398"/>
+                  </a:lnTo>
+                  <a:cubicBezTo>
+                    <a:pt x="14795" y="8763"/>
+                    <a:pt x="14095" y="9641"/>
+                    <a:pt x="12120" y="10759"/>
+                  </a:cubicBezTo>
+                  <a:cubicBezTo>
+                    <a:pt x="11069" y="11354"/>
+                    <a:pt x="10372" y="12422"/>
+                    <a:pt x="10248" y="13627"/>
+                  </a:cubicBezTo>
+                  <a:lnTo>
+                    <a:pt x="9058" y="13627"/>
+                  </a:lnTo>
+                  <a:cubicBezTo>
+                    <a:pt x="8877" y="12368"/>
+                    <a:pt x="8041" y="11269"/>
+                    <a:pt x="6791" y="10686"/>
+                  </a:cubicBezTo>
+                  <a:cubicBezTo>
+                    <a:pt x="5332" y="10007"/>
+                    <a:pt x="4529" y="8835"/>
+                    <a:pt x="4529" y="7398"/>
+                  </a:cubicBezTo>
+                  <a:lnTo>
+                    <a:pt x="4529" y="1133"/>
+                  </a:lnTo>
+                  <a:close/>
+                  <a:moveTo>
+                    <a:pt x="11927" y="14759"/>
+                  </a:moveTo>
+                  <a:cubicBezTo>
+                    <a:pt x="12241" y="14759"/>
+                    <a:pt x="12495" y="15010"/>
+                    <a:pt x="12495" y="15324"/>
+                  </a:cubicBezTo>
+                  <a:lnTo>
+                    <a:pt x="12495" y="15892"/>
+                  </a:lnTo>
+                  <a:lnTo>
+                    <a:pt x="10795" y="15892"/>
+                  </a:lnTo>
+                  <a:cubicBezTo>
+                    <a:pt x="10481" y="15892"/>
+                    <a:pt x="10230" y="16142"/>
+                    <a:pt x="10230" y="16456"/>
+                  </a:cubicBezTo>
+                  <a:cubicBezTo>
+                    <a:pt x="10230" y="16770"/>
+                    <a:pt x="10481" y="17024"/>
+                    <a:pt x="10795" y="17024"/>
+                  </a:cubicBezTo>
+                  <a:lnTo>
+                    <a:pt x="13059" y="17024"/>
+                  </a:lnTo>
+                  <a:cubicBezTo>
+                    <a:pt x="13373" y="17024"/>
+                    <a:pt x="13627" y="17275"/>
+                    <a:pt x="13627" y="17589"/>
+                  </a:cubicBezTo>
+                  <a:lnTo>
+                    <a:pt x="13627" y="18193"/>
+                  </a:lnTo>
+                  <a:lnTo>
+                    <a:pt x="5701" y="18193"/>
+                  </a:lnTo>
+                  <a:lnTo>
+                    <a:pt x="5701" y="17589"/>
+                  </a:lnTo>
+                  <a:cubicBezTo>
+                    <a:pt x="5701" y="17275"/>
+                    <a:pt x="5951" y="17024"/>
+                    <a:pt x="6265" y="17024"/>
+                  </a:cubicBezTo>
+                  <a:lnTo>
+                    <a:pt x="8530" y="17024"/>
+                  </a:lnTo>
+                  <a:cubicBezTo>
+                    <a:pt x="8844" y="17024"/>
+                    <a:pt x="9095" y="16770"/>
+                    <a:pt x="9095" y="16456"/>
+                  </a:cubicBezTo>
+                  <a:cubicBezTo>
+                    <a:pt x="9095" y="16142"/>
+                    <a:pt x="8844" y="15892"/>
+                    <a:pt x="8530" y="15892"/>
+                  </a:cubicBezTo>
+                  <a:lnTo>
+                    <a:pt x="6833" y="15892"/>
+                  </a:lnTo>
+                  <a:lnTo>
+                    <a:pt x="6833" y="15324"/>
+                  </a:lnTo>
+                  <a:cubicBezTo>
+                    <a:pt x="6833" y="15010"/>
+                    <a:pt x="7084" y="14759"/>
+                    <a:pt x="7398" y="14759"/>
+                  </a:cubicBezTo>
+                  <a:close/>
+                  <a:moveTo>
+                    <a:pt x="3965" y="0"/>
+                  </a:moveTo>
+                  <a:cubicBezTo>
+                    <a:pt x="3651" y="0"/>
+                    <a:pt x="3397" y="254"/>
+                    <a:pt x="3397" y="568"/>
+                  </a:cubicBezTo>
+                  <a:lnTo>
+                    <a:pt x="3397" y="1474"/>
+                  </a:lnTo>
+                  <a:cubicBezTo>
+                    <a:pt x="3032" y="1264"/>
+                    <a:pt x="2645" y="1168"/>
+                    <a:pt x="2269" y="1168"/>
+                  </a:cubicBezTo>
+                  <a:cubicBezTo>
+                    <a:pt x="1086" y="1168"/>
+                    <a:pt x="0" y="2113"/>
+                    <a:pt x="0" y="3437"/>
+                  </a:cubicBezTo>
+                  <a:lnTo>
+                    <a:pt x="0" y="5357"/>
+                  </a:lnTo>
+                  <a:cubicBezTo>
+                    <a:pt x="0" y="6115"/>
+                    <a:pt x="378" y="6821"/>
+                    <a:pt x="1009" y="7241"/>
+                  </a:cubicBezTo>
+                  <a:lnTo>
+                    <a:pt x="3651" y="9001"/>
+                  </a:lnTo>
+                  <a:cubicBezTo>
+                    <a:pt x="3663" y="9010"/>
+                    <a:pt x="3678" y="9019"/>
+                    <a:pt x="3690" y="9026"/>
+                  </a:cubicBezTo>
+                  <a:cubicBezTo>
+                    <a:pt x="4125" y="10170"/>
+                    <a:pt x="5027" y="11112"/>
+                    <a:pt x="6314" y="11710"/>
+                  </a:cubicBezTo>
+                  <a:cubicBezTo>
+                    <a:pt x="7156" y="12105"/>
+                    <a:pt x="7736" y="12812"/>
+                    <a:pt x="7911" y="13627"/>
+                  </a:cubicBezTo>
+                  <a:lnTo>
+                    <a:pt x="7398" y="13627"/>
+                  </a:lnTo>
+                  <a:cubicBezTo>
+                    <a:pt x="6459" y="13627"/>
+                    <a:pt x="5701" y="14385"/>
+                    <a:pt x="5701" y="15324"/>
+                  </a:cubicBezTo>
+                  <a:lnTo>
+                    <a:pt x="5701" y="15988"/>
+                  </a:lnTo>
+                  <a:cubicBezTo>
+                    <a:pt x="5021" y="16227"/>
+                    <a:pt x="4569" y="16870"/>
+                    <a:pt x="4569" y="17589"/>
+                  </a:cubicBezTo>
+                  <a:lnTo>
+                    <a:pt x="4569" y="18760"/>
+                  </a:lnTo>
+                  <a:cubicBezTo>
+                    <a:pt x="4569" y="19071"/>
+                    <a:pt x="4819" y="19325"/>
+                    <a:pt x="5133" y="19325"/>
+                  </a:cubicBezTo>
+                  <a:lnTo>
+                    <a:pt x="14191" y="19325"/>
+                  </a:lnTo>
+                  <a:cubicBezTo>
+                    <a:pt x="14506" y="19325"/>
+                    <a:pt x="14759" y="19071"/>
+                    <a:pt x="14759" y="18760"/>
+                  </a:cubicBezTo>
+                  <a:lnTo>
+                    <a:pt x="14759" y="17589"/>
+                  </a:lnTo>
+                  <a:cubicBezTo>
+                    <a:pt x="14756" y="16870"/>
+                    <a:pt x="14303" y="16227"/>
+                    <a:pt x="13627" y="15988"/>
+                  </a:cubicBezTo>
+                  <a:lnTo>
+                    <a:pt x="13627" y="15324"/>
+                  </a:lnTo>
+                  <a:cubicBezTo>
+                    <a:pt x="13624" y="14385"/>
+                    <a:pt x="12866" y="13627"/>
+                    <a:pt x="11927" y="13627"/>
+                  </a:cubicBezTo>
+                  <a:lnTo>
+                    <a:pt x="11389" y="13627"/>
+                  </a:lnTo>
+                  <a:cubicBezTo>
+                    <a:pt x="11507" y="12833"/>
+                    <a:pt x="11981" y="12139"/>
+                    <a:pt x="12679" y="11743"/>
+                  </a:cubicBezTo>
+                  <a:cubicBezTo>
+                    <a:pt x="14044" y="10973"/>
+                    <a:pt x="15088" y="10170"/>
+                    <a:pt x="15593" y="9047"/>
+                  </a:cubicBezTo>
+                  <a:cubicBezTo>
+                    <a:pt x="15623" y="9035"/>
+                    <a:pt x="15650" y="9019"/>
+                    <a:pt x="15677" y="9001"/>
+                  </a:cubicBezTo>
+                  <a:lnTo>
+                    <a:pt x="18319" y="7241"/>
+                  </a:lnTo>
+                  <a:cubicBezTo>
+                    <a:pt x="18947" y="6821"/>
+                    <a:pt x="19328" y="6115"/>
+                    <a:pt x="19328" y="5357"/>
+                  </a:cubicBezTo>
+                  <a:lnTo>
+                    <a:pt x="19328" y="3437"/>
+                  </a:lnTo>
+                  <a:cubicBezTo>
+                    <a:pt x="19325" y="2113"/>
+                    <a:pt x="18239" y="1168"/>
+                    <a:pt x="17057" y="1168"/>
+                  </a:cubicBezTo>
+                  <a:cubicBezTo>
+                    <a:pt x="16681" y="1168"/>
+                    <a:pt x="16295" y="1264"/>
+                    <a:pt x="15931" y="1474"/>
+                  </a:cubicBezTo>
+                  <a:lnTo>
+                    <a:pt x="15931" y="568"/>
+                  </a:lnTo>
+                  <a:cubicBezTo>
+                    <a:pt x="15931" y="254"/>
+                    <a:pt x="15677" y="0"/>
+                    <a:pt x="15363" y="0"/>
+                  </a:cubicBezTo>
+                  <a:close/>
+                </a:path>
+              </a:pathLst>
+            </a:custGeom>
+            <a:solidFill>
+              <a:schemeClr val="accent1"/>
+            </a:solidFill>
+            <a:ln>
+              <a:noFill/>
+            </a:ln>
+          </p:spPr>
+          <p:txBody>
+            <a:bodyPr spcFirstLastPara="1" wrap="square" lIns="91425" tIns="91425" rIns="91425" bIns="91425" anchor="ctr" anchorCtr="0">
+              <a:noAutofit/>
+            </a:bodyPr>
+            <a:lstStyle/>
+            <a:p>
+              <a:pPr marL="0" lvl="0" indent="0" algn="l" rtl="0">
+                <a:spcBef>
+                  <a:spcPts val="0"/>
+                </a:spcBef>
+                <a:spcAft>
+                  <a:spcPts val="0"/>
+                </a:spcAft>
+                <a:buNone/>
+              </a:pPr>
+              <a:endParaRPr>
+                <a:solidFill>
+                  <a:srgbClr val="435D74"/>
+                </a:solidFill>
+              </a:endParaRPr>
+            </a:p>
+          </p:txBody>
+        </p:sp>
+      </p:grpSp>
+      <p:sp>
+        <p:nvSpPr>
+          <p:cNvPr id="1017" name="Google Shape;1017;p57">
+            <a:extLst>
+              <a:ext uri="{FF2B5EF4-FFF2-40B4-BE49-F238E27FC236}">
+                <a16:creationId xmlns:a16="http://schemas.microsoft.com/office/drawing/2014/main" id="{CF8D53E8-A8F0-4946-A469-F6DD26BEE9D2}"/>
+              </a:ext>
+            </a:extLst>
+          </p:cNvPr>
+          <p:cNvSpPr/>
+          <p:nvPr/>
+        </p:nvSpPr>
+        <p:spPr>
+          <a:xfrm>
+            <a:off x="1643982" y="1490992"/>
+            <a:ext cx="493786" cy="548617"/>
+          </a:xfrm>
+          <a:custGeom>
+            <a:avLst/>
+            <a:gdLst/>
+            <a:ahLst/>
+            <a:cxnLst/>
+            <a:rect l="l" t="t" r="r" b="b"/>
+            <a:pathLst>
+              <a:path w="17058" h="19326" extrusionOk="0">
+                <a:moveTo>
+                  <a:pt x="15013" y="2021"/>
+                </a:moveTo>
+                <a:lnTo>
+                  <a:pt x="11577" y="5741"/>
+                </a:lnTo>
+                <a:cubicBezTo>
+                  <a:pt x="11378" y="5958"/>
+                  <a:pt x="11378" y="6290"/>
+                  <a:pt x="11577" y="6507"/>
+                </a:cubicBezTo>
+                <a:lnTo>
+                  <a:pt x="15013" y="10230"/>
+                </a:lnTo>
+                <a:lnTo>
+                  <a:pt x="3195" y="10230"/>
+                </a:lnTo>
+                <a:lnTo>
+                  <a:pt x="3195" y="2021"/>
+                </a:lnTo>
+                <a:close/>
+                <a:moveTo>
+                  <a:pt x="1716" y="1133"/>
+                </a:moveTo>
+                <a:cubicBezTo>
+                  <a:pt x="1906" y="1136"/>
+                  <a:pt x="2060" y="1290"/>
+                  <a:pt x="2063" y="1480"/>
+                </a:cubicBezTo>
+                <a:lnTo>
+                  <a:pt x="2063" y="17846"/>
+                </a:lnTo>
+                <a:cubicBezTo>
+                  <a:pt x="2060" y="18036"/>
+                  <a:pt x="1906" y="18190"/>
+                  <a:pt x="1716" y="18193"/>
+                </a:cubicBezTo>
+                <a:lnTo>
+                  <a:pt x="1483" y="18193"/>
+                </a:lnTo>
+                <a:cubicBezTo>
+                  <a:pt x="1290" y="18190"/>
+                  <a:pt x="1136" y="18036"/>
+                  <a:pt x="1133" y="17846"/>
+                </a:cubicBezTo>
+                <a:lnTo>
+                  <a:pt x="1133" y="1480"/>
+                </a:lnTo>
+                <a:cubicBezTo>
+                  <a:pt x="1136" y="1290"/>
+                  <a:pt x="1290" y="1136"/>
+                  <a:pt x="1483" y="1133"/>
+                </a:cubicBezTo>
+                <a:close/>
+                <a:moveTo>
+                  <a:pt x="1483" y="1"/>
+                </a:moveTo>
+                <a:cubicBezTo>
+                  <a:pt x="665" y="1"/>
+                  <a:pt x="4" y="665"/>
+                  <a:pt x="1" y="1480"/>
+                </a:cubicBezTo>
+                <a:lnTo>
+                  <a:pt x="1" y="17846"/>
+                </a:lnTo>
+                <a:cubicBezTo>
+                  <a:pt x="4" y="18661"/>
+                  <a:pt x="665" y="19325"/>
+                  <a:pt x="1483" y="19325"/>
+                </a:cubicBezTo>
+                <a:lnTo>
+                  <a:pt x="1716" y="19325"/>
+                </a:lnTo>
+                <a:cubicBezTo>
+                  <a:pt x="2531" y="19325"/>
+                  <a:pt x="3195" y="18661"/>
+                  <a:pt x="3195" y="17846"/>
+                </a:cubicBezTo>
+                <a:lnTo>
+                  <a:pt x="3195" y="11363"/>
+                </a:lnTo>
+                <a:lnTo>
+                  <a:pt x="16306" y="11363"/>
+                </a:lnTo>
+                <a:cubicBezTo>
+                  <a:pt x="16801" y="11360"/>
+                  <a:pt x="17058" y="10774"/>
+                  <a:pt x="16722" y="10412"/>
+                </a:cubicBezTo>
+                <a:lnTo>
+                  <a:pt x="12764" y="6124"/>
+                </a:lnTo>
+                <a:lnTo>
+                  <a:pt x="16722" y="1836"/>
+                </a:lnTo>
+                <a:cubicBezTo>
+                  <a:pt x="16873" y="1673"/>
+                  <a:pt x="16916" y="1432"/>
+                  <a:pt x="16825" y="1226"/>
+                </a:cubicBezTo>
+                <a:cubicBezTo>
+                  <a:pt x="16734" y="1021"/>
+                  <a:pt x="16532" y="885"/>
+                  <a:pt x="16306" y="885"/>
+                </a:cubicBezTo>
+                <a:lnTo>
+                  <a:pt x="3071" y="885"/>
+                </a:lnTo>
+                <a:cubicBezTo>
+                  <a:pt x="2833" y="348"/>
+                  <a:pt x="2302" y="1"/>
+                  <a:pt x="1716" y="1"/>
+                </a:cubicBezTo>
+                <a:close/>
+              </a:path>
+            </a:pathLst>
+          </a:custGeom>
+          <a:solidFill>
+            <a:schemeClr val="accent1"/>
+          </a:solidFill>
+          <a:ln>
+            <a:noFill/>
+          </a:ln>
+        </p:spPr>
+        <p:txBody>
+          <a:bodyPr spcFirstLastPara="1" wrap="square" lIns="91425" tIns="91425" rIns="91425" bIns="91425" anchor="ctr" anchorCtr="0">
+            <a:noAutofit/>
+          </a:bodyPr>
+          <a:lstStyle/>
+          <a:p>
+            <a:pPr marL="0" lvl="0" indent="0" algn="l" rtl="0">
+              <a:spcBef>
+                <a:spcPts val="0"/>
+              </a:spcBef>
+              <a:spcAft>
+                <a:spcPts val="0"/>
+              </a:spcAft>
+              <a:buNone/>
+            </a:pPr>
+            <a:endParaRPr>
+              <a:solidFill>
+                <a:srgbClr val="435D74"/>
+              </a:solidFill>
+            </a:endParaRPr>
+          </a:p>
+        </p:txBody>
+      </p:sp>
+      <p:sp>
+        <p:nvSpPr>
+          <p:cNvPr id="1018" name="Google Shape;1018;p57">
+            <a:extLst>
+              <a:ext uri="{FF2B5EF4-FFF2-40B4-BE49-F238E27FC236}">
+                <a16:creationId xmlns:a16="http://schemas.microsoft.com/office/drawing/2014/main" id="{DF710468-B5BF-906C-D009-69ACEBE720B2}"/>
+              </a:ext>
+            </a:extLst>
+          </p:cNvPr>
+          <p:cNvSpPr/>
+          <p:nvPr/>
+        </p:nvSpPr>
+        <p:spPr>
+          <a:xfrm>
+            <a:off x="4259213" y="1466571"/>
+            <a:ext cx="603507" cy="548657"/>
+          </a:xfrm>
+          <a:custGeom>
+            <a:avLst/>
+            <a:gdLst/>
+            <a:ahLst/>
+            <a:cxnLst/>
+            <a:rect l="l" t="t" r="r" b="b"/>
+            <a:pathLst>
+              <a:path w="19655" h="18246" extrusionOk="0">
+                <a:moveTo>
+                  <a:pt x="9829" y="1835"/>
+                </a:moveTo>
+                <a:lnTo>
+                  <a:pt x="12133" y="6452"/>
+                </a:lnTo>
+                <a:cubicBezTo>
+                  <a:pt x="12218" y="6618"/>
+                  <a:pt x="12375" y="6733"/>
+                  <a:pt x="12559" y="6760"/>
+                </a:cubicBezTo>
+                <a:lnTo>
+                  <a:pt x="17698" y="7500"/>
+                </a:lnTo>
+                <a:lnTo>
+                  <a:pt x="13984" y="11078"/>
+                </a:lnTo>
+                <a:cubicBezTo>
+                  <a:pt x="13848" y="11211"/>
+                  <a:pt x="13788" y="11398"/>
+                  <a:pt x="13821" y="11582"/>
+                </a:cubicBezTo>
+                <a:lnTo>
+                  <a:pt x="14700" y="16646"/>
+                </a:lnTo>
+                <a:lnTo>
+                  <a:pt x="10092" y="14251"/>
+                </a:lnTo>
+                <a:cubicBezTo>
+                  <a:pt x="10009" y="14209"/>
+                  <a:pt x="9919" y="14188"/>
+                  <a:pt x="9830" y="14188"/>
+                </a:cubicBezTo>
+                <a:cubicBezTo>
+                  <a:pt x="9740" y="14188"/>
+                  <a:pt x="9651" y="14209"/>
+                  <a:pt x="9570" y="14251"/>
+                </a:cubicBezTo>
+                <a:lnTo>
+                  <a:pt x="4962" y="16646"/>
+                </a:lnTo>
+                <a:lnTo>
+                  <a:pt x="5838" y="11582"/>
+                </a:lnTo>
+                <a:cubicBezTo>
+                  <a:pt x="5871" y="11398"/>
+                  <a:pt x="5810" y="11208"/>
+                  <a:pt x="5674" y="11078"/>
+                </a:cubicBezTo>
+                <a:lnTo>
+                  <a:pt x="1961" y="7500"/>
+                </a:lnTo>
+                <a:lnTo>
+                  <a:pt x="7100" y="6760"/>
+                </a:lnTo>
+                <a:cubicBezTo>
+                  <a:pt x="7284" y="6733"/>
+                  <a:pt x="7441" y="6618"/>
+                  <a:pt x="7525" y="6452"/>
+                </a:cubicBezTo>
+                <a:lnTo>
+                  <a:pt x="9829" y="1835"/>
+                </a:lnTo>
+                <a:close/>
+                <a:moveTo>
+                  <a:pt x="9828" y="1"/>
+                </a:moveTo>
+                <a:cubicBezTo>
+                  <a:pt x="9627" y="1"/>
+                  <a:pt x="9426" y="105"/>
+                  <a:pt x="9322" y="313"/>
+                </a:cubicBezTo>
+                <a:lnTo>
+                  <a:pt x="6641" y="5682"/>
+                </a:lnTo>
+                <a:lnTo>
+                  <a:pt x="653" y="6543"/>
+                </a:lnTo>
+                <a:cubicBezTo>
+                  <a:pt x="188" y="6609"/>
+                  <a:pt x="1" y="7183"/>
+                  <a:pt x="339" y="7509"/>
+                </a:cubicBezTo>
+                <a:lnTo>
+                  <a:pt x="4672" y="11685"/>
+                </a:lnTo>
+                <a:lnTo>
+                  <a:pt x="3648" y="17579"/>
+                </a:lnTo>
+                <a:cubicBezTo>
+                  <a:pt x="3584" y="17947"/>
+                  <a:pt x="3875" y="18245"/>
+                  <a:pt x="4207" y="18245"/>
+                </a:cubicBezTo>
+                <a:cubicBezTo>
+                  <a:pt x="4293" y="18245"/>
+                  <a:pt x="4383" y="18225"/>
+                  <a:pt x="4470" y="18180"/>
+                </a:cubicBezTo>
+                <a:lnTo>
+                  <a:pt x="9829" y="15393"/>
+                </a:lnTo>
+                <a:lnTo>
+                  <a:pt x="15189" y="18180"/>
+                </a:lnTo>
+                <a:cubicBezTo>
+                  <a:pt x="15275" y="18225"/>
+                  <a:pt x="15365" y="18245"/>
+                  <a:pt x="15452" y="18245"/>
+                </a:cubicBezTo>
+                <a:cubicBezTo>
+                  <a:pt x="15782" y="18245"/>
+                  <a:pt x="16072" y="17948"/>
+                  <a:pt x="16007" y="17582"/>
+                </a:cubicBezTo>
+                <a:lnTo>
+                  <a:pt x="14986" y="11685"/>
+                </a:lnTo>
+                <a:lnTo>
+                  <a:pt x="19316" y="7512"/>
+                </a:lnTo>
+                <a:cubicBezTo>
+                  <a:pt x="19655" y="7183"/>
+                  <a:pt x="19470" y="6609"/>
+                  <a:pt x="19005" y="6543"/>
+                </a:cubicBezTo>
+                <a:lnTo>
+                  <a:pt x="13015" y="5682"/>
+                </a:lnTo>
+                <a:lnTo>
+                  <a:pt x="10333" y="313"/>
+                </a:lnTo>
+                <a:cubicBezTo>
+                  <a:pt x="10229" y="105"/>
+                  <a:pt x="10029" y="1"/>
+                  <a:pt x="9828" y="1"/>
+                </a:cubicBezTo>
+                <a:close/>
+              </a:path>
+            </a:pathLst>
+          </a:custGeom>
+          <a:solidFill>
+            <a:schemeClr val="accent1"/>
+          </a:solidFill>
+          <a:ln>
+            <a:noFill/>
+          </a:ln>
+        </p:spPr>
+        <p:txBody>
+          <a:bodyPr spcFirstLastPara="1" wrap="square" lIns="91425" tIns="91425" rIns="91425" bIns="91425" anchor="ctr" anchorCtr="0">
+            <a:noAutofit/>
+          </a:bodyPr>
+          <a:lstStyle/>
+          <a:p>
+            <a:pPr marL="0" lvl="0" indent="0" algn="l" rtl="0">
+              <a:spcBef>
+                <a:spcPts val="0"/>
+              </a:spcBef>
+              <a:spcAft>
+                <a:spcPts val="0"/>
+              </a:spcAft>
+              <a:buNone/>
+            </a:pPr>
+            <a:endParaRPr>
+              <a:solidFill>
+                <a:srgbClr val="435D74"/>
+              </a:solidFill>
+            </a:endParaRPr>
+          </a:p>
+        </p:txBody>
+      </p:sp>
+      <p:sp>
+        <p:nvSpPr>
+          <p:cNvPr id="1019" name="Google Shape;1019;p57">
+            <a:extLst>
+              <a:ext uri="{FF2B5EF4-FFF2-40B4-BE49-F238E27FC236}">
+                <a16:creationId xmlns:a16="http://schemas.microsoft.com/office/drawing/2014/main" id="{8B795B38-6BE8-A1E3-DC6D-9471632A3E3D}"/>
+              </a:ext>
+            </a:extLst>
+          </p:cNvPr>
+          <p:cNvSpPr/>
+          <p:nvPr/>
+        </p:nvSpPr>
+        <p:spPr>
+          <a:xfrm>
+            <a:off x="1484375" y="1860198"/>
+            <a:ext cx="401700" cy="401700"/>
+          </a:xfrm>
+          <a:prstGeom prst="ellipse">
+            <a:avLst/>
+          </a:prstGeom>
+          <a:solidFill>
+            <a:srgbClr val="718AC6">
+              <a:alpha val="38390"/>
+            </a:srgbClr>
+          </a:solidFill>
+          <a:ln>
+            <a:noFill/>
+          </a:ln>
+        </p:spPr>
+        <p:txBody>
+          <a:bodyPr spcFirstLastPara="1" wrap="square" lIns="91425" tIns="91425" rIns="91425" bIns="91425" anchor="ctr" anchorCtr="0">
+            <a:noAutofit/>
+          </a:bodyPr>
+          <a:lstStyle/>
+          <a:p>
+            <a:pPr marL="0" lvl="0" indent="0" algn="l" rtl="0">
+              <a:spcBef>
+                <a:spcPts val="0"/>
+              </a:spcBef>
+              <a:spcAft>
+                <a:spcPts val="0"/>
+              </a:spcAft>
+              <a:buNone/>
+            </a:pPr>
+            <a:endParaRPr/>
+          </a:p>
+        </p:txBody>
+      </p:sp>
+      <p:sp>
+        <p:nvSpPr>
+          <p:cNvPr id="1020" name="Google Shape;1020;p57">
+            <a:extLst>
+              <a:ext uri="{FF2B5EF4-FFF2-40B4-BE49-F238E27FC236}">
+                <a16:creationId xmlns:a16="http://schemas.microsoft.com/office/drawing/2014/main" id="{010C087D-F23C-934A-1270-43EE089DA751}"/>
+              </a:ext>
+            </a:extLst>
+          </p:cNvPr>
+          <p:cNvSpPr/>
+          <p:nvPr/>
+        </p:nvSpPr>
+        <p:spPr>
+          <a:xfrm>
+            <a:off x="4360117" y="1388348"/>
+            <a:ext cx="401700" cy="401700"/>
+          </a:xfrm>
+          <a:prstGeom prst="ellipse">
+            <a:avLst/>
+          </a:prstGeom>
+          <a:solidFill>
+            <a:srgbClr val="718AC6">
+              <a:alpha val="38390"/>
+            </a:srgbClr>
+          </a:solidFill>
+          <a:ln>
+            <a:noFill/>
+          </a:ln>
+        </p:spPr>
+        <p:txBody>
+          <a:bodyPr spcFirstLastPara="1" wrap="square" lIns="91425" tIns="91425" rIns="91425" bIns="91425" anchor="ctr" anchorCtr="0">
+            <a:noAutofit/>
+          </a:bodyPr>
+          <a:lstStyle/>
+          <a:p>
+            <a:pPr marL="0" lvl="0" indent="0" algn="l" rtl="0">
+              <a:spcBef>
+                <a:spcPts val="0"/>
+              </a:spcBef>
+              <a:spcAft>
+                <a:spcPts val="0"/>
+              </a:spcAft>
+              <a:buNone/>
+            </a:pPr>
+            <a:endParaRPr/>
+          </a:p>
+        </p:txBody>
+      </p:sp>
+      <p:sp>
+        <p:nvSpPr>
+          <p:cNvPr id="1021" name="Google Shape;1021;p57">
+            <a:extLst>
+              <a:ext uri="{FF2B5EF4-FFF2-40B4-BE49-F238E27FC236}">
+                <a16:creationId xmlns:a16="http://schemas.microsoft.com/office/drawing/2014/main" id="{A2550D6B-5F93-5A7C-A4C3-28DAAA588403}"/>
+              </a:ext>
+            </a:extLst>
+          </p:cNvPr>
+          <p:cNvSpPr/>
+          <p:nvPr/>
+        </p:nvSpPr>
+        <p:spPr>
+          <a:xfrm>
+            <a:off x="7057617" y="1462407"/>
+            <a:ext cx="401700" cy="401700"/>
+          </a:xfrm>
+          <a:prstGeom prst="ellipse">
+            <a:avLst/>
+          </a:prstGeom>
+          <a:solidFill>
+            <a:srgbClr val="718AC6">
+              <a:alpha val="38390"/>
+            </a:srgbClr>
+          </a:solidFill>
+          <a:ln>
+            <a:noFill/>
+          </a:ln>
+        </p:spPr>
+        <p:txBody>
+          <a:bodyPr spcFirstLastPara="1" wrap="square" lIns="91425" tIns="91425" rIns="91425" bIns="91425" anchor="ctr" anchorCtr="0">
+            <a:noAutofit/>
+          </a:bodyPr>
+          <a:lstStyle/>
+          <a:p>
+            <a:pPr marL="0" lvl="0" indent="0" algn="l" rtl="0">
+              <a:spcBef>
+                <a:spcPts val="0"/>
+              </a:spcBef>
+              <a:spcAft>
+                <a:spcPts val="0"/>
+              </a:spcAft>
+              <a:buNone/>
+            </a:pPr>
+            <a:endParaRPr/>
+          </a:p>
+        </p:txBody>
+      </p:sp>
+    </p:spTree>
+    <p:extLst>
+      <p:ext uri="{BB962C8B-B14F-4D97-AF65-F5344CB8AC3E}">
+        <p14:creationId xmlns:p14="http://schemas.microsoft.com/office/powerpoint/2010/main" val="3307364860"/>
+      </p:ext>
+    </p:extLst>
+  </p:cSld>
+  <p:clrMapOvr>
+    <a:masterClrMapping/>
+  </p:clrMapOvr>
+</p:sld>
+</file>
+
+<file path=ppt/slides/slide22.xml><?xml version="1.0" encoding="utf-8"?>
+<p:sld xmlns:a="http://schemas.openxmlformats.org/drawingml/2006/main" xmlns:r="http://schemas.openxmlformats.org/officeDocument/2006/relationships" xmlns:p="http://schemas.openxmlformats.org/presentationml/2006/main">
+  <p:cSld>
+    <p:spTree>
+      <p:nvGrpSpPr>
+        <p:cNvPr id="1" name="Shape 984">
+          <a:extLst>
+            <a:ext uri="{FF2B5EF4-FFF2-40B4-BE49-F238E27FC236}">
+              <a16:creationId xmlns:a16="http://schemas.microsoft.com/office/drawing/2014/main" id="{5660F36F-307D-1303-15F2-5DF7EF9AC30E}"/>
+            </a:ext>
+          </a:extLst>
+        </p:cNvPr>
+        <p:cNvGrpSpPr/>
+        <p:nvPr/>
+      </p:nvGrpSpPr>
+      <p:grpSpPr>
+        <a:xfrm>
+          <a:off x="0" y="0"/>
+          <a:ext cx="0" cy="0"/>
+          <a:chOff x="0" y="0"/>
+          <a:chExt cx="0" cy="0"/>
+        </a:xfrm>
+      </p:grpSpPr>
+      <p:sp>
+        <p:nvSpPr>
+          <p:cNvPr id="985" name="Google Shape;985;p57">
+            <a:extLst>
+              <a:ext uri="{FF2B5EF4-FFF2-40B4-BE49-F238E27FC236}">
+                <a16:creationId xmlns:a16="http://schemas.microsoft.com/office/drawing/2014/main" id="{1849773F-39B8-0C9F-8A34-711BE1A2F165}"/>
+              </a:ext>
+            </a:extLst>
+          </p:cNvPr>
+          <p:cNvSpPr/>
+          <p:nvPr/>
+        </p:nvSpPr>
+        <p:spPr>
+          <a:xfrm>
+            <a:off x="3320042" y="1168200"/>
+            <a:ext cx="2514600" cy="3440400"/>
+          </a:xfrm>
+          <a:prstGeom prst="rect">
+            <a:avLst/>
+          </a:prstGeom>
+          <a:solidFill>
+            <a:schemeClr val="lt2"/>
+          </a:solidFill>
+          <a:ln>
+            <a:noFill/>
+          </a:ln>
+        </p:spPr>
+        <p:txBody>
+          <a:bodyPr spcFirstLastPara="1" wrap="square" lIns="91425" tIns="91425" rIns="91425" bIns="91425" anchor="ctr" anchorCtr="0">
+            <a:noAutofit/>
+          </a:bodyPr>
+          <a:lstStyle/>
+          <a:p>
+            <a:pPr marL="0" lvl="0" indent="0" algn="l" rtl="0">
+              <a:spcBef>
+                <a:spcPts val="0"/>
+              </a:spcBef>
+              <a:spcAft>
+                <a:spcPts val="0"/>
+              </a:spcAft>
+              <a:buNone/>
+            </a:pPr>
+            <a:endParaRPr dirty="0"/>
+          </a:p>
+        </p:txBody>
+      </p:sp>
+      <p:sp>
+        <p:nvSpPr>
+          <p:cNvPr id="986" name="Google Shape;986;p57">
+            <a:extLst>
+              <a:ext uri="{FF2B5EF4-FFF2-40B4-BE49-F238E27FC236}">
+                <a16:creationId xmlns:a16="http://schemas.microsoft.com/office/drawing/2014/main" id="{9C44A935-E9DC-041C-7A83-D4FB9E6E8333}"/>
+              </a:ext>
+            </a:extLst>
+          </p:cNvPr>
+          <p:cNvSpPr/>
+          <p:nvPr/>
+        </p:nvSpPr>
+        <p:spPr>
+          <a:xfrm>
+            <a:off x="6019467" y="1168200"/>
+            <a:ext cx="2514600" cy="3440400"/>
+          </a:xfrm>
+          <a:prstGeom prst="rect">
+            <a:avLst/>
+          </a:prstGeom>
+          <a:solidFill>
+            <a:schemeClr val="lt2"/>
+          </a:solidFill>
+          <a:ln>
+            <a:noFill/>
+          </a:ln>
+        </p:spPr>
+        <p:txBody>
+          <a:bodyPr spcFirstLastPara="1" wrap="square" lIns="91425" tIns="91425" rIns="91425" bIns="91425" anchor="ctr" anchorCtr="0">
+            <a:noAutofit/>
+          </a:bodyPr>
+          <a:lstStyle/>
+          <a:p>
+            <a:pPr marL="0" lvl="0" indent="0" algn="l" rtl="0">
+              <a:spcBef>
+                <a:spcPts val="0"/>
+              </a:spcBef>
+              <a:spcAft>
+                <a:spcPts val="0"/>
+              </a:spcAft>
+              <a:buNone/>
+            </a:pPr>
+            <a:endParaRPr/>
+          </a:p>
+        </p:txBody>
+      </p:sp>
+      <p:sp>
+        <p:nvSpPr>
+          <p:cNvPr id="987" name="Google Shape;987;p57">
+            <a:extLst>
+              <a:ext uri="{FF2B5EF4-FFF2-40B4-BE49-F238E27FC236}">
+                <a16:creationId xmlns:a16="http://schemas.microsoft.com/office/drawing/2014/main" id="{1C939B4E-B79D-750D-9015-AE08E9C0E6D2}"/>
+              </a:ext>
+            </a:extLst>
+          </p:cNvPr>
+          <p:cNvSpPr/>
+          <p:nvPr/>
+        </p:nvSpPr>
+        <p:spPr>
+          <a:xfrm>
+            <a:off x="620617" y="1168200"/>
+            <a:ext cx="2514600" cy="3440400"/>
+          </a:xfrm>
+          <a:prstGeom prst="rect">
+            <a:avLst/>
+          </a:prstGeom>
+          <a:solidFill>
+            <a:schemeClr val="lt2"/>
+          </a:solidFill>
+          <a:ln>
+            <a:noFill/>
+          </a:ln>
+        </p:spPr>
+        <p:txBody>
+          <a:bodyPr spcFirstLastPara="1" wrap="square" lIns="91425" tIns="91425" rIns="91425" bIns="91425" anchor="ctr" anchorCtr="0">
+            <a:noAutofit/>
+          </a:bodyPr>
+          <a:lstStyle/>
+          <a:p>
+            <a:pPr marL="0" lvl="0" indent="0" algn="l" rtl="0">
+              <a:spcBef>
+                <a:spcPts val="0"/>
+              </a:spcBef>
+              <a:spcAft>
+                <a:spcPts val="0"/>
+              </a:spcAft>
+              <a:buNone/>
+            </a:pPr>
+            <a:endParaRPr dirty="0"/>
+          </a:p>
+        </p:txBody>
+      </p:sp>
+      <p:sp>
+        <p:nvSpPr>
+          <p:cNvPr id="988" name="Google Shape;988;p57">
+            <a:extLst>
+              <a:ext uri="{FF2B5EF4-FFF2-40B4-BE49-F238E27FC236}">
+                <a16:creationId xmlns:a16="http://schemas.microsoft.com/office/drawing/2014/main" id="{1573AFED-EFC7-E2A0-99C1-1632C34D587E}"/>
+              </a:ext>
+            </a:extLst>
+          </p:cNvPr>
+          <p:cNvSpPr txBox="1">
+            <a:spLocks noGrp="1"/>
+          </p:cNvSpPr>
+          <p:nvPr>
+            <p:ph type="title" idx="6"/>
+          </p:nvPr>
+        </p:nvSpPr>
+        <p:spPr>
+          <a:xfrm>
+            <a:off x="720000" y="445025"/>
+            <a:ext cx="7704000" cy="572700"/>
+          </a:xfrm>
+          <a:prstGeom prst="rect">
+            <a:avLst/>
+          </a:prstGeom>
+        </p:spPr>
+        <p:txBody>
+          <a:bodyPr spcFirstLastPara="1" wrap="square" lIns="91425" tIns="91425" rIns="91425" bIns="91425" anchor="ctr" anchorCtr="0">
+            <a:noAutofit/>
+          </a:bodyPr>
+          <a:lstStyle/>
+          <a:p>
+            <a:pPr marL="0" lvl="0" indent="0" algn="ctr" rtl="0">
+              <a:spcBef>
+                <a:spcPts val="0"/>
+              </a:spcBef>
+              <a:spcAft>
+                <a:spcPts val="0"/>
+              </a:spcAft>
+              <a:buNone/>
+            </a:pPr>
+            <a:r>
+              <a:rPr lang="en" dirty="0"/>
+              <a:t>A</a:t>
+            </a:r>
+            <a:r>
+              <a:rPr lang="en-US" dirty="0"/>
+              <a:t>l</a:t>
+            </a:r>
+            <a:r>
+              <a:rPr lang="en" dirty="0"/>
+              <a:t>te surse externe( pe langa cele din readme )</a:t>
+            </a:r>
+            <a:endParaRPr dirty="0"/>
+          </a:p>
+        </p:txBody>
+      </p:sp>
+      <p:sp>
+        <p:nvSpPr>
+          <p:cNvPr id="989" name="Google Shape;989;p57">
+            <a:extLst>
+              <a:ext uri="{FF2B5EF4-FFF2-40B4-BE49-F238E27FC236}">
+                <a16:creationId xmlns:a16="http://schemas.microsoft.com/office/drawing/2014/main" id="{553D7E4C-7765-BA38-ABF5-F459666854B5}"/>
+              </a:ext>
+            </a:extLst>
+          </p:cNvPr>
+          <p:cNvSpPr txBox="1">
+            <a:spLocks noGrp="1"/>
+          </p:cNvSpPr>
+          <p:nvPr>
+            <p:ph type="title"/>
+          </p:nvPr>
+        </p:nvSpPr>
+        <p:spPr>
+          <a:xfrm>
+            <a:off x="740870" y="2144965"/>
+            <a:ext cx="2534151" cy="527700"/>
+          </a:xfrm>
+          <a:prstGeom prst="rect">
+            <a:avLst/>
+          </a:prstGeom>
+        </p:spPr>
+        <p:txBody>
+          <a:bodyPr spcFirstLastPara="1" wrap="square" lIns="91425" tIns="91425" rIns="91425" bIns="91425" anchor="ctr" anchorCtr="0">
+            <a:noAutofit/>
+          </a:bodyPr>
+          <a:lstStyle/>
+          <a:p>
+            <a:pPr marL="0" lvl="0" indent="0" algn="ctr" rtl="0">
+              <a:spcBef>
+                <a:spcPts val="0"/>
+              </a:spcBef>
+              <a:spcAft>
+                <a:spcPts val="0"/>
+              </a:spcAft>
+              <a:buNone/>
+            </a:pPr>
+            <a:r>
+              <a:rPr lang="en-US" dirty="0" err="1"/>
+              <a:t>Chatgpt</a:t>
+            </a:r>
+            <a:endParaRPr dirty="0"/>
+          </a:p>
+        </p:txBody>
+      </p:sp>
+      <p:sp>
+        <p:nvSpPr>
+          <p:cNvPr id="990" name="Google Shape;990;p57">
+            <a:extLst>
+              <a:ext uri="{FF2B5EF4-FFF2-40B4-BE49-F238E27FC236}">
+                <a16:creationId xmlns:a16="http://schemas.microsoft.com/office/drawing/2014/main" id="{6E430B13-7B42-763A-6304-29773A5812BF}"/>
+              </a:ext>
+            </a:extLst>
+          </p:cNvPr>
+          <p:cNvSpPr txBox="1">
+            <a:spLocks noGrp="1"/>
+          </p:cNvSpPr>
+          <p:nvPr>
+            <p:ph type="subTitle" idx="1"/>
+          </p:nvPr>
+        </p:nvSpPr>
+        <p:spPr>
+          <a:xfrm>
+            <a:off x="709717" y="2992381"/>
+            <a:ext cx="2336400" cy="630900"/>
+          </a:xfrm>
+          <a:prstGeom prst="rect">
+            <a:avLst/>
+          </a:prstGeom>
+        </p:spPr>
+        <p:txBody>
+          <a:bodyPr spcFirstLastPara="1" wrap="square" lIns="91425" tIns="91425" rIns="91425" bIns="91425" anchor="ctr" anchorCtr="0">
+            <a:noAutofit/>
+          </a:bodyPr>
+          <a:lstStyle/>
+          <a:p>
+            <a:pPr marL="0" lvl="0" indent="0"/>
+            <a:r>
+              <a:rPr lang="en-US" dirty="0">
+                <a:hlinkClick r:id="rId3"/>
+              </a:rPr>
+              <a:t>https://chatgpt.com/c/690c563c-77ac-832f-8422-a48e11703e57</a:t>
+            </a:r>
+            <a:endParaRPr lang="en-US" dirty="0"/>
+          </a:p>
+          <a:p>
+            <a:pPr marL="0" lvl="0" indent="0"/>
+            <a:r>
+              <a:rPr lang="en-US" dirty="0" err="1"/>
+              <a:t>Conversatia</a:t>
+            </a:r>
+            <a:r>
+              <a:rPr lang="en-US" dirty="0"/>
+              <a:t> de pe </a:t>
+            </a:r>
+            <a:r>
+              <a:rPr lang="en-US" dirty="0" err="1"/>
+              <a:t>Chatgpt</a:t>
+            </a:r>
+            <a:endParaRPr dirty="0"/>
+          </a:p>
+        </p:txBody>
+      </p:sp>
+      <p:sp>
+        <p:nvSpPr>
+          <p:cNvPr id="991" name="Google Shape;991;p57">
+            <a:extLst>
+              <a:ext uri="{FF2B5EF4-FFF2-40B4-BE49-F238E27FC236}">
+                <a16:creationId xmlns:a16="http://schemas.microsoft.com/office/drawing/2014/main" id="{56236070-6B3C-BB01-28FD-42DCCEA76134}"/>
+              </a:ext>
+            </a:extLst>
+          </p:cNvPr>
+          <p:cNvSpPr txBox="1">
+            <a:spLocks noGrp="1"/>
+          </p:cNvSpPr>
+          <p:nvPr>
+            <p:ph type="title" idx="2"/>
+          </p:nvPr>
+        </p:nvSpPr>
+        <p:spPr>
+          <a:xfrm>
+            <a:off x="3406475" y="2160687"/>
+            <a:ext cx="2336400" cy="527700"/>
+          </a:xfrm>
+          <a:prstGeom prst="rect">
+            <a:avLst/>
+          </a:prstGeom>
+        </p:spPr>
+        <p:txBody>
+          <a:bodyPr spcFirstLastPara="1" wrap="square" lIns="91425" tIns="91425" rIns="91425" bIns="91425" anchor="ctr" anchorCtr="0">
+            <a:noAutofit/>
+          </a:bodyPr>
+          <a:lstStyle/>
+          <a:p>
+            <a:pPr marL="0" lvl="0" indent="0" algn="ctr" rtl="0">
+              <a:spcBef>
+                <a:spcPts val="0"/>
+              </a:spcBef>
+              <a:spcAft>
+                <a:spcPts val="0"/>
+              </a:spcAft>
+              <a:buNone/>
+            </a:pPr>
+            <a:r>
+              <a:rPr lang="en" dirty="0"/>
+              <a:t>Gemini</a:t>
+            </a:r>
+            <a:endParaRPr dirty="0"/>
+          </a:p>
+        </p:txBody>
+      </p:sp>
+      <p:sp>
+        <p:nvSpPr>
+          <p:cNvPr id="992" name="Google Shape;992;p57">
+            <a:extLst>
+              <a:ext uri="{FF2B5EF4-FFF2-40B4-BE49-F238E27FC236}">
+                <a16:creationId xmlns:a16="http://schemas.microsoft.com/office/drawing/2014/main" id="{2699D1A3-17C8-6F36-06E8-1A6A4ABB33D9}"/>
+              </a:ext>
+            </a:extLst>
+          </p:cNvPr>
+          <p:cNvSpPr txBox="1">
+            <a:spLocks noGrp="1"/>
+          </p:cNvSpPr>
+          <p:nvPr>
+            <p:ph type="subTitle" idx="3"/>
+          </p:nvPr>
+        </p:nvSpPr>
+        <p:spPr>
+          <a:xfrm>
+            <a:off x="3371871" y="3103384"/>
+            <a:ext cx="2336400" cy="630900"/>
+          </a:xfrm>
+          <a:prstGeom prst="rect">
+            <a:avLst/>
+          </a:prstGeom>
+        </p:spPr>
+        <p:txBody>
+          <a:bodyPr spcFirstLastPara="1" wrap="square" lIns="91425" tIns="91425" rIns="91425" bIns="91425" anchor="ctr" anchorCtr="0">
+            <a:noAutofit/>
+          </a:bodyPr>
+          <a:lstStyle/>
+          <a:p>
+            <a:pPr marL="0" lvl="0" indent="0">
+              <a:buClr>
+                <a:schemeClr val="hlink"/>
+              </a:buClr>
+              <a:buSzPts val="1100"/>
+            </a:pPr>
+            <a:r>
+              <a:rPr lang="en-US" dirty="0">
+                <a:hlinkClick r:id="rId4"/>
+              </a:rPr>
+              <a:t>https://gemini.google.com/?hl=ro</a:t>
+            </a:r>
+            <a:endParaRPr lang="en-US" dirty="0"/>
+          </a:p>
+          <a:p>
+            <a:pPr marL="0" lvl="0" indent="0">
+              <a:buClr>
+                <a:schemeClr val="hlink"/>
+              </a:buClr>
+              <a:buSzPts val="1100"/>
+            </a:pPr>
+            <a:r>
+              <a:rPr lang="en-US" dirty="0" err="1"/>
+              <a:t>Folosit</a:t>
+            </a:r>
+            <a:r>
+              <a:rPr lang="en-US" dirty="0"/>
+              <a:t> in mare </a:t>
+            </a:r>
+            <a:r>
+              <a:rPr lang="en-US" dirty="0" err="1"/>
+              <a:t>parte</a:t>
+            </a:r>
+            <a:r>
+              <a:rPr lang="en-US" dirty="0"/>
+              <a:t> </a:t>
+            </a:r>
+            <a:r>
+              <a:rPr lang="en-US" dirty="0" err="1"/>
+              <a:t>pentru</a:t>
+            </a:r>
+            <a:r>
+              <a:rPr lang="en-US" dirty="0"/>
+              <a:t> </a:t>
+            </a:r>
+            <a:r>
+              <a:rPr lang="en-US" dirty="0" err="1"/>
+              <a:t>rezolvare</a:t>
+            </a:r>
+            <a:r>
+              <a:rPr lang="en-US" dirty="0"/>
+              <a:t> de </a:t>
+            </a:r>
+            <a:r>
+              <a:rPr lang="en-US" dirty="0" err="1"/>
+              <a:t>probleme</a:t>
+            </a:r>
+            <a:r>
+              <a:rPr lang="en-US" dirty="0"/>
+              <a:t> + </a:t>
+            </a:r>
+            <a:r>
+              <a:rPr lang="en-US" dirty="0" err="1"/>
+              <a:t>informatii</a:t>
+            </a:r>
+            <a:r>
+              <a:rPr lang="en-US" dirty="0"/>
+              <a:t> generale</a:t>
+            </a:r>
+            <a:endParaRPr dirty="0"/>
+          </a:p>
+        </p:txBody>
+      </p:sp>
+      <p:sp>
+        <p:nvSpPr>
+          <p:cNvPr id="993" name="Google Shape;993;p57">
+            <a:extLst>
+              <a:ext uri="{FF2B5EF4-FFF2-40B4-BE49-F238E27FC236}">
+                <a16:creationId xmlns:a16="http://schemas.microsoft.com/office/drawing/2014/main" id="{6E8F341A-CEE2-E3FF-E6E3-D62409F71226}"/>
+              </a:ext>
+            </a:extLst>
+          </p:cNvPr>
+          <p:cNvSpPr txBox="1">
+            <a:spLocks noGrp="1"/>
+          </p:cNvSpPr>
+          <p:nvPr>
+            <p:ph type="title" idx="4"/>
+          </p:nvPr>
+        </p:nvSpPr>
+        <p:spPr>
+          <a:xfrm>
+            <a:off x="6090275" y="2160687"/>
+            <a:ext cx="2393120" cy="527700"/>
+          </a:xfrm>
+          <a:prstGeom prst="rect">
+            <a:avLst/>
+          </a:prstGeom>
+        </p:spPr>
+        <p:txBody>
+          <a:bodyPr spcFirstLastPara="1" wrap="square" lIns="91425" tIns="91425" rIns="91425" bIns="91425" anchor="ctr" anchorCtr="0">
+            <a:noAutofit/>
+          </a:bodyPr>
+          <a:lstStyle/>
+          <a:p>
+            <a:pPr marL="0" lvl="0" indent="0" algn="ctr" rtl="0">
+              <a:spcBef>
+                <a:spcPts val="0"/>
+              </a:spcBef>
+              <a:spcAft>
+                <a:spcPts val="0"/>
+              </a:spcAft>
+              <a:buNone/>
+            </a:pPr>
+            <a:r>
+              <a:rPr lang="en" dirty="0"/>
+              <a:t>Agent vscode</a:t>
+            </a:r>
+            <a:endParaRPr dirty="0"/>
+          </a:p>
+        </p:txBody>
+      </p:sp>
+      <p:sp>
+        <p:nvSpPr>
+          <p:cNvPr id="994" name="Google Shape;994;p57">
+            <a:extLst>
+              <a:ext uri="{FF2B5EF4-FFF2-40B4-BE49-F238E27FC236}">
+                <a16:creationId xmlns:a16="http://schemas.microsoft.com/office/drawing/2014/main" id="{21833434-2359-1790-1350-C8E6EF564B99}"/>
+              </a:ext>
+            </a:extLst>
+          </p:cNvPr>
+          <p:cNvSpPr txBox="1">
+            <a:spLocks noGrp="1"/>
+          </p:cNvSpPr>
+          <p:nvPr>
+            <p:ph type="subTitle" idx="5"/>
+          </p:nvPr>
+        </p:nvSpPr>
+        <p:spPr>
+          <a:xfrm>
+            <a:off x="6075594" y="3049974"/>
+            <a:ext cx="2336400" cy="630900"/>
+          </a:xfrm>
+          <a:prstGeom prst="rect">
+            <a:avLst/>
+          </a:prstGeom>
+        </p:spPr>
+        <p:txBody>
+          <a:bodyPr spcFirstLastPara="1" wrap="square" lIns="91425" tIns="91425" rIns="91425" bIns="91425" anchor="ctr" anchorCtr="0">
+            <a:noAutofit/>
+          </a:bodyPr>
+          <a:lstStyle/>
+          <a:p>
+            <a:pPr marL="0" lvl="0" indent="0">
+              <a:buClr>
+                <a:schemeClr val="hlink"/>
+              </a:buClr>
+              <a:buSzPts val="1100"/>
+            </a:pPr>
+            <a:r>
+              <a:rPr lang="en-US" dirty="0" err="1"/>
+              <a:t>Folosit</a:t>
+            </a:r>
+            <a:r>
+              <a:rPr lang="en-US" dirty="0"/>
+              <a:t> in mare </a:t>
+            </a:r>
+            <a:r>
+              <a:rPr lang="en-US" dirty="0" err="1"/>
+              <a:t>parte</a:t>
+            </a:r>
+            <a:r>
+              <a:rPr lang="en-US" dirty="0"/>
+              <a:t> </a:t>
+            </a:r>
+            <a:r>
+              <a:rPr lang="en-US" dirty="0" err="1"/>
+              <a:t>pentru</a:t>
+            </a:r>
+            <a:r>
+              <a:rPr lang="en-US" dirty="0"/>
+              <a:t> debugging </a:t>
+            </a:r>
+            <a:r>
+              <a:rPr lang="en-US" dirty="0" err="1"/>
+              <a:t>si</a:t>
+            </a:r>
+            <a:r>
+              <a:rPr lang="en-US" dirty="0"/>
+              <a:t> </a:t>
+            </a:r>
+            <a:r>
+              <a:rPr lang="en-US" dirty="0" err="1"/>
+              <a:t>alte</a:t>
+            </a:r>
+            <a:r>
+              <a:rPr lang="en-US" dirty="0"/>
+              <a:t> </a:t>
+            </a:r>
+            <a:r>
+              <a:rPr lang="en-US" dirty="0" err="1"/>
+              <a:t>probleme</a:t>
+            </a:r>
+            <a:r>
+              <a:rPr lang="en-US" dirty="0"/>
+              <a:t> de </a:t>
+            </a:r>
+            <a:r>
+              <a:rPr lang="en-US" dirty="0" err="1"/>
+              <a:t>interactiune</a:t>
+            </a:r>
+            <a:r>
+              <a:rPr lang="en-US" dirty="0"/>
+              <a:t> </a:t>
+            </a:r>
+            <a:r>
+              <a:rPr lang="en-US" dirty="0" err="1"/>
+              <a:t>intre</a:t>
+            </a:r>
+            <a:r>
+              <a:rPr lang="en-US" dirty="0"/>
+              <a:t> </a:t>
+            </a:r>
+            <a:r>
+              <a:rPr lang="en-US" dirty="0" err="1"/>
+              <a:t>proiect</a:t>
+            </a:r>
+            <a:r>
+              <a:rPr lang="en-US" dirty="0"/>
+              <a:t> </a:t>
+            </a:r>
+            <a:r>
+              <a:rPr lang="en-US" dirty="0" err="1"/>
+              <a:t>si</a:t>
+            </a:r>
+            <a:r>
+              <a:rPr lang="en-US" dirty="0"/>
+              <a:t> </a:t>
+            </a:r>
+            <a:r>
+              <a:rPr lang="en-US" dirty="0" err="1"/>
+              <a:t>sistemul</a:t>
+            </a:r>
+            <a:r>
+              <a:rPr lang="en-US" dirty="0"/>
+              <a:t> meu.</a:t>
+            </a:r>
+            <a:endParaRPr dirty="0"/>
+          </a:p>
+        </p:txBody>
+      </p:sp>
+      <p:grpSp>
+        <p:nvGrpSpPr>
+          <p:cNvPr id="998" name="Google Shape;998;p57">
+            <a:extLst>
+              <a:ext uri="{FF2B5EF4-FFF2-40B4-BE49-F238E27FC236}">
+                <a16:creationId xmlns:a16="http://schemas.microsoft.com/office/drawing/2014/main" id="{C95EF45A-5BAA-DC8A-74B7-36E94621AE4E}"/>
+              </a:ext>
+            </a:extLst>
+          </p:cNvPr>
+          <p:cNvGrpSpPr/>
+          <p:nvPr/>
+        </p:nvGrpSpPr>
+        <p:grpSpPr>
+          <a:xfrm rot="10800000">
+            <a:off x="4305897" y="4124971"/>
+            <a:ext cx="537556" cy="136576"/>
+            <a:chOff x="2641350" y="846250"/>
+            <a:chExt cx="413600" cy="105075"/>
+          </a:xfrm>
+        </p:grpSpPr>
+        <p:sp>
+          <p:nvSpPr>
+            <p:cNvPr id="999" name="Google Shape;999;p57">
+              <a:extLst>
+                <a:ext uri="{FF2B5EF4-FFF2-40B4-BE49-F238E27FC236}">
+                  <a16:creationId xmlns:a16="http://schemas.microsoft.com/office/drawing/2014/main" id="{F9FF83B1-54D9-B42D-7771-025EF262BAF4}"/>
+                </a:ext>
+              </a:extLst>
+            </p:cNvPr>
+            <p:cNvSpPr/>
+            <p:nvPr/>
+          </p:nvSpPr>
+          <p:spPr>
+            <a:xfrm>
+              <a:off x="2991475" y="846250"/>
+              <a:ext cx="63475" cy="105075"/>
+            </a:xfrm>
+            <a:custGeom>
+              <a:avLst/>
+              <a:gdLst/>
+              <a:ahLst/>
+              <a:cxnLst/>
+              <a:rect l="l" t="t" r="r" b="b"/>
+              <a:pathLst>
+                <a:path w="2539" h="4203" extrusionOk="0">
+                  <a:moveTo>
+                    <a:pt x="2092" y="1"/>
+                  </a:moveTo>
+                  <a:lnTo>
+                    <a:pt x="1" y="2111"/>
+                  </a:lnTo>
+                  <a:lnTo>
+                    <a:pt x="2092" y="4202"/>
+                  </a:lnTo>
+                  <a:lnTo>
+                    <a:pt x="2538" y="3756"/>
+                  </a:lnTo>
+                  <a:lnTo>
+                    <a:pt x="874" y="2111"/>
+                  </a:lnTo>
+                  <a:lnTo>
+                    <a:pt x="2538" y="447"/>
+                  </a:lnTo>
+                  <a:lnTo>
+                    <a:pt x="2092" y="1"/>
+                  </a:lnTo>
+                  <a:close/>
+                </a:path>
+              </a:pathLst>
+            </a:custGeom>
+            <a:solidFill>
+              <a:schemeClr val="dk1"/>
+            </a:solidFill>
+            <a:ln>
+              <a:noFill/>
+            </a:ln>
+          </p:spPr>
+          <p:txBody>
+            <a:bodyPr spcFirstLastPara="1" wrap="square" lIns="91425" tIns="91425" rIns="91425" bIns="91425" anchor="ctr" anchorCtr="0">
+              <a:noAutofit/>
+            </a:bodyPr>
+            <a:lstStyle/>
+            <a:p>
+              <a:pPr marL="0" lvl="0" indent="0" algn="l" rtl="0">
+                <a:spcBef>
+                  <a:spcPts val="0"/>
+                </a:spcBef>
+                <a:spcAft>
+                  <a:spcPts val="0"/>
+                </a:spcAft>
+                <a:buNone/>
+              </a:pPr>
+              <a:endParaRPr/>
+            </a:p>
+          </p:txBody>
+        </p:sp>
+        <p:sp>
+          <p:nvSpPr>
+            <p:cNvPr id="1000" name="Google Shape;1000;p57">
+              <a:extLst>
+                <a:ext uri="{FF2B5EF4-FFF2-40B4-BE49-F238E27FC236}">
+                  <a16:creationId xmlns:a16="http://schemas.microsoft.com/office/drawing/2014/main" id="{B40B5C8E-3E73-C377-F26E-169126106537}"/>
+                </a:ext>
+              </a:extLst>
+            </p:cNvPr>
+            <p:cNvSpPr/>
+            <p:nvPr/>
+          </p:nvSpPr>
+          <p:spPr>
+            <a:xfrm>
+              <a:off x="2874775" y="846250"/>
+              <a:ext cx="63450" cy="105075"/>
+            </a:xfrm>
+            <a:custGeom>
+              <a:avLst/>
+              <a:gdLst/>
+              <a:ahLst/>
+              <a:cxnLst/>
+              <a:rect l="l" t="t" r="r" b="b"/>
+              <a:pathLst>
+                <a:path w="2538" h="4203" extrusionOk="0">
+                  <a:moveTo>
+                    <a:pt x="2091" y="1"/>
+                  </a:moveTo>
+                  <a:lnTo>
+                    <a:pt x="0" y="2111"/>
+                  </a:lnTo>
+                  <a:lnTo>
+                    <a:pt x="2091" y="4202"/>
+                  </a:lnTo>
+                  <a:lnTo>
+                    <a:pt x="2538" y="3756"/>
+                  </a:lnTo>
+                  <a:lnTo>
+                    <a:pt x="894" y="2111"/>
+                  </a:lnTo>
+                  <a:lnTo>
+                    <a:pt x="2538" y="447"/>
+                  </a:lnTo>
+                  <a:lnTo>
+                    <a:pt x="2091" y="1"/>
+                  </a:lnTo>
+                  <a:close/>
+                </a:path>
+              </a:pathLst>
+            </a:custGeom>
+            <a:solidFill>
+              <a:schemeClr val="dk1"/>
+            </a:solidFill>
+            <a:ln>
+              <a:noFill/>
+            </a:ln>
+          </p:spPr>
+          <p:txBody>
+            <a:bodyPr spcFirstLastPara="1" wrap="square" lIns="91425" tIns="91425" rIns="91425" bIns="91425" anchor="ctr" anchorCtr="0">
+              <a:noAutofit/>
+            </a:bodyPr>
+            <a:lstStyle/>
+            <a:p>
+              <a:pPr marL="0" lvl="0" indent="0" algn="l" rtl="0">
+                <a:spcBef>
+                  <a:spcPts val="0"/>
+                </a:spcBef>
+                <a:spcAft>
+                  <a:spcPts val="0"/>
+                </a:spcAft>
+                <a:buNone/>
+              </a:pPr>
+              <a:endParaRPr/>
+            </a:p>
+          </p:txBody>
+        </p:sp>
+        <p:sp>
+          <p:nvSpPr>
+            <p:cNvPr id="1001" name="Google Shape;1001;p57">
+              <a:extLst>
+                <a:ext uri="{FF2B5EF4-FFF2-40B4-BE49-F238E27FC236}">
+                  <a16:creationId xmlns:a16="http://schemas.microsoft.com/office/drawing/2014/main" id="{9E225FBB-9F55-800C-02DB-4F798C8EDB41}"/>
+                </a:ext>
+              </a:extLst>
+            </p:cNvPr>
+            <p:cNvSpPr/>
+            <p:nvPr/>
+          </p:nvSpPr>
+          <p:spPr>
+            <a:xfrm>
+              <a:off x="2758075" y="846250"/>
+              <a:ext cx="63450" cy="105075"/>
+            </a:xfrm>
+            <a:custGeom>
+              <a:avLst/>
+              <a:gdLst/>
+              <a:ahLst/>
+              <a:cxnLst/>
+              <a:rect l="l" t="t" r="r" b="b"/>
+              <a:pathLst>
+                <a:path w="2538" h="4203" extrusionOk="0">
+                  <a:moveTo>
+                    <a:pt x="2111" y="1"/>
+                  </a:moveTo>
+                  <a:lnTo>
+                    <a:pt x="0" y="2111"/>
+                  </a:lnTo>
+                  <a:lnTo>
+                    <a:pt x="2111" y="4202"/>
+                  </a:lnTo>
+                  <a:lnTo>
+                    <a:pt x="2537" y="3756"/>
+                  </a:lnTo>
+                  <a:lnTo>
+                    <a:pt x="893" y="2111"/>
+                  </a:lnTo>
+                  <a:lnTo>
+                    <a:pt x="2537" y="447"/>
+                  </a:lnTo>
+                  <a:lnTo>
+                    <a:pt x="2111" y="1"/>
+                  </a:lnTo>
+                  <a:close/>
+                </a:path>
+              </a:pathLst>
+            </a:custGeom>
+            <a:solidFill>
+              <a:schemeClr val="dk1"/>
+            </a:solidFill>
+            <a:ln>
+              <a:noFill/>
+            </a:ln>
+          </p:spPr>
+          <p:txBody>
+            <a:bodyPr spcFirstLastPara="1" wrap="square" lIns="91425" tIns="91425" rIns="91425" bIns="91425" anchor="ctr" anchorCtr="0">
+              <a:noAutofit/>
+            </a:bodyPr>
+            <a:lstStyle/>
+            <a:p>
+              <a:pPr marL="0" lvl="0" indent="0" algn="l" rtl="0">
+                <a:spcBef>
+                  <a:spcPts val="0"/>
+                </a:spcBef>
+                <a:spcAft>
+                  <a:spcPts val="0"/>
+                </a:spcAft>
+                <a:buNone/>
+              </a:pPr>
+              <a:endParaRPr/>
+            </a:p>
+          </p:txBody>
+        </p:sp>
+        <p:sp>
+          <p:nvSpPr>
+            <p:cNvPr id="1002" name="Google Shape;1002;p57">
+              <a:extLst>
+                <a:ext uri="{FF2B5EF4-FFF2-40B4-BE49-F238E27FC236}">
+                  <a16:creationId xmlns:a16="http://schemas.microsoft.com/office/drawing/2014/main" id="{8EE7C6E7-9EE7-08F4-0AE3-92425B7CCEF9}"/>
+                </a:ext>
+              </a:extLst>
+            </p:cNvPr>
+            <p:cNvSpPr/>
+            <p:nvPr/>
+          </p:nvSpPr>
+          <p:spPr>
+            <a:xfrm>
+              <a:off x="2641350" y="846250"/>
+              <a:ext cx="63975" cy="105075"/>
+            </a:xfrm>
+            <a:custGeom>
+              <a:avLst/>
+              <a:gdLst/>
+              <a:ahLst/>
+              <a:cxnLst/>
+              <a:rect l="l" t="t" r="r" b="b"/>
+              <a:pathLst>
+                <a:path w="2559" h="4203" extrusionOk="0">
+                  <a:moveTo>
+                    <a:pt x="2112" y="1"/>
+                  </a:moveTo>
+                  <a:lnTo>
+                    <a:pt x="1" y="2111"/>
+                  </a:lnTo>
+                  <a:lnTo>
+                    <a:pt x="2112" y="4202"/>
+                  </a:lnTo>
+                  <a:lnTo>
+                    <a:pt x="2558" y="3756"/>
+                  </a:lnTo>
+                  <a:lnTo>
+                    <a:pt x="894" y="2111"/>
+                  </a:lnTo>
+                  <a:lnTo>
+                    <a:pt x="2558" y="447"/>
+                  </a:lnTo>
+                  <a:lnTo>
+                    <a:pt x="2112" y="1"/>
+                  </a:lnTo>
+                  <a:close/>
+                </a:path>
+              </a:pathLst>
+            </a:custGeom>
+            <a:solidFill>
+              <a:schemeClr val="dk1"/>
+            </a:solidFill>
+            <a:ln>
+              <a:noFill/>
+            </a:ln>
+          </p:spPr>
+          <p:txBody>
+            <a:bodyPr spcFirstLastPara="1" wrap="square" lIns="91425" tIns="91425" rIns="91425" bIns="91425" anchor="ctr" anchorCtr="0">
+              <a:noAutofit/>
+            </a:bodyPr>
+            <a:lstStyle/>
+            <a:p>
+              <a:pPr marL="0" lvl="0" indent="0" algn="l" rtl="0">
+                <a:spcBef>
+                  <a:spcPts val="0"/>
+                </a:spcBef>
+                <a:spcAft>
+                  <a:spcPts val="0"/>
+                </a:spcAft>
+                <a:buNone/>
+              </a:pPr>
+              <a:endParaRPr/>
+            </a:p>
+          </p:txBody>
+        </p:sp>
+      </p:grpSp>
+      <p:grpSp>
+        <p:nvGrpSpPr>
+          <p:cNvPr id="1003" name="Google Shape;1003;p57">
+            <a:extLst>
+              <a:ext uri="{FF2B5EF4-FFF2-40B4-BE49-F238E27FC236}">
+                <a16:creationId xmlns:a16="http://schemas.microsoft.com/office/drawing/2014/main" id="{80B950C2-F5F8-7EB0-2AF9-9F1A97E64549}"/>
+              </a:ext>
+            </a:extLst>
+          </p:cNvPr>
+          <p:cNvGrpSpPr/>
+          <p:nvPr/>
+        </p:nvGrpSpPr>
+        <p:grpSpPr>
+          <a:xfrm rot="10800000">
+            <a:off x="7009620" y="4355829"/>
+            <a:ext cx="537556" cy="136576"/>
+            <a:chOff x="2641350" y="846250"/>
+            <a:chExt cx="413600" cy="105075"/>
+          </a:xfrm>
+        </p:grpSpPr>
+        <p:sp>
+          <p:nvSpPr>
+            <p:cNvPr id="1004" name="Google Shape;1004;p57">
+              <a:extLst>
+                <a:ext uri="{FF2B5EF4-FFF2-40B4-BE49-F238E27FC236}">
+                  <a16:creationId xmlns:a16="http://schemas.microsoft.com/office/drawing/2014/main" id="{5C185903-F862-66E5-B215-C4CE937FDE6A}"/>
+                </a:ext>
+              </a:extLst>
+            </p:cNvPr>
+            <p:cNvSpPr/>
+            <p:nvPr/>
+          </p:nvSpPr>
+          <p:spPr>
+            <a:xfrm>
+              <a:off x="2991475" y="846250"/>
+              <a:ext cx="63475" cy="105075"/>
+            </a:xfrm>
+            <a:custGeom>
+              <a:avLst/>
+              <a:gdLst/>
+              <a:ahLst/>
+              <a:cxnLst/>
+              <a:rect l="l" t="t" r="r" b="b"/>
+              <a:pathLst>
+                <a:path w="2539" h="4203" extrusionOk="0">
+                  <a:moveTo>
+                    <a:pt x="2092" y="1"/>
+                  </a:moveTo>
+                  <a:lnTo>
+                    <a:pt x="1" y="2111"/>
+                  </a:lnTo>
+                  <a:lnTo>
+                    <a:pt x="2092" y="4202"/>
+                  </a:lnTo>
+                  <a:lnTo>
+                    <a:pt x="2538" y="3756"/>
+                  </a:lnTo>
+                  <a:lnTo>
+                    <a:pt x="874" y="2111"/>
+                  </a:lnTo>
+                  <a:lnTo>
+                    <a:pt x="2538" y="447"/>
+                  </a:lnTo>
+                  <a:lnTo>
+                    <a:pt x="2092" y="1"/>
+                  </a:lnTo>
+                  <a:close/>
+                </a:path>
+              </a:pathLst>
+            </a:custGeom>
+            <a:solidFill>
+              <a:schemeClr val="dk1"/>
+            </a:solidFill>
+            <a:ln>
+              <a:noFill/>
+            </a:ln>
+          </p:spPr>
+          <p:txBody>
+            <a:bodyPr spcFirstLastPara="1" wrap="square" lIns="91425" tIns="91425" rIns="91425" bIns="91425" anchor="ctr" anchorCtr="0">
+              <a:noAutofit/>
+            </a:bodyPr>
+            <a:lstStyle/>
+            <a:p>
+              <a:pPr marL="0" lvl="0" indent="0" algn="l" rtl="0">
+                <a:spcBef>
+                  <a:spcPts val="0"/>
+                </a:spcBef>
+                <a:spcAft>
+                  <a:spcPts val="0"/>
+                </a:spcAft>
+                <a:buNone/>
+              </a:pPr>
+              <a:endParaRPr/>
+            </a:p>
+          </p:txBody>
+        </p:sp>
+        <p:sp>
+          <p:nvSpPr>
+            <p:cNvPr id="1005" name="Google Shape;1005;p57">
+              <a:extLst>
+                <a:ext uri="{FF2B5EF4-FFF2-40B4-BE49-F238E27FC236}">
+                  <a16:creationId xmlns:a16="http://schemas.microsoft.com/office/drawing/2014/main" id="{072BEAFA-165B-2D1D-049D-8F7FA0F1AB18}"/>
+                </a:ext>
+              </a:extLst>
+            </p:cNvPr>
+            <p:cNvSpPr/>
+            <p:nvPr/>
+          </p:nvSpPr>
+          <p:spPr>
+            <a:xfrm>
+              <a:off x="2874775" y="846250"/>
+              <a:ext cx="63450" cy="105075"/>
+            </a:xfrm>
+            <a:custGeom>
+              <a:avLst/>
+              <a:gdLst/>
+              <a:ahLst/>
+              <a:cxnLst/>
+              <a:rect l="l" t="t" r="r" b="b"/>
+              <a:pathLst>
+                <a:path w="2538" h="4203" extrusionOk="0">
+                  <a:moveTo>
+                    <a:pt x="2091" y="1"/>
+                  </a:moveTo>
+                  <a:lnTo>
+                    <a:pt x="0" y="2111"/>
+                  </a:lnTo>
+                  <a:lnTo>
+                    <a:pt x="2091" y="4202"/>
+                  </a:lnTo>
+                  <a:lnTo>
+                    <a:pt x="2538" y="3756"/>
+                  </a:lnTo>
+                  <a:lnTo>
+                    <a:pt x="894" y="2111"/>
+                  </a:lnTo>
+                  <a:lnTo>
+                    <a:pt x="2538" y="447"/>
+                  </a:lnTo>
+                  <a:lnTo>
+                    <a:pt x="2091" y="1"/>
+                  </a:lnTo>
+                  <a:close/>
+                </a:path>
+              </a:pathLst>
+            </a:custGeom>
+            <a:solidFill>
+              <a:schemeClr val="dk1"/>
+            </a:solidFill>
+            <a:ln>
+              <a:noFill/>
+            </a:ln>
+          </p:spPr>
+          <p:txBody>
+            <a:bodyPr spcFirstLastPara="1" wrap="square" lIns="91425" tIns="91425" rIns="91425" bIns="91425" anchor="ctr" anchorCtr="0">
+              <a:noAutofit/>
+            </a:bodyPr>
+            <a:lstStyle/>
+            <a:p>
+              <a:pPr marL="0" lvl="0" indent="0" algn="l" rtl="0">
+                <a:spcBef>
+                  <a:spcPts val="0"/>
+                </a:spcBef>
+                <a:spcAft>
+                  <a:spcPts val="0"/>
+                </a:spcAft>
+                <a:buNone/>
+              </a:pPr>
+              <a:endParaRPr/>
+            </a:p>
+          </p:txBody>
+        </p:sp>
+        <p:sp>
+          <p:nvSpPr>
+            <p:cNvPr id="1006" name="Google Shape;1006;p57">
+              <a:extLst>
+                <a:ext uri="{FF2B5EF4-FFF2-40B4-BE49-F238E27FC236}">
+                  <a16:creationId xmlns:a16="http://schemas.microsoft.com/office/drawing/2014/main" id="{8BCDB0C8-010D-14EA-60E1-E6A7283DD868}"/>
+                </a:ext>
+              </a:extLst>
+            </p:cNvPr>
+            <p:cNvSpPr/>
+            <p:nvPr/>
+          </p:nvSpPr>
+          <p:spPr>
+            <a:xfrm>
+              <a:off x="2758075" y="846250"/>
+              <a:ext cx="63450" cy="105075"/>
+            </a:xfrm>
+            <a:custGeom>
+              <a:avLst/>
+              <a:gdLst/>
+              <a:ahLst/>
+              <a:cxnLst/>
+              <a:rect l="l" t="t" r="r" b="b"/>
+              <a:pathLst>
+                <a:path w="2538" h="4203" extrusionOk="0">
+                  <a:moveTo>
+                    <a:pt x="2111" y="1"/>
+                  </a:moveTo>
+                  <a:lnTo>
+                    <a:pt x="0" y="2111"/>
+                  </a:lnTo>
+                  <a:lnTo>
+                    <a:pt x="2111" y="4202"/>
+                  </a:lnTo>
+                  <a:lnTo>
+                    <a:pt x="2537" y="3756"/>
+                  </a:lnTo>
+                  <a:lnTo>
+                    <a:pt x="893" y="2111"/>
+                  </a:lnTo>
+                  <a:lnTo>
+                    <a:pt x="2537" y="447"/>
+                  </a:lnTo>
+                  <a:lnTo>
+                    <a:pt x="2111" y="1"/>
+                  </a:lnTo>
+                  <a:close/>
+                </a:path>
+              </a:pathLst>
+            </a:custGeom>
+            <a:solidFill>
+              <a:schemeClr val="dk1"/>
+            </a:solidFill>
+            <a:ln>
+              <a:noFill/>
+            </a:ln>
+          </p:spPr>
+          <p:txBody>
+            <a:bodyPr spcFirstLastPara="1" wrap="square" lIns="91425" tIns="91425" rIns="91425" bIns="91425" anchor="ctr" anchorCtr="0">
+              <a:noAutofit/>
+            </a:bodyPr>
+            <a:lstStyle/>
+            <a:p>
+              <a:pPr marL="0" lvl="0" indent="0" algn="l" rtl="0">
+                <a:spcBef>
+                  <a:spcPts val="0"/>
+                </a:spcBef>
+                <a:spcAft>
+                  <a:spcPts val="0"/>
+                </a:spcAft>
+                <a:buNone/>
+              </a:pPr>
+              <a:endParaRPr/>
+            </a:p>
+          </p:txBody>
+        </p:sp>
+        <p:sp>
+          <p:nvSpPr>
+            <p:cNvPr id="1007" name="Google Shape;1007;p57">
+              <a:extLst>
+                <a:ext uri="{FF2B5EF4-FFF2-40B4-BE49-F238E27FC236}">
+                  <a16:creationId xmlns:a16="http://schemas.microsoft.com/office/drawing/2014/main" id="{270A0BF0-338C-6E0D-B3E1-A0CAB60897C1}"/>
+                </a:ext>
+              </a:extLst>
+            </p:cNvPr>
+            <p:cNvSpPr/>
+            <p:nvPr/>
+          </p:nvSpPr>
+          <p:spPr>
+            <a:xfrm>
+              <a:off x="2641350" y="846250"/>
+              <a:ext cx="63975" cy="105075"/>
+            </a:xfrm>
+            <a:custGeom>
+              <a:avLst/>
+              <a:gdLst/>
+              <a:ahLst/>
+              <a:cxnLst/>
+              <a:rect l="l" t="t" r="r" b="b"/>
+              <a:pathLst>
+                <a:path w="2559" h="4203" extrusionOk="0">
+                  <a:moveTo>
+                    <a:pt x="2112" y="1"/>
+                  </a:moveTo>
+                  <a:lnTo>
+                    <a:pt x="1" y="2111"/>
+                  </a:lnTo>
+                  <a:lnTo>
+                    <a:pt x="2112" y="4202"/>
+                  </a:lnTo>
+                  <a:lnTo>
+                    <a:pt x="2558" y="3756"/>
+                  </a:lnTo>
+                  <a:lnTo>
+                    <a:pt x="894" y="2111"/>
+                  </a:lnTo>
+                  <a:lnTo>
+                    <a:pt x="2558" y="447"/>
+                  </a:lnTo>
+                  <a:lnTo>
+                    <a:pt x="2112" y="1"/>
+                  </a:lnTo>
+                  <a:close/>
+                </a:path>
+              </a:pathLst>
+            </a:custGeom>
+            <a:solidFill>
+              <a:schemeClr val="dk1"/>
+            </a:solidFill>
+            <a:ln>
+              <a:noFill/>
+            </a:ln>
+          </p:spPr>
+          <p:txBody>
+            <a:bodyPr spcFirstLastPara="1" wrap="square" lIns="91425" tIns="91425" rIns="91425" bIns="91425" anchor="ctr" anchorCtr="0">
+              <a:noAutofit/>
+            </a:bodyPr>
+            <a:lstStyle/>
+            <a:p>
+              <a:pPr marL="0" lvl="0" indent="0" algn="l" rtl="0">
+                <a:spcBef>
+                  <a:spcPts val="0"/>
+                </a:spcBef>
+                <a:spcAft>
+                  <a:spcPts val="0"/>
+                </a:spcAft>
+                <a:buNone/>
+              </a:pPr>
+              <a:endParaRPr/>
+            </a:p>
+          </p:txBody>
+        </p:sp>
+      </p:grpSp>
+      <p:grpSp>
+        <p:nvGrpSpPr>
+          <p:cNvPr id="1008" name="Google Shape;1008;p57">
+            <a:extLst>
+              <a:ext uri="{FF2B5EF4-FFF2-40B4-BE49-F238E27FC236}">
+                <a16:creationId xmlns:a16="http://schemas.microsoft.com/office/drawing/2014/main" id="{950AA32D-7D5D-E820-7541-D2AC09B402F3}"/>
+              </a:ext>
+            </a:extLst>
+          </p:cNvPr>
+          <p:cNvGrpSpPr/>
+          <p:nvPr/>
+        </p:nvGrpSpPr>
+        <p:grpSpPr>
+          <a:xfrm rot="10800000">
+            <a:off x="1600212" y="4340107"/>
+            <a:ext cx="537556" cy="136576"/>
+            <a:chOff x="2641350" y="846250"/>
+            <a:chExt cx="413600" cy="105075"/>
+          </a:xfrm>
+        </p:grpSpPr>
+        <p:sp>
+          <p:nvSpPr>
+            <p:cNvPr id="1009" name="Google Shape;1009;p57">
+              <a:extLst>
+                <a:ext uri="{FF2B5EF4-FFF2-40B4-BE49-F238E27FC236}">
+                  <a16:creationId xmlns:a16="http://schemas.microsoft.com/office/drawing/2014/main" id="{915430E1-A129-206B-739A-EA1A405A77C7}"/>
+                </a:ext>
+              </a:extLst>
+            </p:cNvPr>
+            <p:cNvSpPr/>
+            <p:nvPr/>
+          </p:nvSpPr>
+          <p:spPr>
+            <a:xfrm>
+              <a:off x="2991475" y="846250"/>
+              <a:ext cx="63475" cy="105075"/>
+            </a:xfrm>
+            <a:custGeom>
+              <a:avLst/>
+              <a:gdLst/>
+              <a:ahLst/>
+              <a:cxnLst/>
+              <a:rect l="l" t="t" r="r" b="b"/>
+              <a:pathLst>
+                <a:path w="2539" h="4203" extrusionOk="0">
+                  <a:moveTo>
+                    <a:pt x="2092" y="1"/>
+                  </a:moveTo>
+                  <a:lnTo>
+                    <a:pt x="1" y="2111"/>
+                  </a:lnTo>
+                  <a:lnTo>
+                    <a:pt x="2092" y="4202"/>
+                  </a:lnTo>
+                  <a:lnTo>
+                    <a:pt x="2538" y="3756"/>
+                  </a:lnTo>
+                  <a:lnTo>
+                    <a:pt x="874" y="2111"/>
+                  </a:lnTo>
+                  <a:lnTo>
+                    <a:pt x="2538" y="447"/>
+                  </a:lnTo>
+                  <a:lnTo>
+                    <a:pt x="2092" y="1"/>
+                  </a:lnTo>
+                  <a:close/>
+                </a:path>
+              </a:pathLst>
+            </a:custGeom>
+            <a:solidFill>
+              <a:schemeClr val="dk1"/>
+            </a:solidFill>
+            <a:ln>
+              <a:noFill/>
+            </a:ln>
+          </p:spPr>
+          <p:txBody>
+            <a:bodyPr spcFirstLastPara="1" wrap="square" lIns="91425" tIns="91425" rIns="91425" bIns="91425" anchor="ctr" anchorCtr="0">
+              <a:noAutofit/>
+            </a:bodyPr>
+            <a:lstStyle/>
+            <a:p>
+              <a:pPr marL="0" lvl="0" indent="0" algn="l" rtl="0">
+                <a:spcBef>
+                  <a:spcPts val="0"/>
+                </a:spcBef>
+                <a:spcAft>
+                  <a:spcPts val="0"/>
+                </a:spcAft>
+                <a:buNone/>
+              </a:pPr>
+              <a:endParaRPr/>
+            </a:p>
+          </p:txBody>
+        </p:sp>
+        <p:sp>
+          <p:nvSpPr>
+            <p:cNvPr id="1010" name="Google Shape;1010;p57">
+              <a:extLst>
+                <a:ext uri="{FF2B5EF4-FFF2-40B4-BE49-F238E27FC236}">
+                  <a16:creationId xmlns:a16="http://schemas.microsoft.com/office/drawing/2014/main" id="{04FB987F-01A0-8BF1-6FC6-6B29F86069F3}"/>
+                </a:ext>
+              </a:extLst>
+            </p:cNvPr>
+            <p:cNvSpPr/>
+            <p:nvPr/>
+          </p:nvSpPr>
+          <p:spPr>
+            <a:xfrm>
+              <a:off x="2874775" y="846250"/>
+              <a:ext cx="63450" cy="105075"/>
+            </a:xfrm>
+            <a:custGeom>
+              <a:avLst/>
+              <a:gdLst/>
+              <a:ahLst/>
+              <a:cxnLst/>
+              <a:rect l="l" t="t" r="r" b="b"/>
+              <a:pathLst>
+                <a:path w="2538" h="4203" extrusionOk="0">
+                  <a:moveTo>
+                    <a:pt x="2091" y="1"/>
+                  </a:moveTo>
+                  <a:lnTo>
+                    <a:pt x="0" y="2111"/>
+                  </a:lnTo>
+                  <a:lnTo>
+                    <a:pt x="2091" y="4202"/>
+                  </a:lnTo>
+                  <a:lnTo>
+                    <a:pt x="2538" y="3756"/>
+                  </a:lnTo>
+                  <a:lnTo>
+                    <a:pt x="894" y="2111"/>
+                  </a:lnTo>
+                  <a:lnTo>
+                    <a:pt x="2538" y="447"/>
+                  </a:lnTo>
+                  <a:lnTo>
+                    <a:pt x="2091" y="1"/>
+                  </a:lnTo>
+                  <a:close/>
+                </a:path>
+              </a:pathLst>
+            </a:custGeom>
+            <a:solidFill>
+              <a:schemeClr val="dk1"/>
+            </a:solidFill>
+            <a:ln>
+              <a:noFill/>
+            </a:ln>
+          </p:spPr>
+          <p:txBody>
+            <a:bodyPr spcFirstLastPara="1" wrap="square" lIns="91425" tIns="91425" rIns="91425" bIns="91425" anchor="ctr" anchorCtr="0">
+              <a:noAutofit/>
+            </a:bodyPr>
+            <a:lstStyle/>
+            <a:p>
+              <a:pPr marL="0" lvl="0" indent="0" algn="l" rtl="0">
+                <a:spcBef>
+                  <a:spcPts val="0"/>
+                </a:spcBef>
+                <a:spcAft>
+                  <a:spcPts val="0"/>
+                </a:spcAft>
+                <a:buNone/>
+              </a:pPr>
+              <a:endParaRPr/>
+            </a:p>
+          </p:txBody>
+        </p:sp>
+        <p:sp>
+          <p:nvSpPr>
+            <p:cNvPr id="1011" name="Google Shape;1011;p57">
+              <a:extLst>
+                <a:ext uri="{FF2B5EF4-FFF2-40B4-BE49-F238E27FC236}">
+                  <a16:creationId xmlns:a16="http://schemas.microsoft.com/office/drawing/2014/main" id="{EF13BFFA-6A1E-49F9-8B14-19598E5E6E41}"/>
+                </a:ext>
+              </a:extLst>
+            </p:cNvPr>
+            <p:cNvSpPr/>
+            <p:nvPr/>
+          </p:nvSpPr>
+          <p:spPr>
+            <a:xfrm>
+              <a:off x="2758075" y="846250"/>
+              <a:ext cx="63450" cy="105075"/>
+            </a:xfrm>
+            <a:custGeom>
+              <a:avLst/>
+              <a:gdLst/>
+              <a:ahLst/>
+              <a:cxnLst/>
+              <a:rect l="l" t="t" r="r" b="b"/>
+              <a:pathLst>
+                <a:path w="2538" h="4203" extrusionOk="0">
+                  <a:moveTo>
+                    <a:pt x="2111" y="1"/>
+                  </a:moveTo>
+                  <a:lnTo>
+                    <a:pt x="0" y="2111"/>
+                  </a:lnTo>
+                  <a:lnTo>
+                    <a:pt x="2111" y="4202"/>
+                  </a:lnTo>
+                  <a:lnTo>
+                    <a:pt x="2537" y="3756"/>
+                  </a:lnTo>
+                  <a:lnTo>
+                    <a:pt x="893" y="2111"/>
+                  </a:lnTo>
+                  <a:lnTo>
+                    <a:pt x="2537" y="447"/>
+                  </a:lnTo>
+                  <a:lnTo>
+                    <a:pt x="2111" y="1"/>
+                  </a:lnTo>
+                  <a:close/>
+                </a:path>
+              </a:pathLst>
+            </a:custGeom>
+            <a:solidFill>
+              <a:schemeClr val="dk1"/>
+            </a:solidFill>
+            <a:ln>
+              <a:noFill/>
+            </a:ln>
+          </p:spPr>
+          <p:txBody>
+            <a:bodyPr spcFirstLastPara="1" wrap="square" lIns="91425" tIns="91425" rIns="91425" bIns="91425" anchor="ctr" anchorCtr="0">
+              <a:noAutofit/>
+            </a:bodyPr>
+            <a:lstStyle/>
+            <a:p>
+              <a:pPr marL="0" lvl="0" indent="0" algn="l" rtl="0">
+                <a:spcBef>
+                  <a:spcPts val="0"/>
+                </a:spcBef>
+                <a:spcAft>
+                  <a:spcPts val="0"/>
+                </a:spcAft>
+                <a:buNone/>
+              </a:pPr>
+              <a:endParaRPr/>
+            </a:p>
+          </p:txBody>
+        </p:sp>
+        <p:sp>
+          <p:nvSpPr>
+            <p:cNvPr id="1012" name="Google Shape;1012;p57">
+              <a:extLst>
+                <a:ext uri="{FF2B5EF4-FFF2-40B4-BE49-F238E27FC236}">
+                  <a16:creationId xmlns:a16="http://schemas.microsoft.com/office/drawing/2014/main" id="{519E9813-B6DB-CE04-722E-1D734F1CD2DC}"/>
+                </a:ext>
+              </a:extLst>
+            </p:cNvPr>
+            <p:cNvSpPr/>
+            <p:nvPr/>
+          </p:nvSpPr>
+          <p:spPr>
+            <a:xfrm>
+              <a:off x="2641350" y="846250"/>
+              <a:ext cx="63975" cy="105075"/>
+            </a:xfrm>
+            <a:custGeom>
+              <a:avLst/>
+              <a:gdLst/>
+              <a:ahLst/>
+              <a:cxnLst/>
+              <a:rect l="l" t="t" r="r" b="b"/>
+              <a:pathLst>
+                <a:path w="2559" h="4203" extrusionOk="0">
+                  <a:moveTo>
+                    <a:pt x="2112" y="1"/>
+                  </a:moveTo>
+                  <a:lnTo>
+                    <a:pt x="1" y="2111"/>
+                  </a:lnTo>
+                  <a:lnTo>
+                    <a:pt x="2112" y="4202"/>
+                  </a:lnTo>
+                  <a:lnTo>
+                    <a:pt x="2558" y="3756"/>
+                  </a:lnTo>
+                  <a:lnTo>
+                    <a:pt x="894" y="2111"/>
+                  </a:lnTo>
+                  <a:lnTo>
+                    <a:pt x="2558" y="447"/>
+                  </a:lnTo>
+                  <a:lnTo>
+                    <a:pt x="2112" y="1"/>
+                  </a:lnTo>
+                  <a:close/>
+                </a:path>
+              </a:pathLst>
+            </a:custGeom>
+            <a:solidFill>
+              <a:schemeClr val="dk1"/>
+            </a:solidFill>
+            <a:ln>
+              <a:noFill/>
+            </a:ln>
+          </p:spPr>
+          <p:txBody>
+            <a:bodyPr spcFirstLastPara="1" wrap="square" lIns="91425" tIns="91425" rIns="91425" bIns="91425" anchor="ctr" anchorCtr="0">
+              <a:noAutofit/>
+            </a:bodyPr>
+            <a:lstStyle/>
+            <a:p>
+              <a:pPr marL="0" lvl="0" indent="0" algn="l" rtl="0">
+                <a:spcBef>
+                  <a:spcPts val="0"/>
+                </a:spcBef>
+                <a:spcAft>
+                  <a:spcPts val="0"/>
+                </a:spcAft>
+                <a:buNone/>
+              </a:pPr>
+              <a:endParaRPr/>
+            </a:p>
+          </p:txBody>
+        </p:sp>
+      </p:grpSp>
+      <p:cxnSp>
+        <p:nvCxnSpPr>
+          <p:cNvPr id="1013" name="Google Shape;1013;p57">
+            <a:extLst>
+              <a:ext uri="{FF2B5EF4-FFF2-40B4-BE49-F238E27FC236}">
+                <a16:creationId xmlns:a16="http://schemas.microsoft.com/office/drawing/2014/main" id="{B2B8AE69-BF62-20E1-4C69-268F55206B6A}"/>
+              </a:ext>
+            </a:extLst>
+          </p:cNvPr>
+          <p:cNvCxnSpPr/>
+          <p:nvPr/>
+        </p:nvCxnSpPr>
+        <p:spPr>
+          <a:xfrm>
+            <a:off x="722674" y="2685167"/>
+            <a:ext cx="7715700" cy="22200"/>
+          </a:xfrm>
+          <a:prstGeom prst="straightConnector1">
+            <a:avLst/>
+          </a:prstGeom>
+          <a:noFill/>
+          <a:ln w="19050" cap="flat" cmpd="sng">
+            <a:solidFill>
+              <a:schemeClr val="dk1"/>
+            </a:solidFill>
+            <a:prstDash val="solid"/>
+            <a:round/>
+            <a:headEnd type="none" w="med" len="med"/>
+            <a:tailEnd type="none" w="med" len="med"/>
+          </a:ln>
+        </p:spPr>
+      </p:cxnSp>
+      <p:grpSp>
+        <p:nvGrpSpPr>
+          <p:cNvPr id="1014" name="Google Shape;1014;p57">
+            <a:extLst>
+              <a:ext uri="{FF2B5EF4-FFF2-40B4-BE49-F238E27FC236}">
+                <a16:creationId xmlns:a16="http://schemas.microsoft.com/office/drawing/2014/main" id="{19FA9422-97FD-52D0-268A-586345E158E4}"/>
+              </a:ext>
+            </a:extLst>
+          </p:cNvPr>
+          <p:cNvGrpSpPr/>
+          <p:nvPr/>
+        </p:nvGrpSpPr>
+        <p:grpSpPr>
+          <a:xfrm>
+            <a:off x="6984162" y="1490982"/>
+            <a:ext cx="548625" cy="548637"/>
+            <a:chOff x="5648375" y="1427025"/>
+            <a:chExt cx="483200" cy="483125"/>
+          </a:xfrm>
+        </p:grpSpPr>
+        <p:sp>
+          <p:nvSpPr>
+            <p:cNvPr id="1015" name="Google Shape;1015;p57">
+              <a:extLst>
+                <a:ext uri="{FF2B5EF4-FFF2-40B4-BE49-F238E27FC236}">
+                  <a16:creationId xmlns:a16="http://schemas.microsoft.com/office/drawing/2014/main" id="{6CD46A62-A4F5-3780-8858-86AF86326C2C}"/>
+                </a:ext>
+              </a:extLst>
+            </p:cNvPr>
+            <p:cNvSpPr/>
+            <p:nvPr/>
+          </p:nvSpPr>
+          <p:spPr>
+            <a:xfrm>
+              <a:off x="5801075" y="1484625"/>
+              <a:ext cx="177725" cy="162475"/>
+            </a:xfrm>
+            <a:custGeom>
+              <a:avLst/>
+              <a:gdLst/>
+              <a:ahLst/>
+              <a:cxnLst/>
+              <a:rect l="l" t="t" r="r" b="b"/>
+              <a:pathLst>
+                <a:path w="7109" h="6499" extrusionOk="0">
+                  <a:moveTo>
+                    <a:pt x="3554" y="1845"/>
+                  </a:moveTo>
+                  <a:lnTo>
+                    <a:pt x="3920" y="2582"/>
+                  </a:lnTo>
+                  <a:cubicBezTo>
+                    <a:pt x="4001" y="2751"/>
+                    <a:pt x="4161" y="2866"/>
+                    <a:pt x="4345" y="2893"/>
+                  </a:cubicBezTo>
+                  <a:lnTo>
+                    <a:pt x="5158" y="3011"/>
+                  </a:lnTo>
+                  <a:lnTo>
+                    <a:pt x="4569" y="3584"/>
+                  </a:lnTo>
+                  <a:cubicBezTo>
+                    <a:pt x="4436" y="3714"/>
+                    <a:pt x="4376" y="3901"/>
+                    <a:pt x="4406" y="4086"/>
+                  </a:cubicBezTo>
+                  <a:lnTo>
+                    <a:pt x="4545" y="4898"/>
+                  </a:lnTo>
+                  <a:lnTo>
+                    <a:pt x="3820" y="4514"/>
+                  </a:lnTo>
+                  <a:cubicBezTo>
+                    <a:pt x="3737" y="4469"/>
+                    <a:pt x="3646" y="4446"/>
+                    <a:pt x="3555" y="4446"/>
+                  </a:cubicBezTo>
+                  <a:cubicBezTo>
+                    <a:pt x="3464" y="4446"/>
+                    <a:pt x="3373" y="4469"/>
+                    <a:pt x="3292" y="4514"/>
+                  </a:cubicBezTo>
+                  <a:lnTo>
+                    <a:pt x="2561" y="4895"/>
+                  </a:lnTo>
+                  <a:lnTo>
+                    <a:pt x="2703" y="4086"/>
+                  </a:lnTo>
+                  <a:cubicBezTo>
+                    <a:pt x="2733" y="3901"/>
+                    <a:pt x="2673" y="3714"/>
+                    <a:pt x="2540" y="3584"/>
+                  </a:cubicBezTo>
+                  <a:lnTo>
+                    <a:pt x="1951" y="3011"/>
+                  </a:lnTo>
+                  <a:lnTo>
+                    <a:pt x="2763" y="2893"/>
+                  </a:lnTo>
+                  <a:cubicBezTo>
+                    <a:pt x="2947" y="2866"/>
+                    <a:pt x="3107" y="2751"/>
+                    <a:pt x="3192" y="2582"/>
+                  </a:cubicBezTo>
+                  <a:lnTo>
+                    <a:pt x="3554" y="1845"/>
+                  </a:lnTo>
+                  <a:close/>
+                  <a:moveTo>
+                    <a:pt x="3554" y="0"/>
+                  </a:moveTo>
+                  <a:cubicBezTo>
+                    <a:pt x="3353" y="0"/>
+                    <a:pt x="3151" y="106"/>
+                    <a:pt x="3047" y="317"/>
+                  </a:cubicBezTo>
+                  <a:lnTo>
+                    <a:pt x="2307" y="1815"/>
+                  </a:lnTo>
+                  <a:lnTo>
+                    <a:pt x="653" y="2056"/>
+                  </a:lnTo>
+                  <a:cubicBezTo>
+                    <a:pt x="188" y="2123"/>
+                    <a:pt x="0" y="2694"/>
+                    <a:pt x="339" y="3023"/>
+                  </a:cubicBezTo>
+                  <a:lnTo>
+                    <a:pt x="1537" y="4188"/>
+                  </a:lnTo>
+                  <a:lnTo>
+                    <a:pt x="1253" y="5837"/>
+                  </a:lnTo>
+                  <a:cubicBezTo>
+                    <a:pt x="1191" y="6202"/>
+                    <a:pt x="1480" y="6499"/>
+                    <a:pt x="1809" y="6499"/>
+                  </a:cubicBezTo>
+                  <a:cubicBezTo>
+                    <a:pt x="1897" y="6499"/>
+                    <a:pt x="1987" y="6478"/>
+                    <a:pt x="2075" y="6432"/>
+                  </a:cubicBezTo>
+                  <a:lnTo>
+                    <a:pt x="3554" y="5656"/>
+                  </a:lnTo>
+                  <a:lnTo>
+                    <a:pt x="5034" y="6432"/>
+                  </a:lnTo>
+                  <a:cubicBezTo>
+                    <a:pt x="5121" y="6478"/>
+                    <a:pt x="5212" y="6499"/>
+                    <a:pt x="5299" y="6499"/>
+                  </a:cubicBezTo>
+                  <a:cubicBezTo>
+                    <a:pt x="5629" y="6499"/>
+                    <a:pt x="5917" y="6202"/>
+                    <a:pt x="5855" y="5837"/>
+                  </a:cubicBezTo>
+                  <a:lnTo>
+                    <a:pt x="5574" y="4188"/>
+                  </a:lnTo>
+                  <a:lnTo>
+                    <a:pt x="6770" y="3023"/>
+                  </a:lnTo>
+                  <a:cubicBezTo>
+                    <a:pt x="7108" y="2694"/>
+                    <a:pt x="6921" y="2123"/>
+                    <a:pt x="6456" y="2056"/>
+                  </a:cubicBezTo>
+                  <a:lnTo>
+                    <a:pt x="4801" y="1815"/>
+                  </a:lnTo>
+                  <a:lnTo>
+                    <a:pt x="4062" y="317"/>
+                  </a:lnTo>
+                  <a:cubicBezTo>
+                    <a:pt x="3957" y="106"/>
+                    <a:pt x="3756" y="0"/>
+                    <a:pt x="3554" y="0"/>
+                  </a:cubicBezTo>
+                  <a:close/>
+                </a:path>
+              </a:pathLst>
+            </a:custGeom>
+            <a:solidFill>
+              <a:schemeClr val="accent1"/>
+            </a:solidFill>
+            <a:ln>
+              <a:noFill/>
+            </a:ln>
+          </p:spPr>
+          <p:txBody>
+            <a:bodyPr spcFirstLastPara="1" wrap="square" lIns="91425" tIns="91425" rIns="91425" bIns="91425" anchor="ctr" anchorCtr="0">
+              <a:noAutofit/>
+            </a:bodyPr>
+            <a:lstStyle/>
+            <a:p>
+              <a:pPr marL="0" lvl="0" indent="0" algn="l" rtl="0">
+                <a:spcBef>
+                  <a:spcPts val="0"/>
+                </a:spcBef>
+                <a:spcAft>
+                  <a:spcPts val="0"/>
+                </a:spcAft>
+                <a:buNone/>
+              </a:pPr>
+              <a:endParaRPr>
+                <a:solidFill>
+                  <a:srgbClr val="435D74"/>
+                </a:solidFill>
+              </a:endParaRPr>
+            </a:p>
+          </p:txBody>
+        </p:sp>
+        <p:sp>
+          <p:nvSpPr>
+            <p:cNvPr id="1016" name="Google Shape;1016;p57">
+              <a:extLst>
+                <a:ext uri="{FF2B5EF4-FFF2-40B4-BE49-F238E27FC236}">
+                  <a16:creationId xmlns:a16="http://schemas.microsoft.com/office/drawing/2014/main" id="{9641B30D-FFF9-1CF7-B277-F6283D4FFC2F}"/>
+                </a:ext>
+              </a:extLst>
+            </p:cNvPr>
+            <p:cNvSpPr/>
+            <p:nvPr/>
+          </p:nvSpPr>
+          <p:spPr>
+            <a:xfrm>
+              <a:off x="5648375" y="1427025"/>
+              <a:ext cx="483200" cy="483125"/>
+            </a:xfrm>
+            <a:custGeom>
+              <a:avLst/>
+              <a:gdLst/>
+              <a:ahLst/>
+              <a:cxnLst/>
+              <a:rect l="l" t="t" r="r" b="b"/>
+              <a:pathLst>
+                <a:path w="19328" h="19325" extrusionOk="0">
+                  <a:moveTo>
+                    <a:pt x="2265" y="2304"/>
+                  </a:moveTo>
+                  <a:cubicBezTo>
+                    <a:pt x="2890" y="2304"/>
+                    <a:pt x="3397" y="2808"/>
+                    <a:pt x="3397" y="3437"/>
+                  </a:cubicBezTo>
+                  <a:lnTo>
+                    <a:pt x="3397" y="7398"/>
+                  </a:lnTo>
+                  <a:lnTo>
+                    <a:pt x="3397" y="7474"/>
+                  </a:lnTo>
+                  <a:lnTo>
+                    <a:pt x="1637" y="6299"/>
+                  </a:lnTo>
+                  <a:cubicBezTo>
+                    <a:pt x="1320" y="6088"/>
+                    <a:pt x="1129" y="5734"/>
+                    <a:pt x="1132" y="5357"/>
+                  </a:cubicBezTo>
+                  <a:lnTo>
+                    <a:pt x="1132" y="3437"/>
+                  </a:lnTo>
+                  <a:cubicBezTo>
+                    <a:pt x="1132" y="2808"/>
+                    <a:pt x="1640" y="2304"/>
+                    <a:pt x="2265" y="2304"/>
+                  </a:cubicBezTo>
+                  <a:close/>
+                  <a:moveTo>
+                    <a:pt x="17060" y="2304"/>
+                  </a:moveTo>
+                  <a:cubicBezTo>
+                    <a:pt x="17685" y="2304"/>
+                    <a:pt x="18192" y="2808"/>
+                    <a:pt x="18192" y="3437"/>
+                  </a:cubicBezTo>
+                  <a:lnTo>
+                    <a:pt x="18192" y="5357"/>
+                  </a:lnTo>
+                  <a:cubicBezTo>
+                    <a:pt x="18192" y="5737"/>
+                    <a:pt x="18005" y="6091"/>
+                    <a:pt x="17688" y="6302"/>
+                  </a:cubicBezTo>
+                  <a:lnTo>
+                    <a:pt x="15928" y="7474"/>
+                  </a:lnTo>
+                  <a:lnTo>
+                    <a:pt x="15928" y="7398"/>
+                  </a:lnTo>
+                  <a:lnTo>
+                    <a:pt x="15928" y="3437"/>
+                  </a:lnTo>
+                  <a:cubicBezTo>
+                    <a:pt x="15928" y="2808"/>
+                    <a:pt x="16435" y="2304"/>
+                    <a:pt x="17060" y="2304"/>
+                  </a:cubicBezTo>
+                  <a:close/>
+                  <a:moveTo>
+                    <a:pt x="14795" y="1133"/>
+                  </a:moveTo>
+                  <a:lnTo>
+                    <a:pt x="14795" y="7398"/>
+                  </a:lnTo>
+                  <a:cubicBezTo>
+                    <a:pt x="14795" y="8763"/>
+                    <a:pt x="14095" y="9641"/>
+                    <a:pt x="12120" y="10759"/>
+                  </a:cubicBezTo>
+                  <a:cubicBezTo>
+                    <a:pt x="11069" y="11354"/>
+                    <a:pt x="10372" y="12422"/>
+                    <a:pt x="10248" y="13627"/>
+                  </a:cubicBezTo>
+                  <a:lnTo>
+                    <a:pt x="9058" y="13627"/>
+                  </a:lnTo>
+                  <a:cubicBezTo>
+                    <a:pt x="8877" y="12368"/>
+                    <a:pt x="8041" y="11269"/>
+                    <a:pt x="6791" y="10686"/>
+                  </a:cubicBezTo>
+                  <a:cubicBezTo>
+                    <a:pt x="5332" y="10007"/>
+                    <a:pt x="4529" y="8835"/>
+                    <a:pt x="4529" y="7398"/>
+                  </a:cubicBezTo>
+                  <a:lnTo>
+                    <a:pt x="4529" y="1133"/>
+                  </a:lnTo>
+                  <a:close/>
+                  <a:moveTo>
+                    <a:pt x="11927" y="14759"/>
+                  </a:moveTo>
+                  <a:cubicBezTo>
+                    <a:pt x="12241" y="14759"/>
+                    <a:pt x="12495" y="15010"/>
+                    <a:pt x="12495" y="15324"/>
+                  </a:cubicBezTo>
+                  <a:lnTo>
+                    <a:pt x="12495" y="15892"/>
+                  </a:lnTo>
+                  <a:lnTo>
+                    <a:pt x="10795" y="15892"/>
+                  </a:lnTo>
+                  <a:cubicBezTo>
+                    <a:pt x="10481" y="15892"/>
+                    <a:pt x="10230" y="16142"/>
+                    <a:pt x="10230" y="16456"/>
+                  </a:cubicBezTo>
+                  <a:cubicBezTo>
+                    <a:pt x="10230" y="16770"/>
+                    <a:pt x="10481" y="17024"/>
+                    <a:pt x="10795" y="17024"/>
+                  </a:cubicBezTo>
+                  <a:lnTo>
+                    <a:pt x="13059" y="17024"/>
+                  </a:lnTo>
+                  <a:cubicBezTo>
+                    <a:pt x="13373" y="17024"/>
+                    <a:pt x="13627" y="17275"/>
+                    <a:pt x="13627" y="17589"/>
+                  </a:cubicBezTo>
+                  <a:lnTo>
+                    <a:pt x="13627" y="18193"/>
+                  </a:lnTo>
+                  <a:lnTo>
+                    <a:pt x="5701" y="18193"/>
+                  </a:lnTo>
+                  <a:lnTo>
+                    <a:pt x="5701" y="17589"/>
+                  </a:lnTo>
+                  <a:cubicBezTo>
+                    <a:pt x="5701" y="17275"/>
+                    <a:pt x="5951" y="17024"/>
+                    <a:pt x="6265" y="17024"/>
+                  </a:cubicBezTo>
+                  <a:lnTo>
+                    <a:pt x="8530" y="17024"/>
+                  </a:lnTo>
+                  <a:cubicBezTo>
+                    <a:pt x="8844" y="17024"/>
+                    <a:pt x="9095" y="16770"/>
+                    <a:pt x="9095" y="16456"/>
+                  </a:cubicBezTo>
+                  <a:cubicBezTo>
+                    <a:pt x="9095" y="16142"/>
+                    <a:pt x="8844" y="15892"/>
+                    <a:pt x="8530" y="15892"/>
+                  </a:cubicBezTo>
+                  <a:lnTo>
+                    <a:pt x="6833" y="15892"/>
+                  </a:lnTo>
+                  <a:lnTo>
+                    <a:pt x="6833" y="15324"/>
+                  </a:lnTo>
+                  <a:cubicBezTo>
+                    <a:pt x="6833" y="15010"/>
+                    <a:pt x="7084" y="14759"/>
+                    <a:pt x="7398" y="14759"/>
+                  </a:cubicBezTo>
+                  <a:close/>
+                  <a:moveTo>
+                    <a:pt x="3965" y="0"/>
+                  </a:moveTo>
+                  <a:cubicBezTo>
+                    <a:pt x="3651" y="0"/>
+                    <a:pt x="3397" y="254"/>
+                    <a:pt x="3397" y="568"/>
+                  </a:cubicBezTo>
+                  <a:lnTo>
+                    <a:pt x="3397" y="1474"/>
+                  </a:lnTo>
+                  <a:cubicBezTo>
+                    <a:pt x="3032" y="1264"/>
+                    <a:pt x="2645" y="1168"/>
+                    <a:pt x="2269" y="1168"/>
+                  </a:cubicBezTo>
+                  <a:cubicBezTo>
+                    <a:pt x="1086" y="1168"/>
+                    <a:pt x="0" y="2113"/>
+                    <a:pt x="0" y="3437"/>
+                  </a:cubicBezTo>
+                  <a:lnTo>
+                    <a:pt x="0" y="5357"/>
+                  </a:lnTo>
+                  <a:cubicBezTo>
+                    <a:pt x="0" y="6115"/>
+                    <a:pt x="378" y="6821"/>
+                    <a:pt x="1009" y="7241"/>
+                  </a:cubicBezTo>
+                  <a:lnTo>
+                    <a:pt x="3651" y="9001"/>
+                  </a:lnTo>
+                  <a:cubicBezTo>
+                    <a:pt x="3663" y="9010"/>
+                    <a:pt x="3678" y="9019"/>
+                    <a:pt x="3690" y="9026"/>
+                  </a:cubicBezTo>
+                  <a:cubicBezTo>
+                    <a:pt x="4125" y="10170"/>
+                    <a:pt x="5027" y="11112"/>
+                    <a:pt x="6314" y="11710"/>
+                  </a:cubicBezTo>
+                  <a:cubicBezTo>
+                    <a:pt x="7156" y="12105"/>
+                    <a:pt x="7736" y="12812"/>
+                    <a:pt x="7911" y="13627"/>
+                  </a:cubicBezTo>
+                  <a:lnTo>
+                    <a:pt x="7398" y="13627"/>
+                  </a:lnTo>
+                  <a:cubicBezTo>
+                    <a:pt x="6459" y="13627"/>
+                    <a:pt x="5701" y="14385"/>
+                    <a:pt x="5701" y="15324"/>
+                  </a:cubicBezTo>
+                  <a:lnTo>
+                    <a:pt x="5701" y="15988"/>
+                  </a:lnTo>
+                  <a:cubicBezTo>
+                    <a:pt x="5021" y="16227"/>
+                    <a:pt x="4569" y="16870"/>
+                    <a:pt x="4569" y="17589"/>
+                  </a:cubicBezTo>
+                  <a:lnTo>
+                    <a:pt x="4569" y="18760"/>
+                  </a:lnTo>
+                  <a:cubicBezTo>
+                    <a:pt x="4569" y="19071"/>
+                    <a:pt x="4819" y="19325"/>
+                    <a:pt x="5133" y="19325"/>
+                  </a:cubicBezTo>
+                  <a:lnTo>
+                    <a:pt x="14191" y="19325"/>
+                  </a:lnTo>
+                  <a:cubicBezTo>
+                    <a:pt x="14506" y="19325"/>
+                    <a:pt x="14759" y="19071"/>
+                    <a:pt x="14759" y="18760"/>
+                  </a:cubicBezTo>
+                  <a:lnTo>
+                    <a:pt x="14759" y="17589"/>
+                  </a:lnTo>
+                  <a:cubicBezTo>
+                    <a:pt x="14756" y="16870"/>
+                    <a:pt x="14303" y="16227"/>
+                    <a:pt x="13627" y="15988"/>
+                  </a:cubicBezTo>
+                  <a:lnTo>
+                    <a:pt x="13627" y="15324"/>
+                  </a:lnTo>
+                  <a:cubicBezTo>
+                    <a:pt x="13624" y="14385"/>
+                    <a:pt x="12866" y="13627"/>
+                    <a:pt x="11927" y="13627"/>
+                  </a:cubicBezTo>
+                  <a:lnTo>
+                    <a:pt x="11389" y="13627"/>
+                  </a:lnTo>
+                  <a:cubicBezTo>
+                    <a:pt x="11507" y="12833"/>
+                    <a:pt x="11981" y="12139"/>
+                    <a:pt x="12679" y="11743"/>
+                  </a:cubicBezTo>
+                  <a:cubicBezTo>
+                    <a:pt x="14044" y="10973"/>
+                    <a:pt x="15088" y="10170"/>
+                    <a:pt x="15593" y="9047"/>
+                  </a:cubicBezTo>
+                  <a:cubicBezTo>
+                    <a:pt x="15623" y="9035"/>
+                    <a:pt x="15650" y="9019"/>
+                    <a:pt x="15677" y="9001"/>
+                  </a:cubicBezTo>
+                  <a:lnTo>
+                    <a:pt x="18319" y="7241"/>
+                  </a:lnTo>
+                  <a:cubicBezTo>
+                    <a:pt x="18947" y="6821"/>
+                    <a:pt x="19328" y="6115"/>
+                    <a:pt x="19328" y="5357"/>
+                  </a:cubicBezTo>
+                  <a:lnTo>
+                    <a:pt x="19328" y="3437"/>
+                  </a:lnTo>
+                  <a:cubicBezTo>
+                    <a:pt x="19325" y="2113"/>
+                    <a:pt x="18239" y="1168"/>
+                    <a:pt x="17057" y="1168"/>
+                  </a:cubicBezTo>
+                  <a:cubicBezTo>
+                    <a:pt x="16681" y="1168"/>
+                    <a:pt x="16295" y="1264"/>
+                    <a:pt x="15931" y="1474"/>
+                  </a:cubicBezTo>
+                  <a:lnTo>
+                    <a:pt x="15931" y="568"/>
+                  </a:lnTo>
+                  <a:cubicBezTo>
+                    <a:pt x="15931" y="254"/>
+                    <a:pt x="15677" y="0"/>
+                    <a:pt x="15363" y="0"/>
+                  </a:cubicBezTo>
+                  <a:close/>
+                </a:path>
+              </a:pathLst>
+            </a:custGeom>
+            <a:solidFill>
+              <a:schemeClr val="accent1"/>
+            </a:solidFill>
+            <a:ln>
+              <a:noFill/>
+            </a:ln>
+          </p:spPr>
+          <p:txBody>
+            <a:bodyPr spcFirstLastPara="1" wrap="square" lIns="91425" tIns="91425" rIns="91425" bIns="91425" anchor="ctr" anchorCtr="0">
+              <a:noAutofit/>
+            </a:bodyPr>
+            <a:lstStyle/>
+            <a:p>
+              <a:pPr marL="0" lvl="0" indent="0" algn="l" rtl="0">
+                <a:spcBef>
+                  <a:spcPts val="0"/>
+                </a:spcBef>
+                <a:spcAft>
+                  <a:spcPts val="0"/>
+                </a:spcAft>
+                <a:buNone/>
+              </a:pPr>
+              <a:endParaRPr>
+                <a:solidFill>
+                  <a:srgbClr val="435D74"/>
+                </a:solidFill>
+              </a:endParaRPr>
+            </a:p>
+          </p:txBody>
+        </p:sp>
+      </p:grpSp>
+      <p:sp>
+        <p:nvSpPr>
+          <p:cNvPr id="1017" name="Google Shape;1017;p57">
+            <a:extLst>
+              <a:ext uri="{FF2B5EF4-FFF2-40B4-BE49-F238E27FC236}">
+                <a16:creationId xmlns:a16="http://schemas.microsoft.com/office/drawing/2014/main" id="{FA131EE5-BC9C-78CF-D4ED-F4FA8FE3D50C}"/>
+              </a:ext>
+            </a:extLst>
+          </p:cNvPr>
+          <p:cNvSpPr/>
+          <p:nvPr/>
+        </p:nvSpPr>
+        <p:spPr>
+          <a:xfrm>
+            <a:off x="1643982" y="1490992"/>
+            <a:ext cx="493786" cy="548617"/>
+          </a:xfrm>
+          <a:custGeom>
+            <a:avLst/>
+            <a:gdLst/>
+            <a:ahLst/>
+            <a:cxnLst/>
+            <a:rect l="l" t="t" r="r" b="b"/>
+            <a:pathLst>
+              <a:path w="17058" h="19326" extrusionOk="0">
+                <a:moveTo>
+                  <a:pt x="15013" y="2021"/>
+                </a:moveTo>
+                <a:lnTo>
+                  <a:pt x="11577" y="5741"/>
+                </a:lnTo>
+                <a:cubicBezTo>
+                  <a:pt x="11378" y="5958"/>
+                  <a:pt x="11378" y="6290"/>
+                  <a:pt x="11577" y="6507"/>
+                </a:cubicBezTo>
+                <a:lnTo>
+                  <a:pt x="15013" y="10230"/>
+                </a:lnTo>
+                <a:lnTo>
+                  <a:pt x="3195" y="10230"/>
+                </a:lnTo>
+                <a:lnTo>
+                  <a:pt x="3195" y="2021"/>
+                </a:lnTo>
+                <a:close/>
+                <a:moveTo>
+                  <a:pt x="1716" y="1133"/>
+                </a:moveTo>
+                <a:cubicBezTo>
+                  <a:pt x="1906" y="1136"/>
+                  <a:pt x="2060" y="1290"/>
+                  <a:pt x="2063" y="1480"/>
+                </a:cubicBezTo>
+                <a:lnTo>
+                  <a:pt x="2063" y="17846"/>
+                </a:lnTo>
+                <a:cubicBezTo>
+                  <a:pt x="2060" y="18036"/>
+                  <a:pt x="1906" y="18190"/>
+                  <a:pt x="1716" y="18193"/>
+                </a:cubicBezTo>
+                <a:lnTo>
+                  <a:pt x="1483" y="18193"/>
+                </a:lnTo>
+                <a:cubicBezTo>
+                  <a:pt x="1290" y="18190"/>
+                  <a:pt x="1136" y="18036"/>
+                  <a:pt x="1133" y="17846"/>
+                </a:cubicBezTo>
+                <a:lnTo>
+                  <a:pt x="1133" y="1480"/>
+                </a:lnTo>
+                <a:cubicBezTo>
+                  <a:pt x="1136" y="1290"/>
+                  <a:pt x="1290" y="1136"/>
+                  <a:pt x="1483" y="1133"/>
+                </a:cubicBezTo>
+                <a:close/>
+                <a:moveTo>
+                  <a:pt x="1483" y="1"/>
+                </a:moveTo>
+                <a:cubicBezTo>
+                  <a:pt x="665" y="1"/>
+                  <a:pt x="4" y="665"/>
+                  <a:pt x="1" y="1480"/>
+                </a:cubicBezTo>
+                <a:lnTo>
+                  <a:pt x="1" y="17846"/>
+                </a:lnTo>
+                <a:cubicBezTo>
+                  <a:pt x="4" y="18661"/>
+                  <a:pt x="665" y="19325"/>
+                  <a:pt x="1483" y="19325"/>
+                </a:cubicBezTo>
+                <a:lnTo>
+                  <a:pt x="1716" y="19325"/>
+                </a:lnTo>
+                <a:cubicBezTo>
+                  <a:pt x="2531" y="19325"/>
+                  <a:pt x="3195" y="18661"/>
+                  <a:pt x="3195" y="17846"/>
+                </a:cubicBezTo>
+                <a:lnTo>
+                  <a:pt x="3195" y="11363"/>
+                </a:lnTo>
+                <a:lnTo>
+                  <a:pt x="16306" y="11363"/>
+                </a:lnTo>
+                <a:cubicBezTo>
+                  <a:pt x="16801" y="11360"/>
+                  <a:pt x="17058" y="10774"/>
+                  <a:pt x="16722" y="10412"/>
+                </a:cubicBezTo>
+                <a:lnTo>
+                  <a:pt x="12764" y="6124"/>
+                </a:lnTo>
+                <a:lnTo>
+                  <a:pt x="16722" y="1836"/>
+                </a:lnTo>
+                <a:cubicBezTo>
+                  <a:pt x="16873" y="1673"/>
+                  <a:pt x="16916" y="1432"/>
+                  <a:pt x="16825" y="1226"/>
+                </a:cubicBezTo>
+                <a:cubicBezTo>
+                  <a:pt x="16734" y="1021"/>
+                  <a:pt x="16532" y="885"/>
+                  <a:pt x="16306" y="885"/>
+                </a:cubicBezTo>
+                <a:lnTo>
+                  <a:pt x="3071" y="885"/>
+                </a:lnTo>
+                <a:cubicBezTo>
+                  <a:pt x="2833" y="348"/>
+                  <a:pt x="2302" y="1"/>
+                  <a:pt x="1716" y="1"/>
+                </a:cubicBezTo>
+                <a:close/>
+              </a:path>
+            </a:pathLst>
+          </a:custGeom>
+          <a:solidFill>
+            <a:schemeClr val="accent1"/>
+          </a:solidFill>
+          <a:ln>
+            <a:noFill/>
+          </a:ln>
+        </p:spPr>
+        <p:txBody>
+          <a:bodyPr spcFirstLastPara="1" wrap="square" lIns="91425" tIns="91425" rIns="91425" bIns="91425" anchor="ctr" anchorCtr="0">
+            <a:noAutofit/>
+          </a:bodyPr>
+          <a:lstStyle/>
+          <a:p>
+            <a:pPr marL="0" lvl="0" indent="0" algn="l" rtl="0">
+              <a:spcBef>
+                <a:spcPts val="0"/>
+              </a:spcBef>
+              <a:spcAft>
+                <a:spcPts val="0"/>
+              </a:spcAft>
+              <a:buNone/>
+            </a:pPr>
+            <a:endParaRPr>
+              <a:solidFill>
+                <a:srgbClr val="435D74"/>
+              </a:solidFill>
+            </a:endParaRPr>
+          </a:p>
+        </p:txBody>
+      </p:sp>
+      <p:sp>
+        <p:nvSpPr>
+          <p:cNvPr id="1018" name="Google Shape;1018;p57">
+            <a:extLst>
+              <a:ext uri="{FF2B5EF4-FFF2-40B4-BE49-F238E27FC236}">
+                <a16:creationId xmlns:a16="http://schemas.microsoft.com/office/drawing/2014/main" id="{8D190F3F-A550-B669-E7B2-7B27896F7D7B}"/>
+              </a:ext>
+            </a:extLst>
+          </p:cNvPr>
+          <p:cNvSpPr/>
+          <p:nvPr/>
+        </p:nvSpPr>
+        <p:spPr>
+          <a:xfrm>
+            <a:off x="4272922" y="1490972"/>
+            <a:ext cx="603507" cy="548657"/>
+          </a:xfrm>
+          <a:custGeom>
+            <a:avLst/>
+            <a:gdLst/>
+            <a:ahLst/>
+            <a:cxnLst/>
+            <a:rect l="l" t="t" r="r" b="b"/>
+            <a:pathLst>
+              <a:path w="19655" h="18246" extrusionOk="0">
+                <a:moveTo>
+                  <a:pt x="9829" y="1835"/>
+                </a:moveTo>
+                <a:lnTo>
+                  <a:pt x="12133" y="6452"/>
+                </a:lnTo>
+                <a:cubicBezTo>
+                  <a:pt x="12218" y="6618"/>
+                  <a:pt x="12375" y="6733"/>
+                  <a:pt x="12559" y="6760"/>
+                </a:cubicBezTo>
+                <a:lnTo>
+                  <a:pt x="17698" y="7500"/>
+                </a:lnTo>
+                <a:lnTo>
+                  <a:pt x="13984" y="11078"/>
+                </a:lnTo>
+                <a:cubicBezTo>
+                  <a:pt x="13848" y="11211"/>
+                  <a:pt x="13788" y="11398"/>
+                  <a:pt x="13821" y="11582"/>
+                </a:cubicBezTo>
+                <a:lnTo>
+                  <a:pt x="14700" y="16646"/>
+                </a:lnTo>
+                <a:lnTo>
+                  <a:pt x="10092" y="14251"/>
+                </a:lnTo>
+                <a:cubicBezTo>
+                  <a:pt x="10009" y="14209"/>
+                  <a:pt x="9919" y="14188"/>
+                  <a:pt x="9830" y="14188"/>
+                </a:cubicBezTo>
+                <a:cubicBezTo>
+                  <a:pt x="9740" y="14188"/>
+                  <a:pt x="9651" y="14209"/>
+                  <a:pt x="9570" y="14251"/>
+                </a:cubicBezTo>
+                <a:lnTo>
+                  <a:pt x="4962" y="16646"/>
+                </a:lnTo>
+                <a:lnTo>
+                  <a:pt x="5838" y="11582"/>
+                </a:lnTo>
+                <a:cubicBezTo>
+                  <a:pt x="5871" y="11398"/>
+                  <a:pt x="5810" y="11208"/>
+                  <a:pt x="5674" y="11078"/>
+                </a:cubicBezTo>
+                <a:lnTo>
+                  <a:pt x="1961" y="7500"/>
+                </a:lnTo>
+                <a:lnTo>
+                  <a:pt x="7100" y="6760"/>
+                </a:lnTo>
+                <a:cubicBezTo>
+                  <a:pt x="7284" y="6733"/>
+                  <a:pt x="7441" y="6618"/>
+                  <a:pt x="7525" y="6452"/>
+                </a:cubicBezTo>
+                <a:lnTo>
+                  <a:pt x="9829" y="1835"/>
+                </a:lnTo>
+                <a:close/>
+                <a:moveTo>
+                  <a:pt x="9828" y="1"/>
+                </a:moveTo>
+                <a:cubicBezTo>
+                  <a:pt x="9627" y="1"/>
+                  <a:pt x="9426" y="105"/>
+                  <a:pt x="9322" y="313"/>
+                </a:cubicBezTo>
+                <a:lnTo>
+                  <a:pt x="6641" y="5682"/>
+                </a:lnTo>
+                <a:lnTo>
+                  <a:pt x="653" y="6543"/>
+                </a:lnTo>
+                <a:cubicBezTo>
+                  <a:pt x="188" y="6609"/>
+                  <a:pt x="1" y="7183"/>
+                  <a:pt x="339" y="7509"/>
+                </a:cubicBezTo>
+                <a:lnTo>
+                  <a:pt x="4672" y="11685"/>
+                </a:lnTo>
+                <a:lnTo>
+                  <a:pt x="3648" y="17579"/>
+                </a:lnTo>
+                <a:cubicBezTo>
+                  <a:pt x="3584" y="17947"/>
+                  <a:pt x="3875" y="18245"/>
+                  <a:pt x="4207" y="18245"/>
+                </a:cubicBezTo>
+                <a:cubicBezTo>
+                  <a:pt x="4293" y="18245"/>
+                  <a:pt x="4383" y="18225"/>
+                  <a:pt x="4470" y="18180"/>
+                </a:cubicBezTo>
+                <a:lnTo>
+                  <a:pt x="9829" y="15393"/>
+                </a:lnTo>
+                <a:lnTo>
+                  <a:pt x="15189" y="18180"/>
+                </a:lnTo>
+                <a:cubicBezTo>
+                  <a:pt x="15275" y="18225"/>
+                  <a:pt x="15365" y="18245"/>
+                  <a:pt x="15452" y="18245"/>
+                </a:cubicBezTo>
+                <a:cubicBezTo>
+                  <a:pt x="15782" y="18245"/>
+                  <a:pt x="16072" y="17948"/>
+                  <a:pt x="16007" y="17582"/>
+                </a:cubicBezTo>
+                <a:lnTo>
+                  <a:pt x="14986" y="11685"/>
+                </a:lnTo>
+                <a:lnTo>
+                  <a:pt x="19316" y="7512"/>
+                </a:lnTo>
+                <a:cubicBezTo>
+                  <a:pt x="19655" y="7183"/>
+                  <a:pt x="19470" y="6609"/>
+                  <a:pt x="19005" y="6543"/>
+                </a:cubicBezTo>
+                <a:lnTo>
+                  <a:pt x="13015" y="5682"/>
+                </a:lnTo>
+                <a:lnTo>
+                  <a:pt x="10333" y="313"/>
+                </a:lnTo>
+                <a:cubicBezTo>
+                  <a:pt x="10229" y="105"/>
+                  <a:pt x="10029" y="1"/>
+                  <a:pt x="9828" y="1"/>
+                </a:cubicBezTo>
+                <a:close/>
+              </a:path>
+            </a:pathLst>
+          </a:custGeom>
+          <a:solidFill>
+            <a:schemeClr val="accent1"/>
+          </a:solidFill>
+          <a:ln>
+            <a:noFill/>
+          </a:ln>
+        </p:spPr>
+        <p:txBody>
+          <a:bodyPr spcFirstLastPara="1" wrap="square" lIns="91425" tIns="91425" rIns="91425" bIns="91425" anchor="ctr" anchorCtr="0">
+            <a:noAutofit/>
+          </a:bodyPr>
+          <a:lstStyle/>
+          <a:p>
+            <a:pPr marL="0" lvl="0" indent="0" algn="l" rtl="0">
+              <a:spcBef>
+                <a:spcPts val="0"/>
+              </a:spcBef>
+              <a:spcAft>
+                <a:spcPts val="0"/>
+              </a:spcAft>
+              <a:buNone/>
+            </a:pPr>
+            <a:endParaRPr>
+              <a:solidFill>
+                <a:srgbClr val="435D74"/>
+              </a:solidFill>
+            </a:endParaRPr>
+          </a:p>
+        </p:txBody>
+      </p:sp>
+      <p:sp>
+        <p:nvSpPr>
+          <p:cNvPr id="1019" name="Google Shape;1019;p57">
+            <a:extLst>
+              <a:ext uri="{FF2B5EF4-FFF2-40B4-BE49-F238E27FC236}">
+                <a16:creationId xmlns:a16="http://schemas.microsoft.com/office/drawing/2014/main" id="{77E8BC41-260E-ED7E-917C-037419AF8A33}"/>
+              </a:ext>
+            </a:extLst>
+          </p:cNvPr>
+          <p:cNvSpPr/>
+          <p:nvPr/>
+        </p:nvSpPr>
+        <p:spPr>
+          <a:xfrm>
+            <a:off x="1484375" y="1860198"/>
+            <a:ext cx="401700" cy="401700"/>
+          </a:xfrm>
+          <a:prstGeom prst="ellipse">
+            <a:avLst/>
+          </a:prstGeom>
+          <a:solidFill>
+            <a:srgbClr val="718AC6">
+              <a:alpha val="38390"/>
+            </a:srgbClr>
+          </a:solidFill>
+          <a:ln>
+            <a:noFill/>
+          </a:ln>
+        </p:spPr>
+        <p:txBody>
+          <a:bodyPr spcFirstLastPara="1" wrap="square" lIns="91425" tIns="91425" rIns="91425" bIns="91425" anchor="ctr" anchorCtr="0">
+            <a:noAutofit/>
+          </a:bodyPr>
+          <a:lstStyle/>
+          <a:p>
+            <a:pPr marL="0" lvl="0" indent="0" algn="l" rtl="0">
+              <a:spcBef>
+                <a:spcPts val="0"/>
+              </a:spcBef>
+              <a:spcAft>
+                <a:spcPts val="0"/>
+              </a:spcAft>
+              <a:buNone/>
+            </a:pPr>
+            <a:endParaRPr/>
+          </a:p>
+        </p:txBody>
+      </p:sp>
+      <p:sp>
+        <p:nvSpPr>
+          <p:cNvPr id="1020" name="Google Shape;1020;p57">
+            <a:extLst>
+              <a:ext uri="{FF2B5EF4-FFF2-40B4-BE49-F238E27FC236}">
+                <a16:creationId xmlns:a16="http://schemas.microsoft.com/office/drawing/2014/main" id="{4456C8F3-509B-3423-F55F-B7C013790ED6}"/>
+              </a:ext>
+            </a:extLst>
+          </p:cNvPr>
+          <p:cNvSpPr/>
+          <p:nvPr/>
+        </p:nvSpPr>
+        <p:spPr>
+          <a:xfrm>
+            <a:off x="4360117" y="1388348"/>
+            <a:ext cx="401700" cy="401700"/>
+          </a:xfrm>
+          <a:prstGeom prst="ellipse">
+            <a:avLst/>
+          </a:prstGeom>
+          <a:solidFill>
+            <a:srgbClr val="718AC6">
+              <a:alpha val="38390"/>
+            </a:srgbClr>
+          </a:solidFill>
+          <a:ln>
+            <a:noFill/>
+          </a:ln>
+        </p:spPr>
+        <p:txBody>
+          <a:bodyPr spcFirstLastPara="1" wrap="square" lIns="91425" tIns="91425" rIns="91425" bIns="91425" anchor="ctr" anchorCtr="0">
+            <a:noAutofit/>
+          </a:bodyPr>
+          <a:lstStyle/>
+          <a:p>
+            <a:pPr marL="0" lvl="0" indent="0" algn="l" rtl="0">
+              <a:spcBef>
+                <a:spcPts val="0"/>
+              </a:spcBef>
+              <a:spcAft>
+                <a:spcPts val="0"/>
+              </a:spcAft>
+              <a:buNone/>
+            </a:pPr>
+            <a:endParaRPr/>
+          </a:p>
+        </p:txBody>
+      </p:sp>
+      <p:sp>
+        <p:nvSpPr>
+          <p:cNvPr id="1021" name="Google Shape;1021;p57">
+            <a:extLst>
+              <a:ext uri="{FF2B5EF4-FFF2-40B4-BE49-F238E27FC236}">
+                <a16:creationId xmlns:a16="http://schemas.microsoft.com/office/drawing/2014/main" id="{66598B6B-A63C-5D52-4CCA-B5F20E3AA7BD}"/>
+              </a:ext>
+            </a:extLst>
+          </p:cNvPr>
+          <p:cNvSpPr/>
+          <p:nvPr/>
+        </p:nvSpPr>
+        <p:spPr>
+          <a:xfrm>
+            <a:off x="7057617" y="1462407"/>
+            <a:ext cx="401700" cy="401700"/>
+          </a:xfrm>
+          <a:prstGeom prst="ellipse">
+            <a:avLst/>
+          </a:prstGeom>
+          <a:solidFill>
+            <a:srgbClr val="718AC6">
+              <a:alpha val="38390"/>
+            </a:srgbClr>
+          </a:solidFill>
+          <a:ln>
+            <a:noFill/>
+          </a:ln>
+        </p:spPr>
+        <p:txBody>
+          <a:bodyPr spcFirstLastPara="1" wrap="square" lIns="91425" tIns="91425" rIns="91425" bIns="91425" anchor="ctr" anchorCtr="0">
+            <a:noAutofit/>
+          </a:bodyPr>
+          <a:lstStyle/>
+          <a:p>
+            <a:pPr marL="0" lvl="0" indent="0" algn="l" rtl="0">
+              <a:spcBef>
+                <a:spcPts val="0"/>
+              </a:spcBef>
+              <a:spcAft>
+                <a:spcPts val="0"/>
+              </a:spcAft>
+              <a:buNone/>
+            </a:pPr>
+            <a:endParaRPr/>
+          </a:p>
+        </p:txBody>
+      </p:sp>
+    </p:spTree>
+    <p:extLst>
+      <p:ext uri="{BB962C8B-B14F-4D97-AF65-F5344CB8AC3E}">
+        <p14:creationId xmlns:p14="http://schemas.microsoft.com/office/powerpoint/2010/main" val="1599818699"/>
+      </p:ext>
+    </p:extLst>
+  </p:cSld>
+  <p:clrMapOvr>
+    <a:masterClrMapping/>
+  </p:clrMapOvr>
+</p:sld>
+</file>
+
+<file path=ppt/slides/slide23.xml><?xml version="1.0" encoding="utf-8"?>
+<p:sld xmlns:a="http://schemas.openxmlformats.org/drawingml/2006/main" xmlns:r="http://schemas.openxmlformats.org/officeDocument/2006/relationships" xmlns:p="http://schemas.openxmlformats.org/presentationml/2006/main">
+  <p:cSld>
+    <p:spTree>
+      <p:nvGrpSpPr>
         <p:cNvPr id="1" name="Shape 832">
           <a:extLst>
             <a:ext uri="{FF2B5EF4-FFF2-40B4-BE49-F238E27FC236}">
@@ -45006,7 +51233,7 @@
         </p:nvSpPr>
         <p:spPr>
           <a:xfrm>
-            <a:off x="2415175" y="832048"/>
+            <a:off x="2399966" y="717189"/>
             <a:ext cx="5580000" cy="4311600"/>
           </a:xfrm>
           <a:prstGeom prst="rect">
@@ -45080,7 +51307,7 @@
             </a:pPr>
             <a:r>
               <a:rPr lang="en" dirty="0"/>
-              <a:t>Concluzii</a:t>
+              <a:t>Descrierea aplicatiei + concluzii</a:t>
             </a:r>
             <a:endParaRPr dirty="0"/>
           </a:p>
@@ -46187,7 +52414,1040 @@
 </p:sld>
 </file>
 
-<file path=ppt/slides/slide22.xml><?xml version="1.0" encoding="utf-8"?>
+<file path=ppt/slides/slide24.xml><?xml version="1.0" encoding="utf-8"?>
+<p:sld xmlns:a="http://schemas.openxmlformats.org/drawingml/2006/main" xmlns:r="http://schemas.openxmlformats.org/officeDocument/2006/relationships" xmlns:p="http://schemas.openxmlformats.org/presentationml/2006/main">
+  <p:cSld>
+    <p:spTree>
+      <p:nvGrpSpPr>
+        <p:cNvPr id="1" name="">
+          <a:extLst>
+            <a:ext uri="{FF2B5EF4-FFF2-40B4-BE49-F238E27FC236}">
+              <a16:creationId xmlns:a16="http://schemas.microsoft.com/office/drawing/2014/main" id="{55DDD664-B930-B9DB-4166-055C79D3EC8F}"/>
+            </a:ext>
+          </a:extLst>
+        </p:cNvPr>
+        <p:cNvGrpSpPr/>
+        <p:nvPr/>
+      </p:nvGrpSpPr>
+      <p:grpSpPr>
+        <a:xfrm>
+          <a:off x="0" y="0"/>
+          <a:ext cx="0" cy="0"/>
+          <a:chOff x="0" y="0"/>
+          <a:chExt cx="0" cy="0"/>
+        </a:xfrm>
+      </p:grpSpPr>
+      <p:sp>
+        <p:nvSpPr>
+          <p:cNvPr id="2" name="Title 1">
+            <a:extLst>
+              <a:ext uri="{FF2B5EF4-FFF2-40B4-BE49-F238E27FC236}">
+                <a16:creationId xmlns:a16="http://schemas.microsoft.com/office/drawing/2014/main" id="{3EEF62EE-AFDE-69BB-B7EB-F7E03CD4AD9B}"/>
+              </a:ext>
+            </a:extLst>
+          </p:cNvPr>
+          <p:cNvSpPr>
+            <a:spLocks noGrp="1"/>
+          </p:cNvSpPr>
+          <p:nvPr>
+            <p:ph type="title"/>
+          </p:nvPr>
+        </p:nvSpPr>
+        <p:spPr/>
+        <p:txBody>
+          <a:bodyPr/>
+          <a:lstStyle/>
+          <a:p>
+            <a:r>
+              <a:rPr lang="en-US" dirty="0" err="1"/>
+              <a:t>Descrierea</a:t>
+            </a:r>
+            <a:r>
+              <a:rPr lang="en-US" dirty="0"/>
+              <a:t> </a:t>
+            </a:r>
+            <a:r>
+              <a:rPr lang="en-US" dirty="0" err="1"/>
+              <a:t>aplicatiei</a:t>
+            </a:r>
+            <a:endParaRPr lang="en-US" dirty="0"/>
+          </a:p>
+        </p:txBody>
+      </p:sp>
+      <p:sp>
+        <p:nvSpPr>
+          <p:cNvPr id="3" name="TextBox 2">
+            <a:extLst>
+              <a:ext uri="{FF2B5EF4-FFF2-40B4-BE49-F238E27FC236}">
+                <a16:creationId xmlns:a16="http://schemas.microsoft.com/office/drawing/2014/main" id="{DE928F29-DB05-313A-4DB0-EEAC0670F3C9}"/>
+              </a:ext>
+            </a:extLst>
+          </p:cNvPr>
+          <p:cNvSpPr txBox="1"/>
+          <p:nvPr/>
+        </p:nvSpPr>
+        <p:spPr>
+          <a:xfrm>
+            <a:off x="1375317" y="1792149"/>
+            <a:ext cx="6393365" cy="954107"/>
+          </a:xfrm>
+          <a:prstGeom prst="rect">
+            <a:avLst/>
+          </a:prstGeom>
+          <a:noFill/>
+        </p:spPr>
+        <p:txBody>
+          <a:bodyPr wrap="square" rtlCol="0">
+            <a:spAutoFit/>
+          </a:bodyPr>
+          <a:lstStyle/>
+          <a:p>
+            <a:r>
+              <a:rPr lang="en-US" dirty="0"/>
+              <a:t>Orice </a:t>
+            </a:r>
+            <a:r>
+              <a:rPr lang="en-US" dirty="0" err="1"/>
+              <a:t>utilizator</a:t>
+            </a:r>
+            <a:r>
+              <a:rPr lang="en-US" dirty="0"/>
+              <a:t> care a </a:t>
+            </a:r>
+            <a:r>
+              <a:rPr lang="en-US" dirty="0" err="1"/>
+              <a:t>instalat</a:t>
+            </a:r>
+            <a:r>
+              <a:rPr lang="en-US" dirty="0"/>
+              <a:t> pe device-ul personal </a:t>
+            </a:r>
+            <a:r>
+              <a:rPr lang="en-US" dirty="0" err="1"/>
+              <a:t>aplicatia</a:t>
+            </a:r>
+            <a:r>
+              <a:rPr lang="en-US" dirty="0"/>
+              <a:t> are </a:t>
+            </a:r>
+            <a:r>
+              <a:rPr lang="en-US" dirty="0" err="1"/>
+              <a:t>posibilitatea</a:t>
+            </a:r>
+            <a:r>
+              <a:rPr lang="en-US" dirty="0"/>
+              <a:t> de a </a:t>
+            </a:r>
+            <a:r>
+              <a:rPr lang="en-US" dirty="0" err="1"/>
+              <a:t>folosi</a:t>
+            </a:r>
+            <a:r>
+              <a:rPr lang="en-US" dirty="0"/>
+              <a:t> </a:t>
+            </a:r>
+            <a:r>
+              <a:rPr lang="en-US" dirty="0" err="1"/>
+              <a:t>aplicatia</a:t>
+            </a:r>
+            <a:r>
+              <a:rPr lang="en-US" dirty="0"/>
+              <a:t> in </a:t>
+            </a:r>
+            <a:r>
+              <a:rPr lang="en-US" dirty="0" err="1"/>
+              <a:t>mai</a:t>
+            </a:r>
+            <a:r>
+              <a:rPr lang="en-US" dirty="0"/>
+              <a:t> </a:t>
+            </a:r>
+            <a:r>
+              <a:rPr lang="en-US" dirty="0" err="1"/>
+              <a:t>multe</a:t>
+            </a:r>
+            <a:r>
+              <a:rPr lang="en-US" dirty="0"/>
+              <a:t> </a:t>
+            </a:r>
+            <a:r>
+              <a:rPr lang="en-US" dirty="0" err="1"/>
+              <a:t>moduri</a:t>
+            </a:r>
+            <a:r>
+              <a:rPr lang="en-US" dirty="0"/>
+              <a:t>. Ca prim mod </a:t>
+            </a:r>
+            <a:r>
+              <a:rPr lang="en-US" dirty="0" err="1"/>
+              <a:t>poate</a:t>
+            </a:r>
+            <a:r>
+              <a:rPr lang="en-US" dirty="0"/>
+              <a:t> </a:t>
+            </a:r>
+            <a:r>
+              <a:rPr lang="en-US" dirty="0" err="1"/>
+              <a:t>rula</a:t>
+            </a:r>
+            <a:r>
+              <a:rPr lang="en-US" dirty="0"/>
+              <a:t> o </a:t>
+            </a:r>
+            <a:r>
+              <a:rPr lang="en-US" dirty="0" err="1"/>
+              <a:t>comanda</a:t>
+            </a:r>
+            <a:r>
+              <a:rPr lang="en-US" dirty="0"/>
+              <a:t> in </a:t>
+            </a:r>
+            <a:r>
+              <a:rPr lang="en-US" dirty="0" err="1"/>
+              <a:t>Terminalul</a:t>
+            </a:r>
+            <a:r>
+              <a:rPr lang="en-US" dirty="0"/>
+              <a:t> </a:t>
+            </a:r>
+            <a:r>
+              <a:rPr lang="en-US" dirty="0" err="1"/>
+              <a:t>aferent</a:t>
+            </a:r>
+            <a:r>
+              <a:rPr lang="en-US" dirty="0"/>
+              <a:t> </a:t>
+            </a:r>
+            <a:r>
+              <a:rPr lang="en-US" dirty="0" err="1"/>
+              <a:t>editorului</a:t>
+            </a:r>
+            <a:r>
+              <a:rPr lang="en-US" dirty="0"/>
+              <a:t> de text pe care il </a:t>
+            </a:r>
+            <a:r>
+              <a:rPr lang="en-US" dirty="0" err="1"/>
+              <a:t>foloseste</a:t>
+            </a:r>
+            <a:r>
+              <a:rPr lang="en-US" dirty="0"/>
+              <a:t>. In </a:t>
+            </a:r>
+            <a:r>
+              <a:rPr lang="en-US" dirty="0" err="1"/>
+              <a:t>acest</a:t>
+            </a:r>
+            <a:r>
+              <a:rPr lang="en-US" dirty="0"/>
+              <a:t> </a:t>
+            </a:r>
+            <a:r>
+              <a:rPr lang="en-US" dirty="0" err="1"/>
+              <a:t>caz</a:t>
+            </a:r>
+            <a:r>
+              <a:rPr lang="en-US" dirty="0"/>
+              <a:t> </a:t>
+            </a:r>
+            <a:r>
+              <a:rPr lang="en-US" dirty="0" err="1"/>
+              <a:t>utilizatorul</a:t>
+            </a:r>
+            <a:r>
+              <a:rPr lang="en-US" dirty="0"/>
+              <a:t> </a:t>
+            </a:r>
+            <a:r>
+              <a:rPr lang="en-US" dirty="0" err="1"/>
+              <a:t>va</a:t>
+            </a:r>
+            <a:r>
+              <a:rPr lang="en-US" dirty="0"/>
+              <a:t> </a:t>
+            </a:r>
+            <a:r>
+              <a:rPr lang="en-US" dirty="0" err="1"/>
+              <a:t>avea</a:t>
+            </a:r>
+            <a:r>
+              <a:rPr lang="en-US" dirty="0"/>
+              <a:t> </a:t>
+            </a:r>
+            <a:r>
+              <a:rPr lang="en-US" dirty="0" err="1"/>
+              <a:t>parte</a:t>
+            </a:r>
+            <a:r>
+              <a:rPr lang="en-US" dirty="0"/>
+              <a:t> de o </a:t>
+            </a:r>
+            <a:r>
+              <a:rPr lang="en-US" dirty="0" err="1"/>
+              <a:t>interfata</a:t>
+            </a:r>
+            <a:r>
+              <a:rPr lang="en-US" dirty="0"/>
+              <a:t> </a:t>
+            </a:r>
+            <a:r>
+              <a:rPr lang="en-US" dirty="0" err="1"/>
+              <a:t>mai</a:t>
+            </a:r>
+            <a:r>
+              <a:rPr lang="en-US" dirty="0"/>
+              <a:t> </a:t>
+            </a:r>
+            <a:r>
+              <a:rPr lang="en-US" dirty="0" err="1"/>
+              <a:t>rudimentara</a:t>
+            </a:r>
+            <a:r>
+              <a:rPr lang="en-US" dirty="0"/>
+              <a:t> </a:t>
+            </a:r>
+            <a:r>
+              <a:rPr lang="en-US" dirty="0" err="1"/>
+              <a:t>dar</a:t>
+            </a:r>
+            <a:r>
+              <a:rPr lang="en-US" dirty="0"/>
+              <a:t> care ii da o </a:t>
+            </a:r>
+            <a:r>
+              <a:rPr lang="en-US" dirty="0" err="1"/>
+              <a:t>optiune</a:t>
+            </a:r>
+            <a:r>
+              <a:rPr lang="en-US" dirty="0"/>
+              <a:t> in plus.</a:t>
+            </a:r>
+          </a:p>
+        </p:txBody>
+      </p:sp>
+      <p:pic>
+        <p:nvPicPr>
+          <p:cNvPr id="5" name="Picture 4">
+            <a:extLst>
+              <a:ext uri="{FF2B5EF4-FFF2-40B4-BE49-F238E27FC236}">
+                <a16:creationId xmlns:a16="http://schemas.microsoft.com/office/drawing/2014/main" id="{BA3B6B01-7FFE-4BEA-27BA-A29C8EA0F4AD}"/>
+              </a:ext>
+            </a:extLst>
+          </p:cNvPr>
+          <p:cNvPicPr>
+            <a:picLocks noChangeAspect="1"/>
+          </p:cNvPicPr>
+          <p:nvPr/>
+        </p:nvPicPr>
+        <p:blipFill>
+          <a:blip r:embed="rId2"/>
+          <a:stretch>
+            <a:fillRect/>
+          </a:stretch>
+        </p:blipFill>
+        <p:spPr>
+          <a:xfrm>
+            <a:off x="1375317" y="2906512"/>
+            <a:ext cx="2993250" cy="1928920"/>
+          </a:xfrm>
+          <a:prstGeom prst="rect">
+            <a:avLst/>
+          </a:prstGeom>
+        </p:spPr>
+      </p:pic>
+      <p:sp>
+        <p:nvSpPr>
+          <p:cNvPr id="6" name="TextBox 5">
+            <a:extLst>
+              <a:ext uri="{FF2B5EF4-FFF2-40B4-BE49-F238E27FC236}">
+                <a16:creationId xmlns:a16="http://schemas.microsoft.com/office/drawing/2014/main" id="{E6F3C02F-B93B-8144-A394-BDD332FCA07E}"/>
+              </a:ext>
+            </a:extLst>
+          </p:cNvPr>
+          <p:cNvSpPr txBox="1"/>
+          <p:nvPr/>
+        </p:nvSpPr>
+        <p:spPr>
+          <a:xfrm>
+            <a:off x="4449371" y="3073377"/>
+            <a:ext cx="3695170" cy="1169551"/>
+          </a:xfrm>
+          <a:prstGeom prst="rect">
+            <a:avLst/>
+          </a:prstGeom>
+          <a:noFill/>
+        </p:spPr>
+        <p:txBody>
+          <a:bodyPr wrap="square" rtlCol="0">
+            <a:spAutoFit/>
+          </a:bodyPr>
+          <a:lstStyle/>
+          <a:p>
+            <a:r>
+              <a:rPr lang="en-US" dirty="0" err="1"/>
+              <a:t>Comenzi</a:t>
+            </a:r>
+            <a:r>
+              <a:rPr lang="en-US" dirty="0"/>
+              <a:t> de </a:t>
+            </a:r>
+            <a:r>
+              <a:rPr lang="en-US" dirty="0" err="1"/>
+              <a:t>pornire</a:t>
+            </a:r>
+            <a:r>
+              <a:rPr lang="en-US" dirty="0"/>
+              <a:t> ( in terminal ):</a:t>
+            </a:r>
+          </a:p>
+          <a:p>
+            <a:r>
+              <a:rPr lang="en-US" dirty="0"/>
+              <a:t>&amp; "D:/proiectRN/Proiect </a:t>
+            </a:r>
+            <a:r>
+              <a:rPr lang="en-US" dirty="0" err="1"/>
+              <a:t>retele</a:t>
+            </a:r>
+            <a:r>
+              <a:rPr lang="en-US" dirty="0"/>
+              <a:t> </a:t>
+            </a:r>
+            <a:r>
+              <a:rPr lang="en-US" dirty="0" err="1"/>
+              <a:t>neuronale</a:t>
+            </a:r>
+            <a:r>
+              <a:rPr lang="en-US" dirty="0"/>
+              <a:t>/.venv-5/Scripts/python.exe" "</a:t>
+            </a:r>
+            <a:r>
+              <a:rPr lang="en-US" dirty="0" err="1"/>
+              <a:t>src</a:t>
+            </a:r>
+            <a:r>
+              <a:rPr lang="en-US" dirty="0"/>
+              <a:t>/</a:t>
+            </a:r>
+            <a:r>
+              <a:rPr lang="en-US" dirty="0" err="1"/>
+              <a:t>neural_network</a:t>
+            </a:r>
+            <a:r>
+              <a:rPr lang="en-US" dirty="0"/>
+              <a:t>/ui_app.py"</a:t>
+            </a:r>
+          </a:p>
+          <a:p>
+            <a:endParaRPr lang="en-US" dirty="0"/>
+          </a:p>
+        </p:txBody>
+      </p:sp>
+    </p:spTree>
+    <p:extLst>
+      <p:ext uri="{BB962C8B-B14F-4D97-AF65-F5344CB8AC3E}">
+        <p14:creationId xmlns:p14="http://schemas.microsoft.com/office/powerpoint/2010/main" val="2961614676"/>
+      </p:ext>
+    </p:extLst>
+  </p:cSld>
+  <p:clrMapOvr>
+    <a:masterClrMapping/>
+  </p:clrMapOvr>
+</p:sld>
+</file>
+
+<file path=ppt/slides/slide25.xml><?xml version="1.0" encoding="utf-8"?>
+<p:sld xmlns:a="http://schemas.openxmlformats.org/drawingml/2006/main" xmlns:r="http://schemas.openxmlformats.org/officeDocument/2006/relationships" xmlns:p="http://schemas.openxmlformats.org/presentationml/2006/main">
+  <p:cSld>
+    <p:spTree>
+      <p:nvGrpSpPr>
+        <p:cNvPr id="1" name="">
+          <a:extLst>
+            <a:ext uri="{FF2B5EF4-FFF2-40B4-BE49-F238E27FC236}">
+              <a16:creationId xmlns:a16="http://schemas.microsoft.com/office/drawing/2014/main" id="{CC96ACF1-22E9-0DBD-15DB-1F174FD1A50F}"/>
+            </a:ext>
+          </a:extLst>
+        </p:cNvPr>
+        <p:cNvGrpSpPr/>
+        <p:nvPr/>
+      </p:nvGrpSpPr>
+      <p:grpSpPr>
+        <a:xfrm>
+          <a:off x="0" y="0"/>
+          <a:ext cx="0" cy="0"/>
+          <a:chOff x="0" y="0"/>
+          <a:chExt cx="0" cy="0"/>
+        </a:xfrm>
+      </p:grpSpPr>
+      <p:sp>
+        <p:nvSpPr>
+          <p:cNvPr id="2" name="Title 1">
+            <a:extLst>
+              <a:ext uri="{FF2B5EF4-FFF2-40B4-BE49-F238E27FC236}">
+                <a16:creationId xmlns:a16="http://schemas.microsoft.com/office/drawing/2014/main" id="{F934D58D-CC71-7562-9DF8-9B8FB712D27A}"/>
+              </a:ext>
+            </a:extLst>
+          </p:cNvPr>
+          <p:cNvSpPr>
+            <a:spLocks noGrp="1"/>
+          </p:cNvSpPr>
+          <p:nvPr>
+            <p:ph type="title"/>
+          </p:nvPr>
+        </p:nvSpPr>
+        <p:spPr/>
+        <p:txBody>
+          <a:bodyPr/>
+          <a:lstStyle/>
+          <a:p>
+            <a:r>
+              <a:rPr lang="en-US" dirty="0" err="1"/>
+              <a:t>Descrierea</a:t>
+            </a:r>
+            <a:r>
+              <a:rPr lang="en-US" dirty="0"/>
+              <a:t> </a:t>
+            </a:r>
+            <a:r>
+              <a:rPr lang="en-US" dirty="0" err="1"/>
+              <a:t>aplicatiei</a:t>
+            </a:r>
+            <a:endParaRPr lang="en-US" dirty="0"/>
+          </a:p>
+        </p:txBody>
+      </p:sp>
+      <p:sp>
+        <p:nvSpPr>
+          <p:cNvPr id="3" name="TextBox 2">
+            <a:extLst>
+              <a:ext uri="{FF2B5EF4-FFF2-40B4-BE49-F238E27FC236}">
+                <a16:creationId xmlns:a16="http://schemas.microsoft.com/office/drawing/2014/main" id="{A1840394-4000-3A8E-5F3B-A0A3B402670A}"/>
+              </a:ext>
+            </a:extLst>
+          </p:cNvPr>
+          <p:cNvSpPr txBox="1"/>
+          <p:nvPr/>
+        </p:nvSpPr>
+        <p:spPr>
+          <a:xfrm>
+            <a:off x="1375317" y="1335466"/>
+            <a:ext cx="6393365" cy="1600438"/>
+          </a:xfrm>
+          <a:prstGeom prst="rect">
+            <a:avLst/>
+          </a:prstGeom>
+          <a:noFill/>
+        </p:spPr>
+        <p:txBody>
+          <a:bodyPr wrap="square" rtlCol="0">
+            <a:spAutoFit/>
+          </a:bodyPr>
+          <a:lstStyle/>
+          <a:p>
+            <a:r>
+              <a:rPr lang="en-US" dirty="0"/>
+              <a:t>Daca ne </a:t>
+            </a:r>
+            <a:r>
+              <a:rPr lang="en-US" dirty="0" err="1"/>
+              <a:t>referim</a:t>
+            </a:r>
+            <a:r>
+              <a:rPr lang="en-US" dirty="0"/>
+              <a:t> la </a:t>
+            </a:r>
+            <a:r>
+              <a:rPr lang="en-US" dirty="0" err="1"/>
+              <a:t>interfata</a:t>
+            </a:r>
+            <a:r>
+              <a:rPr lang="en-US" dirty="0"/>
+              <a:t> web, </a:t>
+            </a:r>
+            <a:r>
+              <a:rPr lang="en-US" dirty="0" err="1"/>
+              <a:t>ea</a:t>
+            </a:r>
+            <a:r>
+              <a:rPr lang="en-US" dirty="0"/>
+              <a:t> </a:t>
+            </a:r>
+            <a:r>
+              <a:rPr lang="en-US" dirty="0" err="1"/>
+              <a:t>cuprinde</a:t>
+            </a:r>
+            <a:r>
+              <a:rPr lang="en-US" dirty="0"/>
+              <a:t> un design </a:t>
+            </a:r>
+            <a:r>
+              <a:rPr lang="en-US" dirty="0" err="1"/>
+              <a:t>mult</a:t>
+            </a:r>
+            <a:r>
+              <a:rPr lang="en-US" dirty="0"/>
+              <a:t> </a:t>
+            </a:r>
+            <a:r>
+              <a:rPr lang="en-US" dirty="0" err="1"/>
+              <a:t>mai</a:t>
+            </a:r>
+            <a:r>
+              <a:rPr lang="en-US" dirty="0"/>
+              <a:t> </a:t>
+            </a:r>
+            <a:r>
+              <a:rPr lang="en-US" dirty="0" err="1"/>
+              <a:t>prietenos</a:t>
+            </a:r>
+            <a:r>
+              <a:rPr lang="en-US" dirty="0"/>
+              <a:t> cu </a:t>
+            </a:r>
+            <a:r>
+              <a:rPr lang="en-US" dirty="0" err="1"/>
+              <a:t>utilizatorul</a:t>
+            </a:r>
+            <a:r>
+              <a:rPr lang="en-US" dirty="0"/>
+              <a:t>. </a:t>
+            </a:r>
+            <a:r>
+              <a:rPr lang="en-US" dirty="0" err="1"/>
+              <a:t>Interfata</a:t>
+            </a:r>
+            <a:r>
+              <a:rPr lang="en-US" dirty="0"/>
+              <a:t> web </a:t>
+            </a:r>
+            <a:r>
+              <a:rPr lang="en-US" dirty="0" err="1"/>
+              <a:t>cuprinde</a:t>
+            </a:r>
+            <a:r>
+              <a:rPr lang="en-US" dirty="0"/>
+              <a:t> </a:t>
+            </a:r>
+            <a:r>
+              <a:rPr lang="en-US" dirty="0" err="1"/>
+              <a:t>si</a:t>
+            </a:r>
+            <a:r>
+              <a:rPr lang="en-US" dirty="0"/>
+              <a:t> o </a:t>
+            </a:r>
+            <a:r>
+              <a:rPr lang="en-US" dirty="0" err="1"/>
+              <a:t>pagina</a:t>
+            </a:r>
+            <a:r>
+              <a:rPr lang="en-US" dirty="0"/>
+              <a:t> de </a:t>
+            </a:r>
+            <a:r>
+              <a:rPr lang="en-US" dirty="0" err="1"/>
+              <a:t>register+login</a:t>
+            </a:r>
+            <a:r>
+              <a:rPr lang="en-US" dirty="0"/>
+              <a:t> ( tot cu </a:t>
+            </a:r>
+            <a:r>
+              <a:rPr lang="en-US" dirty="0" err="1"/>
+              <a:t>ajutorul</a:t>
+            </a:r>
+            <a:r>
+              <a:rPr lang="en-US" dirty="0"/>
+              <a:t> csv-</a:t>
+            </a:r>
+            <a:r>
+              <a:rPr lang="en-US" dirty="0" err="1"/>
+              <a:t>urilor</a:t>
+            </a:r>
+            <a:r>
+              <a:rPr lang="en-US" dirty="0"/>
+              <a:t> ). Ca </a:t>
+            </a:r>
+            <a:r>
+              <a:rPr lang="en-US" dirty="0" err="1"/>
+              <a:t>si</a:t>
+            </a:r>
+            <a:r>
+              <a:rPr lang="en-US" dirty="0"/>
+              <a:t> </a:t>
+            </a:r>
+            <a:r>
+              <a:rPr lang="en-US" dirty="0" err="1"/>
+              <a:t>functionalitate</a:t>
+            </a:r>
+            <a:r>
+              <a:rPr lang="en-US" dirty="0"/>
+              <a:t> face exact </a:t>
+            </a:r>
+            <a:r>
+              <a:rPr lang="en-US" dirty="0" err="1"/>
+              <a:t>acelasi</a:t>
+            </a:r>
+            <a:r>
+              <a:rPr lang="en-US" dirty="0"/>
+              <a:t> </a:t>
+            </a:r>
+            <a:r>
+              <a:rPr lang="en-US" dirty="0" err="1"/>
+              <a:t>lucru</a:t>
+            </a:r>
+            <a:r>
+              <a:rPr lang="en-US" dirty="0"/>
+              <a:t> </a:t>
+            </a:r>
+            <a:r>
+              <a:rPr lang="en-US" dirty="0" err="1"/>
+              <a:t>doar</a:t>
+            </a:r>
+            <a:r>
+              <a:rPr lang="en-US" dirty="0"/>
+              <a:t> ca din </a:t>
+            </a:r>
+            <a:r>
+              <a:rPr lang="en-US" dirty="0" err="1"/>
+              <a:t>cauza</a:t>
+            </a:r>
+            <a:r>
+              <a:rPr lang="en-US" dirty="0"/>
+              <a:t> a </a:t>
+            </a:r>
+            <a:r>
+              <a:rPr lang="en-US" dirty="0" err="1"/>
+              <a:t>mici</a:t>
+            </a:r>
+            <a:r>
+              <a:rPr lang="en-US" dirty="0"/>
+              <a:t> </a:t>
+            </a:r>
+            <a:r>
+              <a:rPr lang="en-US" dirty="0" err="1"/>
+              <a:t>erori</a:t>
+            </a:r>
+            <a:r>
+              <a:rPr lang="en-US" dirty="0"/>
+              <a:t> nu </a:t>
+            </a:r>
+            <a:r>
+              <a:rPr lang="en-US" dirty="0" err="1"/>
+              <a:t>avem</a:t>
+            </a:r>
+            <a:r>
+              <a:rPr lang="en-US" dirty="0"/>
+              <a:t> </a:t>
+            </a:r>
+            <a:r>
+              <a:rPr lang="en-US" dirty="0" err="1"/>
+              <a:t>acces</a:t>
+            </a:r>
+            <a:r>
+              <a:rPr lang="en-US" dirty="0"/>
+              <a:t> la camera pe web, </a:t>
+            </a:r>
+            <a:r>
+              <a:rPr lang="en-US" dirty="0" err="1"/>
+              <a:t>dar</a:t>
+            </a:r>
+            <a:r>
+              <a:rPr lang="en-US" dirty="0"/>
+              <a:t> </a:t>
+            </a:r>
+            <a:r>
+              <a:rPr lang="en-US" dirty="0" err="1"/>
+              <a:t>putem</a:t>
+            </a:r>
+            <a:r>
+              <a:rPr lang="en-US" dirty="0"/>
+              <a:t> </a:t>
+            </a:r>
+            <a:r>
+              <a:rPr lang="en-US" dirty="0" err="1"/>
+              <a:t>incarca</a:t>
+            </a:r>
+            <a:r>
+              <a:rPr lang="en-US" dirty="0"/>
+              <a:t> </a:t>
+            </a:r>
+            <a:r>
+              <a:rPr lang="en-US" dirty="0" err="1"/>
+              <a:t>poze</a:t>
+            </a:r>
+            <a:r>
+              <a:rPr lang="en-US" dirty="0"/>
+              <a:t> de pe device-ul personal. Pe </a:t>
+            </a:r>
+            <a:r>
+              <a:rPr lang="en-US" dirty="0" err="1"/>
+              <a:t>langa</a:t>
+            </a:r>
+            <a:r>
+              <a:rPr lang="en-US" dirty="0"/>
+              <a:t> </a:t>
+            </a:r>
+            <a:r>
+              <a:rPr lang="en-US" dirty="0" err="1"/>
+              <a:t>acest</a:t>
+            </a:r>
+            <a:r>
+              <a:rPr lang="en-US" dirty="0"/>
+              <a:t> </a:t>
+            </a:r>
+            <a:r>
+              <a:rPr lang="en-US" dirty="0" err="1"/>
+              <a:t>lucru</a:t>
+            </a:r>
+            <a:r>
+              <a:rPr lang="en-US" dirty="0"/>
+              <a:t>, in </a:t>
+            </a:r>
+            <a:r>
+              <a:rPr lang="en-US" dirty="0" err="1"/>
+              <a:t>interfata</a:t>
+            </a:r>
+            <a:r>
+              <a:rPr lang="en-US" dirty="0"/>
+              <a:t> web </a:t>
+            </a:r>
+            <a:r>
+              <a:rPr lang="en-US" dirty="0" err="1"/>
+              <a:t>gasim</a:t>
+            </a:r>
+            <a:r>
+              <a:rPr lang="en-US" dirty="0"/>
+              <a:t> o </a:t>
+            </a:r>
+            <a:r>
+              <a:rPr lang="en-US" dirty="0" err="1"/>
+              <a:t>noua</a:t>
+            </a:r>
+            <a:r>
+              <a:rPr lang="en-US" dirty="0"/>
+              <a:t> </a:t>
+            </a:r>
+            <a:r>
+              <a:rPr lang="en-US" dirty="0" err="1"/>
+              <a:t>functie</a:t>
+            </a:r>
+            <a:r>
+              <a:rPr lang="en-US" dirty="0"/>
+              <a:t>, </a:t>
+            </a:r>
+            <a:r>
+              <a:rPr lang="en-US" dirty="0" err="1"/>
+              <a:t>cea</a:t>
+            </a:r>
+            <a:r>
+              <a:rPr lang="en-US" dirty="0"/>
+              <a:t> de </a:t>
+            </a:r>
+            <a:r>
+              <a:rPr lang="en-US" dirty="0" err="1"/>
+              <a:t>adaugare</a:t>
+            </a:r>
+            <a:r>
+              <a:rPr lang="en-US" dirty="0"/>
+              <a:t> accident pe </a:t>
+            </a:r>
+            <a:r>
+              <a:rPr lang="en-US" dirty="0" err="1"/>
+              <a:t>placuta</a:t>
+            </a:r>
+            <a:r>
+              <a:rPr lang="en-US" dirty="0"/>
+              <a:t> de </a:t>
+            </a:r>
+            <a:r>
+              <a:rPr lang="en-US" dirty="0" err="1"/>
+              <a:t>inmatriculare</a:t>
+            </a:r>
+            <a:r>
+              <a:rPr lang="en-US" dirty="0"/>
+              <a:t>, care de </a:t>
+            </a:r>
+            <a:r>
+              <a:rPr lang="en-US" dirty="0" err="1"/>
+              <a:t>asemenea</a:t>
+            </a:r>
+            <a:r>
+              <a:rPr lang="en-US" dirty="0"/>
+              <a:t> </a:t>
+            </a:r>
+            <a:r>
+              <a:rPr lang="en-US" dirty="0" err="1"/>
+              <a:t>modifica</a:t>
+            </a:r>
+            <a:r>
+              <a:rPr lang="en-US" dirty="0"/>
+              <a:t> </a:t>
+            </a:r>
+            <a:r>
+              <a:rPr lang="en-US" dirty="0" err="1"/>
+              <a:t>si</a:t>
+            </a:r>
+            <a:r>
+              <a:rPr lang="en-US" dirty="0"/>
+              <a:t> </a:t>
+            </a:r>
+            <a:r>
+              <a:rPr lang="en-US" dirty="0" err="1"/>
+              <a:t>scorul</a:t>
+            </a:r>
+            <a:r>
+              <a:rPr lang="en-US" dirty="0"/>
+              <a:t> </a:t>
+            </a:r>
+            <a:r>
+              <a:rPr lang="en-US" dirty="0" err="1"/>
+              <a:t>judetului</a:t>
+            </a:r>
+            <a:r>
+              <a:rPr lang="en-US" dirty="0"/>
+              <a:t> implicit.</a:t>
+            </a:r>
+          </a:p>
+        </p:txBody>
+      </p:sp>
+      <p:sp>
+        <p:nvSpPr>
+          <p:cNvPr id="6" name="TextBox 5">
+            <a:extLst>
+              <a:ext uri="{FF2B5EF4-FFF2-40B4-BE49-F238E27FC236}">
+                <a16:creationId xmlns:a16="http://schemas.microsoft.com/office/drawing/2014/main" id="{CC112AF1-D10C-F7D1-8478-858264DCD22B}"/>
+              </a:ext>
+            </a:extLst>
+          </p:cNvPr>
+          <p:cNvSpPr txBox="1"/>
+          <p:nvPr/>
+        </p:nvSpPr>
+        <p:spPr>
+          <a:xfrm>
+            <a:off x="4800599" y="3169258"/>
+            <a:ext cx="3695170" cy="1169551"/>
+          </a:xfrm>
+          <a:prstGeom prst="rect">
+            <a:avLst/>
+          </a:prstGeom>
+          <a:noFill/>
+        </p:spPr>
+        <p:txBody>
+          <a:bodyPr wrap="square" rtlCol="0">
+            <a:spAutoFit/>
+          </a:bodyPr>
+          <a:lstStyle/>
+          <a:p>
+            <a:r>
+              <a:rPr lang="en-US" dirty="0" err="1"/>
+              <a:t>Comenzi</a:t>
+            </a:r>
+            <a:r>
+              <a:rPr lang="en-US" dirty="0"/>
+              <a:t> de </a:t>
+            </a:r>
+            <a:r>
+              <a:rPr lang="en-US" dirty="0" err="1"/>
+              <a:t>pornire</a:t>
+            </a:r>
+            <a:r>
+              <a:rPr lang="en-US" dirty="0"/>
+              <a:t> ( in </a:t>
+            </a:r>
+            <a:r>
+              <a:rPr lang="en-US" dirty="0" err="1"/>
+              <a:t>powershell</a:t>
+            </a:r>
+            <a:r>
+              <a:rPr lang="en-US" dirty="0"/>
+              <a:t> ):</a:t>
+            </a:r>
+          </a:p>
+          <a:p>
+            <a:r>
+              <a:rPr lang="en-US" dirty="0"/>
+              <a:t>&amp; "D:\proiectRN\Proiect </a:t>
+            </a:r>
+            <a:r>
+              <a:rPr lang="en-US" dirty="0" err="1"/>
+              <a:t>retele</a:t>
+            </a:r>
+            <a:r>
+              <a:rPr lang="en-US" dirty="0"/>
+              <a:t> </a:t>
+            </a:r>
+            <a:r>
+              <a:rPr lang="en-US" dirty="0" err="1"/>
+              <a:t>neuronale</a:t>
+            </a:r>
+            <a:r>
+              <a:rPr lang="en-US" dirty="0"/>
+              <a:t>\.venv-5\Scripts\streamlit.exe" run "D:\proiectRN\Proiect </a:t>
+            </a:r>
+            <a:r>
+              <a:rPr lang="en-US" dirty="0" err="1"/>
+              <a:t>retele</a:t>
+            </a:r>
+            <a:r>
+              <a:rPr lang="en-US" dirty="0"/>
+              <a:t> </a:t>
+            </a:r>
+            <a:r>
+              <a:rPr lang="en-US" dirty="0" err="1"/>
+              <a:t>neuronale</a:t>
+            </a:r>
+            <a:r>
+              <a:rPr lang="en-US" dirty="0"/>
+              <a:t>\web\app.py"</a:t>
+            </a:r>
+          </a:p>
+        </p:txBody>
+      </p:sp>
+      <p:pic>
+        <p:nvPicPr>
+          <p:cNvPr id="7" name="Picture 6">
+            <a:extLst>
+              <a:ext uri="{FF2B5EF4-FFF2-40B4-BE49-F238E27FC236}">
+                <a16:creationId xmlns:a16="http://schemas.microsoft.com/office/drawing/2014/main" id="{4982884B-0DB5-C0AB-A8F6-F8D2603B8EAA}"/>
+              </a:ext>
+            </a:extLst>
+          </p:cNvPr>
+          <p:cNvPicPr>
+            <a:picLocks noChangeAspect="1"/>
+          </p:cNvPicPr>
+          <p:nvPr/>
+        </p:nvPicPr>
+        <p:blipFill>
+          <a:blip r:embed="rId2"/>
+          <a:stretch>
+            <a:fillRect/>
+          </a:stretch>
+        </p:blipFill>
+        <p:spPr>
+          <a:xfrm>
+            <a:off x="1375317" y="3119491"/>
+            <a:ext cx="3261116" cy="1653400"/>
+          </a:xfrm>
+          <a:prstGeom prst="rect">
+            <a:avLst/>
+          </a:prstGeom>
+        </p:spPr>
+      </p:pic>
+    </p:spTree>
+    <p:extLst>
+      <p:ext uri="{BB962C8B-B14F-4D97-AF65-F5344CB8AC3E}">
+        <p14:creationId xmlns:p14="http://schemas.microsoft.com/office/powerpoint/2010/main" val="3305725941"/>
+      </p:ext>
+    </p:extLst>
+  </p:cSld>
+  <p:clrMapOvr>
+    <a:masterClrMapping/>
+  </p:clrMapOvr>
+</p:sld>
+</file>
+
+<file path=ppt/slides/slide26.xml><?xml version="1.0" encoding="utf-8"?>
 <p:sld xmlns:a="http://schemas.openxmlformats.org/drawingml/2006/main" xmlns:r="http://schemas.openxmlformats.org/officeDocument/2006/relationships" xmlns:p="http://schemas.openxmlformats.org/presentationml/2006/main">
   <p:cSld>
     <p:spTree>
@@ -46250,7 +53510,7 @@
           <a:bodyPr/>
           <a:lstStyle/>
           <a:p>
-            <a:endParaRPr lang="en-US"/>
+            <a:endParaRPr lang="en-US" dirty="0"/>
           </a:p>
         </p:txBody>
       </p:sp>
